--- a/lesson-530-developing-spark-applications/slides/developing-spark-applications-with-scala.pptx
+++ b/lesson-530-developing-spark-applications/slides/developing-spark-applications-with-scala.pptx
@@ -142,6 +142,30 @@
         </p14:section>
       </p14:sectionLst>
     </p:ext>
+    <p:ext uri="{EFAFB233-063F-42B5-8137-9DF3F51BA10A}">
+      <p15:sldGuideLst xmlns:p15="http://schemas.microsoft.com/office/powerpoint/2012/main">
+        <p15:guide id="1" orient="horz" pos="3951">
+          <p15:clr>
+            <a:srgbClr val="A4A3A4"/>
+          </p15:clr>
+        </p15:guide>
+        <p15:guide id="2" orient="horz" pos="377">
+          <p15:clr>
+            <a:srgbClr val="A4A3A4"/>
+          </p15:clr>
+        </p15:guide>
+        <p15:guide id="3" pos="5471">
+          <p15:clr>
+            <a:srgbClr val="A4A3A4"/>
+          </p15:clr>
+        </p15:guide>
+        <p15:guide id="4" pos="284">
+          <p15:clr>
+            <a:srgbClr val="A4A3A4"/>
+          </p15:clr>
+        </p15:guide>
+      </p15:sldGuideLst>
+    </p:ext>
   </p:extLst>
 </p:presentation>
 </file>
@@ -229,7 +253,7 @@
             <a:fld id="{7E6858BF-E995-6B4A-A066-18CA04BBA799}" type="datetimeFigureOut">
               <a:rPr lang="en-US" smtClean="0"/>
               <a:pPr/>
-              <a:t>2/10/16</a:t>
+              <a:t>5/8/18</a:t>
             </a:fld>
             <a:endParaRPr lang="en-US"/>
           </a:p>
@@ -397,7 +421,7 @@
             <a:fld id="{D88695E9-1DC5-9344-A1C3-9069609C108C}" type="datetimeFigureOut">
               <a:rPr lang="en-US" smtClean="0"/>
               <a:pPr/>
-              <a:t>2/10/16</a:t>
+              <a:t>5/8/18</a:t>
             </a:fld>
             <a:endParaRPr lang="en-US"/>
           </a:p>
@@ -461,38 +485,37 @@
           <a:p>
             <a:pPr lvl="0"/>
             <a:r>
-              <a:rPr lang="en-US" smtClean="0"/>
+              <a:rPr lang="en-US"/>
               <a:t>Click to edit Master text styles</a:t>
             </a:r>
           </a:p>
           <a:p>
             <a:pPr lvl="1"/>
             <a:r>
-              <a:rPr lang="en-US" smtClean="0"/>
+              <a:rPr lang="en-US"/>
               <a:t>Second level</a:t>
             </a:r>
           </a:p>
           <a:p>
             <a:pPr lvl="2"/>
             <a:r>
-              <a:rPr lang="en-US" smtClean="0"/>
+              <a:rPr lang="en-US"/>
               <a:t>Third level</a:t>
             </a:r>
           </a:p>
           <a:p>
             <a:pPr lvl="3"/>
             <a:r>
-              <a:rPr lang="en-US" smtClean="0"/>
+              <a:rPr lang="en-US"/>
               <a:t>Fourth level</a:t>
             </a:r>
           </a:p>
           <a:p>
             <a:pPr lvl="4"/>
             <a:r>
-              <a:rPr lang="en-US" smtClean="0"/>
+              <a:rPr lang="en-US"/>
               <a:t>Fifth level</a:t>
             </a:r>
-            <a:endParaRPr lang="en-US"/>
           </a:p>
         </p:txBody>
       </p:sp>
@@ -896,7 +919,7 @@
           <a:lstStyle/>
           <a:p>
             <a:pPr algn="ctr"/>
-            <a:endParaRPr lang="en-US" dirty="0" err="1" smtClean="0">
+            <a:endParaRPr lang="en-US" dirty="0" err="1">
               <a:latin typeface="Arial"/>
               <a:cs typeface="Arial"/>
             </a:endParaRPr>
@@ -973,21 +996,21 @@
           <a:p>
             <a:pPr lvl="0"/>
             <a:r>
-              <a:rPr lang="en-US" dirty="0" smtClean="0"/>
+              <a:rPr lang="en-US" dirty="0"/>
               <a:t>Click to edit Master text styles</a:t>
             </a:r>
           </a:p>
           <a:p>
             <a:pPr lvl="1"/>
             <a:r>
-              <a:rPr lang="en-US" dirty="0" smtClean="0"/>
+              <a:rPr lang="en-US" dirty="0"/>
               <a:t>Second level</a:t>
             </a:r>
           </a:p>
           <a:p>
             <a:pPr lvl="2"/>
             <a:r>
-              <a:rPr lang="en-US" dirty="0" smtClean="0"/>
+              <a:rPr lang="en-US" dirty="0"/>
               <a:t>Third level</a:t>
             </a:r>
           </a:p>
@@ -1028,14 +1051,14 @@
           </a:ln>
           <a:extLst>
             <a:ext uri="{909E8E84-426E-40dd-AFC4-6F175D3DCCD1}">
-              <a14:hiddenFill xmlns:a14="http://schemas.microsoft.com/office/drawing/2010/main">
+              <a14:hiddenFill xmlns:a14="http://schemas.microsoft.com/office/drawing/2010/main" xmlns="">
                 <a:solidFill>
                   <a:srgbClr val="FFFFFF"/>
                 </a:solidFill>
               </a14:hiddenFill>
             </a:ext>
             <a:ext uri="{91240B29-F687-4f45-9708-019B960494DF}">
-              <a14:hiddenLine xmlns:a14="http://schemas.microsoft.com/office/drawing/2010/main" w="9525">
+              <a14:hiddenLine xmlns:a14="http://schemas.microsoft.com/office/drawing/2010/main" xmlns="" w="9525">
                 <a:solidFill>
                   <a:srgbClr val="000000"/>
                 </a:solidFill>
@@ -1124,14 +1147,14 @@
           <a:effectLst/>
           <a:extLst>
             <a:ext uri="{909E8E84-426E-40dd-AFC4-6F175D3DCCD1}">
-              <a14:hiddenFill xmlns:a14="http://schemas.microsoft.com/office/drawing/2010/main">
+              <a14:hiddenFill xmlns:a14="http://schemas.microsoft.com/office/drawing/2010/main" xmlns="">
                 <a:solidFill>
                   <a:srgbClr val="FFFFFF"/>
                 </a:solidFill>
               </a14:hiddenFill>
             </a:ext>
             <a:ext uri="{91240B29-F687-4f45-9708-019B960494DF}">
-              <a14:hiddenLine xmlns:a14="http://schemas.microsoft.com/office/drawing/2010/main" w="12700">
+              <a14:hiddenLine xmlns:a14="http://schemas.microsoft.com/office/drawing/2010/main" xmlns="" w="12700">
                 <a:solidFill>
                   <a:srgbClr val="000000"/>
                 </a:solidFill>
@@ -1141,7 +1164,7 @@
               </a14:hiddenLine>
             </a:ext>
             <a:ext uri="{AF507438-7753-43e0-B8FC-AC1667EBCBE1}">
-              <a14:hiddenEffects xmlns:a14="http://schemas.microsoft.com/office/drawing/2010/main">
+              <a14:hiddenEffects xmlns:a14="http://schemas.microsoft.com/office/drawing/2010/main" xmlns="">
                 <a:effectLst>
                   <a:outerShdw blurRad="63500" dist="38099" dir="2700000" algn="ctr" rotWithShape="0">
                     <a:srgbClr val="000000">
@@ -1175,7 +1198,7 @@
               <a:defRPr/>
             </a:pPr>
             <a:r>
-              <a:rPr lang="en-US" sz="700" b="0" i="0" kern="1200" dirty="0" smtClean="0">
+              <a:rPr lang="en-US" sz="700" b="0" i="0" kern="1200" dirty="0">
                 <a:solidFill>
                   <a:srgbClr val="A7A8A9"/>
                 </a:solidFill>
@@ -1186,7 +1209,7 @@
               </a:rPr>
               <a:t>© 2016 PayPal Inc. All rights reserved. Confidential and proprietary.</a:t>
             </a:r>
-            <a:endParaRPr lang="en-US" sz="700" b="0" i="0" kern="1200" dirty="0" smtClean="0">
+            <a:endParaRPr lang="en-US" sz="700" b="0" i="0" kern="1200" dirty="0">
               <a:solidFill>
                 <a:srgbClr val="A7A8A9"/>
               </a:solidFill>
@@ -1203,7 +1226,7 @@
               <a:defRPr/>
             </a:pPr>
             <a:r>
-              <a:rPr lang="en-US" sz="700" b="0" i="0" kern="1200" dirty="0" smtClean="0">
+              <a:rPr lang="en-US" sz="700" b="0" i="0" kern="1200" dirty="0">
                 <a:solidFill>
                   <a:srgbClr val="A7A8A9"/>
                 </a:solidFill>
@@ -1338,7 +1361,7 @@
                 </a:lnSpc>
               </a:pPr>
               <a:r>
-                <a:rPr lang="en-US" sz="1100" dirty="0" smtClean="0">
+                <a:rPr lang="en-US" sz="1100" dirty="0">
                   <a:solidFill>
                     <a:schemeClr val="accent1"/>
                   </a:solidFill>
@@ -1347,13 +1370,6 @@
                 </a:rPr>
                 <a:t>Global Technology Education</a:t>
               </a:r>
-              <a:endParaRPr lang="en-US" sz="1100" dirty="0">
-                <a:solidFill>
-                  <a:schemeClr val="accent1"/>
-                </a:solidFill>
-                <a:latin typeface="Arial"/>
-                <a:cs typeface="Arial"/>
-              </a:endParaRPr>
             </a:p>
           </p:txBody>
         </p:sp>
@@ -1368,13 +1384,6 @@
   <p:clrMapOvr>
     <a:masterClrMapping/>
   </p:clrMapOvr>
-  <p:timing>
-    <p:tnLst>
-      <p:par>
-        <p:cTn xmlns:p14="http://schemas.microsoft.com/office/powerpoint/2010/main" id="1" dur="indefinite" restart="never" nodeType="tmRoot"/>
-      </p:par>
-    </p:tnLst>
-  </p:timing>
 </p:sldLayout>
 </file>
 
@@ -1465,21 +1474,21 @@
           <a:p>
             <a:pPr lvl="0"/>
             <a:r>
-              <a:rPr lang="en-US" dirty="0" smtClean="0"/>
+              <a:rPr lang="en-US" dirty="0"/>
               <a:t>Click to edit Master text styles</a:t>
             </a:r>
           </a:p>
           <a:p>
             <a:pPr lvl="1"/>
             <a:r>
-              <a:rPr lang="en-US" dirty="0" smtClean="0"/>
+              <a:rPr lang="en-US" dirty="0"/>
               <a:t>Second level</a:t>
             </a:r>
           </a:p>
           <a:p>
             <a:pPr lvl="2"/>
             <a:r>
-              <a:rPr lang="en-US" dirty="0" smtClean="0"/>
+              <a:rPr lang="en-US" dirty="0"/>
               <a:t>Third level</a:t>
             </a:r>
           </a:p>
@@ -1562,14 +1571,14 @@
           <a:effectLst/>
           <a:extLst>
             <a:ext uri="{909E8E84-426E-40dd-AFC4-6F175D3DCCD1}">
-              <a14:hiddenFill xmlns:a14="http://schemas.microsoft.com/office/drawing/2010/main">
+              <a14:hiddenFill xmlns:a14="http://schemas.microsoft.com/office/drawing/2010/main" xmlns="">
                 <a:solidFill>
                   <a:srgbClr val="FFFFFF"/>
                 </a:solidFill>
               </a14:hiddenFill>
             </a:ext>
             <a:ext uri="{91240B29-F687-4f45-9708-019B960494DF}">
-              <a14:hiddenLine xmlns:a14="http://schemas.microsoft.com/office/drawing/2010/main" w="12700">
+              <a14:hiddenLine xmlns:a14="http://schemas.microsoft.com/office/drawing/2010/main" xmlns="" w="12700">
                 <a:solidFill>
                   <a:srgbClr val="000000"/>
                 </a:solidFill>
@@ -1579,7 +1588,7 @@
               </a14:hiddenLine>
             </a:ext>
             <a:ext uri="{AF507438-7753-43e0-B8FC-AC1667EBCBE1}">
-              <a14:hiddenEffects xmlns:a14="http://schemas.microsoft.com/office/drawing/2010/main">
+              <a14:hiddenEffects xmlns:a14="http://schemas.microsoft.com/office/drawing/2010/main" xmlns="">
                 <a:effectLst>
                   <a:outerShdw blurRad="63500" dist="38099" dir="2700000" algn="ctr" rotWithShape="0">
                     <a:srgbClr val="000000">
@@ -1613,7 +1622,7 @@
               <a:defRPr/>
             </a:pPr>
             <a:r>
-              <a:rPr lang="en-US" sz="700" b="0" i="0" kern="1200" dirty="0" smtClean="0">
+              <a:rPr lang="en-US" sz="700" b="0" i="0" kern="1200" dirty="0">
                 <a:solidFill>
                   <a:srgbClr val="A7A8A9"/>
                 </a:solidFill>
@@ -1624,7 +1633,7 @@
               </a:rPr>
               <a:t>© 2016 PayPal Inc. All rights reserved. Confidential and proprietary.</a:t>
             </a:r>
-            <a:endParaRPr lang="en-US" sz="700" b="0" i="0" kern="1200" dirty="0" smtClean="0">
+            <a:endParaRPr lang="en-US" sz="700" b="0" i="0" kern="1200" dirty="0">
               <a:solidFill>
                 <a:srgbClr val="A7A8A9"/>
               </a:solidFill>
@@ -1641,7 +1650,7 @@
               <a:defRPr/>
             </a:pPr>
             <a:r>
-              <a:rPr lang="en-US" sz="700" b="0" i="0" kern="1200" dirty="0" smtClean="0">
+              <a:rPr lang="en-US" sz="700" b="0" i="0" kern="1200" dirty="0">
                 <a:solidFill>
                   <a:srgbClr val="A7A8A9"/>
                 </a:solidFill>
@@ -1740,14 +1749,14 @@
           </a:ln>
           <a:extLst>
             <a:ext uri="{909E8E84-426E-40dd-AFC4-6F175D3DCCD1}">
-              <a14:hiddenFill xmlns:a14="http://schemas.microsoft.com/office/drawing/2010/main">
+              <a14:hiddenFill xmlns:a14="http://schemas.microsoft.com/office/drawing/2010/main" xmlns="">
                 <a:solidFill>
                   <a:srgbClr val="FFFFFF"/>
                 </a:solidFill>
               </a14:hiddenFill>
             </a:ext>
             <a:ext uri="{91240B29-F687-4f45-9708-019B960494DF}">
-              <a14:hiddenLine xmlns:a14="http://schemas.microsoft.com/office/drawing/2010/main" w="9525">
+              <a14:hiddenLine xmlns:a14="http://schemas.microsoft.com/office/drawing/2010/main" xmlns="" w="9525">
                 <a:solidFill>
                   <a:srgbClr val="000000"/>
                 </a:solidFill>
@@ -1830,7 +1839,7 @@
                 </a:lnSpc>
               </a:pPr>
               <a:r>
-                <a:rPr lang="en-US" sz="1100" dirty="0" smtClean="0">
+                <a:rPr lang="en-US" sz="1100" dirty="0">
                   <a:solidFill>
                     <a:schemeClr val="accent1"/>
                   </a:solidFill>
@@ -1839,13 +1848,6 @@
                 </a:rPr>
                 <a:t>Global Technology Education</a:t>
               </a:r>
-              <a:endParaRPr lang="en-US" sz="1100" dirty="0">
-                <a:solidFill>
-                  <a:schemeClr val="accent1"/>
-                </a:solidFill>
-                <a:latin typeface="Arial"/>
-                <a:cs typeface="Arial"/>
-              </a:endParaRPr>
             </a:p>
           </p:txBody>
         </p:sp>
@@ -1860,13 +1862,6 @@
   <p:clrMapOvr>
     <a:masterClrMapping/>
   </p:clrMapOvr>
-  <p:timing>
-    <p:tnLst>
-      <p:par>
-        <p:cTn xmlns:p14="http://schemas.microsoft.com/office/powerpoint/2010/main" id="1" dur="indefinite" restart="never" nodeType="tmRoot"/>
-      </p:par>
-    </p:tnLst>
-  </p:timing>
 </p:sldLayout>
 </file>
 
@@ -1922,10 +1917,9 @@
           </a:lstStyle>
           <a:p>
             <a:r>
-              <a:rPr lang="en-US" dirty="0" smtClean="0"/>
+              <a:rPr lang="en-US" dirty="0"/>
               <a:t>Click to edit Master title style</a:t>
             </a:r>
-            <a:endParaRPr lang="en-US" dirty="0"/>
           </a:p>
         </p:txBody>
       </p:sp>
@@ -2006,7 +2000,7 @@
           <a:p>
             <a:pPr lvl="0"/>
             <a:r>
-              <a:rPr lang="en-US" dirty="0" smtClean="0"/>
+              <a:rPr lang="en-US" dirty="0"/>
               <a:t>Click to edit Master text styles</a:t>
             </a:r>
           </a:p>
@@ -2089,14 +2083,14 @@
           <a:effectLst/>
           <a:extLst>
             <a:ext uri="{909E8E84-426E-40dd-AFC4-6F175D3DCCD1}">
-              <a14:hiddenFill xmlns:a14="http://schemas.microsoft.com/office/drawing/2010/main">
+              <a14:hiddenFill xmlns:a14="http://schemas.microsoft.com/office/drawing/2010/main" xmlns="">
                 <a:solidFill>
                   <a:srgbClr val="FFFFFF"/>
                 </a:solidFill>
               </a14:hiddenFill>
             </a:ext>
             <a:ext uri="{91240B29-F687-4f45-9708-019B960494DF}">
-              <a14:hiddenLine xmlns:a14="http://schemas.microsoft.com/office/drawing/2010/main" w="12700">
+              <a14:hiddenLine xmlns:a14="http://schemas.microsoft.com/office/drawing/2010/main" xmlns="" w="12700">
                 <a:solidFill>
                   <a:srgbClr val="000000"/>
                 </a:solidFill>
@@ -2106,7 +2100,7 @@
               </a14:hiddenLine>
             </a:ext>
             <a:ext uri="{AF507438-7753-43e0-B8FC-AC1667EBCBE1}">
-              <a14:hiddenEffects xmlns:a14="http://schemas.microsoft.com/office/drawing/2010/main">
+              <a14:hiddenEffects xmlns:a14="http://schemas.microsoft.com/office/drawing/2010/main" xmlns="">
                 <a:effectLst>
                   <a:outerShdw blurRad="63500" dist="38099" dir="2700000" algn="ctr" rotWithShape="0">
                     <a:srgbClr val="000000">
@@ -2140,7 +2134,7 @@
               <a:defRPr/>
             </a:pPr>
             <a:r>
-              <a:rPr lang="en-US" sz="700" b="0" i="0" kern="1200" dirty="0" smtClean="0">
+              <a:rPr lang="en-US" sz="700" b="0" i="0" kern="1200" dirty="0">
                 <a:solidFill>
                   <a:srgbClr val="A7A8A9"/>
                 </a:solidFill>
@@ -2151,7 +2145,7 @@
               </a:rPr>
               <a:t>© 2016 PayPal Inc. All rights reserved. Confidential and proprietary.</a:t>
             </a:r>
-            <a:endParaRPr lang="en-US" sz="700" b="0" i="0" kern="1200" dirty="0" smtClean="0">
+            <a:endParaRPr lang="en-US" sz="700" b="0" i="0" kern="1200" dirty="0">
               <a:solidFill>
                 <a:srgbClr val="A7A8A9"/>
               </a:solidFill>
@@ -2168,7 +2162,7 @@
               <a:defRPr/>
             </a:pPr>
             <a:r>
-              <a:rPr lang="en-US" sz="700" b="0" i="0" kern="1200" dirty="0" smtClean="0">
+              <a:rPr lang="en-US" sz="700" b="0" i="0" kern="1200" dirty="0">
                 <a:solidFill>
                   <a:srgbClr val="A7A8A9"/>
                 </a:solidFill>
@@ -2296,10 +2290,9 @@
           <a:p>
             <a:pPr lvl="0"/>
             <a:r>
-              <a:rPr lang="en-US" dirty="0" smtClean="0"/>
+              <a:rPr lang="en-US" dirty="0"/>
               <a:t>Click to edit Master text styles</a:t>
             </a:r>
-            <a:endParaRPr lang="en-US" dirty="0"/>
           </a:p>
         </p:txBody>
       </p:sp>
@@ -2338,14 +2331,14 @@
           </a:ln>
           <a:extLst>
             <a:ext uri="{909E8E84-426E-40dd-AFC4-6F175D3DCCD1}">
-              <a14:hiddenFill xmlns:a14="http://schemas.microsoft.com/office/drawing/2010/main">
+              <a14:hiddenFill xmlns:a14="http://schemas.microsoft.com/office/drawing/2010/main" xmlns="">
                 <a:solidFill>
                   <a:srgbClr val="FFFFFF"/>
                 </a:solidFill>
               </a14:hiddenFill>
             </a:ext>
             <a:ext uri="{91240B29-F687-4f45-9708-019B960494DF}">
-              <a14:hiddenLine xmlns:a14="http://schemas.microsoft.com/office/drawing/2010/main" w="9525">
+              <a14:hiddenLine xmlns:a14="http://schemas.microsoft.com/office/drawing/2010/main" xmlns="" w="9525">
                 <a:solidFill>
                   <a:srgbClr val="000000"/>
                 </a:solidFill>
@@ -2428,7 +2421,7 @@
                 </a:lnSpc>
               </a:pPr>
               <a:r>
-                <a:rPr lang="en-US" sz="1100" dirty="0" smtClean="0">
+                <a:rPr lang="en-US" sz="1100" dirty="0">
                   <a:solidFill>
                     <a:schemeClr val="accent1"/>
                   </a:solidFill>
@@ -2437,13 +2430,6 @@
                 </a:rPr>
                 <a:t>Global Technology Education</a:t>
               </a:r>
-              <a:endParaRPr lang="en-US" sz="1100" dirty="0">
-                <a:solidFill>
-                  <a:schemeClr val="accent1"/>
-                </a:solidFill>
-                <a:latin typeface="Arial"/>
-                <a:cs typeface="Arial"/>
-              </a:endParaRPr>
             </a:p>
           </p:txBody>
         </p:sp>
@@ -2458,13 +2444,6 @@
   <p:clrMapOvr>
     <a:masterClrMapping/>
   </p:clrMapOvr>
-  <p:timing>
-    <p:tnLst>
-      <p:par>
-        <p:cTn xmlns:p14="http://schemas.microsoft.com/office/powerpoint/2010/main" id="1" dur="indefinite" restart="never" nodeType="tmRoot"/>
-      </p:par>
-    </p:tnLst>
-  </p:timing>
 </p:sldLayout>
 </file>
 
@@ -2520,10 +2499,9 @@
           </a:lstStyle>
           <a:p>
             <a:r>
-              <a:rPr lang="en-US" dirty="0" smtClean="0"/>
+              <a:rPr lang="en-US" dirty="0"/>
               <a:t>Click to edit Master title style</a:t>
             </a:r>
-            <a:endParaRPr lang="en-US" dirty="0"/>
           </a:p>
         </p:txBody>
       </p:sp>
@@ -2604,7 +2582,7 @@
           <a:p>
             <a:pPr lvl="0"/>
             <a:r>
-              <a:rPr lang="en-US" dirty="0" smtClean="0"/>
+              <a:rPr lang="en-US" dirty="0"/>
               <a:t>Click to edit Master text styles</a:t>
             </a:r>
           </a:p>
@@ -2716,14 +2694,14 @@
           <a:effectLst/>
           <a:extLst>
             <a:ext uri="{909E8E84-426E-40dd-AFC4-6F175D3DCCD1}">
-              <a14:hiddenFill xmlns:a14="http://schemas.microsoft.com/office/drawing/2010/main">
+              <a14:hiddenFill xmlns:a14="http://schemas.microsoft.com/office/drawing/2010/main" xmlns="">
                 <a:solidFill>
                   <a:srgbClr val="FFFFFF"/>
                 </a:solidFill>
               </a14:hiddenFill>
             </a:ext>
             <a:ext uri="{91240B29-F687-4f45-9708-019B960494DF}">
-              <a14:hiddenLine xmlns:a14="http://schemas.microsoft.com/office/drawing/2010/main" w="12700">
+              <a14:hiddenLine xmlns:a14="http://schemas.microsoft.com/office/drawing/2010/main" xmlns="" w="12700">
                 <a:solidFill>
                   <a:srgbClr val="000000"/>
                 </a:solidFill>
@@ -2733,7 +2711,7 @@
               </a14:hiddenLine>
             </a:ext>
             <a:ext uri="{AF507438-7753-43e0-B8FC-AC1667EBCBE1}">
-              <a14:hiddenEffects xmlns:a14="http://schemas.microsoft.com/office/drawing/2010/main">
+              <a14:hiddenEffects xmlns:a14="http://schemas.microsoft.com/office/drawing/2010/main" xmlns="">
                 <a:effectLst>
                   <a:outerShdw blurRad="63500" dist="38099" dir="2700000" algn="ctr" rotWithShape="0">
                     <a:srgbClr val="000000">
@@ -2767,7 +2745,7 @@
               <a:defRPr/>
             </a:pPr>
             <a:r>
-              <a:rPr lang="en-US" sz="700" b="0" i="0" kern="1200" dirty="0" smtClean="0">
+              <a:rPr lang="en-US" sz="700" b="0" i="0" kern="1200" dirty="0">
                 <a:solidFill>
                   <a:srgbClr val="A7A8A9"/>
                 </a:solidFill>
@@ -2778,7 +2756,7 @@
               </a:rPr>
               <a:t>© 2016 PayPal Inc. All rights reserved. Confidential and proprietary.</a:t>
             </a:r>
-            <a:endParaRPr lang="en-US" sz="700" b="0" i="0" kern="1200" dirty="0" smtClean="0">
+            <a:endParaRPr lang="en-US" sz="700" b="0" i="0" kern="1200" dirty="0">
               <a:solidFill>
                 <a:srgbClr val="A7A8A9"/>
               </a:solidFill>
@@ -2795,7 +2773,7 @@
               <a:defRPr/>
             </a:pPr>
             <a:r>
-              <a:rPr lang="en-US" sz="700" b="0" i="0" kern="1200" dirty="0" smtClean="0">
+              <a:rPr lang="en-US" sz="700" b="0" i="0" kern="1200" dirty="0">
                 <a:solidFill>
                   <a:srgbClr val="A7A8A9"/>
                 </a:solidFill>
@@ -2923,10 +2901,9 @@
           <a:p>
             <a:pPr lvl="0"/>
             <a:r>
-              <a:rPr lang="en-US" dirty="0" smtClean="0"/>
+              <a:rPr lang="en-US" dirty="0"/>
               <a:t>Click to edit Master text styles</a:t>
             </a:r>
-            <a:endParaRPr lang="en-US" dirty="0"/>
           </a:p>
         </p:txBody>
       </p:sp>
@@ -2965,14 +2942,14 @@
           </a:ln>
           <a:extLst>
             <a:ext uri="{909E8E84-426E-40dd-AFC4-6F175D3DCCD1}">
-              <a14:hiddenFill xmlns:a14="http://schemas.microsoft.com/office/drawing/2010/main">
+              <a14:hiddenFill xmlns:a14="http://schemas.microsoft.com/office/drawing/2010/main" xmlns="">
                 <a:solidFill>
                   <a:srgbClr val="FFFFFF"/>
                 </a:solidFill>
               </a14:hiddenFill>
             </a:ext>
             <a:ext uri="{91240B29-F687-4f45-9708-019B960494DF}">
-              <a14:hiddenLine xmlns:a14="http://schemas.microsoft.com/office/drawing/2010/main" w="9525">
+              <a14:hiddenLine xmlns:a14="http://schemas.microsoft.com/office/drawing/2010/main" xmlns="" w="9525">
                 <a:solidFill>
                   <a:srgbClr val="000000"/>
                 </a:solidFill>
@@ -3055,7 +3032,7 @@
                 </a:lnSpc>
               </a:pPr>
               <a:r>
-                <a:rPr lang="en-US" sz="1100" dirty="0" smtClean="0">
+                <a:rPr lang="en-US" sz="1100" dirty="0">
                   <a:solidFill>
                     <a:schemeClr val="accent1"/>
                   </a:solidFill>
@@ -3064,13 +3041,6 @@
                 </a:rPr>
                 <a:t>Global Technology Education</a:t>
               </a:r>
-              <a:endParaRPr lang="en-US" sz="1100" dirty="0">
-                <a:solidFill>
-                  <a:schemeClr val="accent1"/>
-                </a:solidFill>
-                <a:latin typeface="Arial"/>
-                <a:cs typeface="Arial"/>
-              </a:endParaRPr>
             </a:p>
           </p:txBody>
         </p:sp>
@@ -3085,13 +3055,6 @@
   <p:clrMapOvr>
     <a:masterClrMapping/>
   </p:clrMapOvr>
-  <p:timing>
-    <p:tnLst>
-      <p:par>
-        <p:cTn xmlns:p14="http://schemas.microsoft.com/office/powerpoint/2010/main" id="1" dur="indefinite" restart="never" nodeType="tmRoot"/>
-      </p:par>
-    </p:tnLst>
-  </p:timing>
 </p:sldLayout>
 </file>
 
@@ -3329,10 +3292,9 @@
           </a:lstStyle>
           <a:p>
             <a:r>
-              <a:rPr lang="en-US" dirty="0" smtClean="0"/>
+              <a:rPr lang="en-US" dirty="0"/>
               <a:t>Click to edit Master title style</a:t>
             </a:r>
-            <a:endParaRPr lang="en-US" dirty="0"/>
           </a:p>
         </p:txBody>
       </p:sp>
@@ -3413,7 +3375,7 @@
           <a:p>
             <a:pPr lvl="0"/>
             <a:r>
-              <a:rPr lang="en-US" dirty="0" smtClean="0"/>
+              <a:rPr lang="en-US" dirty="0"/>
               <a:t>Click to edit Master text styles</a:t>
             </a:r>
           </a:p>
@@ -3472,7 +3434,7 @@
           <a:p>
             <a:pPr lvl="0"/>
             <a:r>
-              <a:rPr lang="en-US" dirty="0" smtClean="0"/>
+              <a:rPr lang="en-US" dirty="0"/>
               <a:t>Click</a:t>
             </a:r>
           </a:p>
@@ -3531,7 +3493,7 @@
           <a:p>
             <a:pPr lvl="0"/>
             <a:r>
-              <a:rPr lang="en-US" dirty="0" smtClean="0"/>
+              <a:rPr lang="en-US" dirty="0"/>
               <a:t>Click</a:t>
             </a:r>
           </a:p>
@@ -3614,7 +3576,7 @@
           <a:p>
             <a:pPr lvl="0"/>
             <a:r>
-              <a:rPr lang="en-US" dirty="0" smtClean="0"/>
+              <a:rPr lang="en-US" dirty="0"/>
               <a:t>Click to edit Master text styles</a:t>
             </a:r>
           </a:p>
@@ -3697,7 +3659,7 @@
           <a:p>
             <a:pPr lvl="0"/>
             <a:r>
-              <a:rPr lang="en-US" dirty="0" smtClean="0"/>
+              <a:rPr lang="en-US" dirty="0"/>
               <a:t>Click to edit Master text styles</a:t>
             </a:r>
           </a:p>
@@ -3780,14 +3742,14 @@
           <a:effectLst/>
           <a:extLst>
             <a:ext uri="{909E8E84-426E-40dd-AFC4-6F175D3DCCD1}">
-              <a14:hiddenFill xmlns:a14="http://schemas.microsoft.com/office/drawing/2010/main">
+              <a14:hiddenFill xmlns:a14="http://schemas.microsoft.com/office/drawing/2010/main" xmlns="">
                 <a:solidFill>
                   <a:srgbClr val="FFFFFF"/>
                 </a:solidFill>
               </a14:hiddenFill>
             </a:ext>
             <a:ext uri="{91240B29-F687-4f45-9708-019B960494DF}">
-              <a14:hiddenLine xmlns:a14="http://schemas.microsoft.com/office/drawing/2010/main" w="12700">
+              <a14:hiddenLine xmlns:a14="http://schemas.microsoft.com/office/drawing/2010/main" xmlns="" w="12700">
                 <a:solidFill>
                   <a:srgbClr val="000000"/>
                 </a:solidFill>
@@ -3797,7 +3759,7 @@
               </a14:hiddenLine>
             </a:ext>
             <a:ext uri="{AF507438-7753-43e0-B8FC-AC1667EBCBE1}">
-              <a14:hiddenEffects xmlns:a14="http://schemas.microsoft.com/office/drawing/2010/main">
+              <a14:hiddenEffects xmlns:a14="http://schemas.microsoft.com/office/drawing/2010/main" xmlns="">
                 <a:effectLst>
                   <a:outerShdw blurRad="63500" dist="38099" dir="2700000" algn="ctr" rotWithShape="0">
                     <a:srgbClr val="000000">
@@ -3831,7 +3793,7 @@
               <a:defRPr/>
             </a:pPr>
             <a:r>
-              <a:rPr lang="en-US" sz="700" b="0" i="0" kern="1200" dirty="0" smtClean="0">
+              <a:rPr lang="en-US" sz="700" b="0" i="0" kern="1200" dirty="0">
                 <a:solidFill>
                   <a:srgbClr val="A7A8A9"/>
                 </a:solidFill>
@@ -3842,7 +3804,7 @@
               </a:rPr>
               <a:t>© 2016 PayPal Inc. All rights reserved. Confidential and proprietary.</a:t>
             </a:r>
-            <a:endParaRPr lang="en-US" sz="700" b="0" i="0" kern="1200" dirty="0" smtClean="0">
+            <a:endParaRPr lang="en-US" sz="700" b="0" i="0" kern="1200" dirty="0">
               <a:solidFill>
                 <a:srgbClr val="A7A8A9"/>
               </a:solidFill>
@@ -3859,7 +3821,7 @@
               <a:defRPr/>
             </a:pPr>
             <a:r>
-              <a:rPr lang="en-US" sz="700" b="0" i="0" kern="1200" dirty="0" smtClean="0">
+              <a:rPr lang="en-US" sz="700" b="0" i="0" kern="1200" dirty="0">
                 <a:solidFill>
                   <a:srgbClr val="A7A8A9"/>
                 </a:solidFill>
@@ -3958,14 +3920,14 @@
           </a:ln>
           <a:extLst>
             <a:ext uri="{909E8E84-426E-40dd-AFC4-6F175D3DCCD1}">
-              <a14:hiddenFill xmlns:a14="http://schemas.microsoft.com/office/drawing/2010/main">
+              <a14:hiddenFill xmlns:a14="http://schemas.microsoft.com/office/drawing/2010/main" xmlns="">
                 <a:solidFill>
                   <a:srgbClr val="FFFFFF"/>
                 </a:solidFill>
               </a14:hiddenFill>
             </a:ext>
             <a:ext uri="{91240B29-F687-4f45-9708-019B960494DF}">
-              <a14:hiddenLine xmlns:a14="http://schemas.microsoft.com/office/drawing/2010/main" w="9525">
+              <a14:hiddenLine xmlns:a14="http://schemas.microsoft.com/office/drawing/2010/main" xmlns="" w="9525">
                 <a:solidFill>
                   <a:srgbClr val="000000"/>
                 </a:solidFill>
@@ -4048,7 +4010,7 @@
                 </a:lnSpc>
               </a:pPr>
               <a:r>
-                <a:rPr lang="en-US" sz="1100" dirty="0" smtClean="0">
+                <a:rPr lang="en-US" sz="1100" dirty="0">
                   <a:solidFill>
                     <a:schemeClr val="accent1"/>
                   </a:solidFill>
@@ -4057,13 +4019,6 @@
                 </a:rPr>
                 <a:t>Global Technology Education</a:t>
               </a:r>
-              <a:endParaRPr lang="en-US" sz="1100" dirty="0">
-                <a:solidFill>
-                  <a:schemeClr val="accent1"/>
-                </a:solidFill>
-                <a:latin typeface="Arial"/>
-                <a:cs typeface="Arial"/>
-              </a:endParaRPr>
             </a:p>
           </p:txBody>
         </p:sp>
@@ -4133,10 +4088,9 @@
           </a:lstStyle>
           <a:p>
             <a:r>
-              <a:rPr lang="en-US" dirty="0" smtClean="0"/>
+              <a:rPr lang="en-US" dirty="0"/>
               <a:t>Click to edit Master title style</a:t>
             </a:r>
-            <a:endParaRPr lang="en-US" dirty="0"/>
           </a:p>
         </p:txBody>
       </p:sp>
@@ -4217,7 +4171,7 @@
           <a:p>
             <a:pPr lvl="0"/>
             <a:r>
-              <a:rPr lang="en-US" dirty="0" smtClean="0"/>
+              <a:rPr lang="en-US" dirty="0"/>
               <a:t>Click to edit Master text styles</a:t>
             </a:r>
           </a:p>
@@ -4300,14 +4254,14 @@
           <a:effectLst/>
           <a:extLst>
             <a:ext uri="{909E8E84-426E-40dd-AFC4-6F175D3DCCD1}">
-              <a14:hiddenFill xmlns:a14="http://schemas.microsoft.com/office/drawing/2010/main">
+              <a14:hiddenFill xmlns:a14="http://schemas.microsoft.com/office/drawing/2010/main" xmlns="">
                 <a:solidFill>
                   <a:srgbClr val="FFFFFF"/>
                 </a:solidFill>
               </a14:hiddenFill>
             </a:ext>
             <a:ext uri="{91240B29-F687-4f45-9708-019B960494DF}">
-              <a14:hiddenLine xmlns:a14="http://schemas.microsoft.com/office/drawing/2010/main" w="12700">
+              <a14:hiddenLine xmlns:a14="http://schemas.microsoft.com/office/drawing/2010/main" xmlns="" w="12700">
                 <a:solidFill>
                   <a:srgbClr val="000000"/>
                 </a:solidFill>
@@ -4317,7 +4271,7 @@
               </a14:hiddenLine>
             </a:ext>
             <a:ext uri="{AF507438-7753-43e0-B8FC-AC1667EBCBE1}">
-              <a14:hiddenEffects xmlns:a14="http://schemas.microsoft.com/office/drawing/2010/main">
+              <a14:hiddenEffects xmlns:a14="http://schemas.microsoft.com/office/drawing/2010/main" xmlns="">
                 <a:effectLst>
                   <a:outerShdw blurRad="63500" dist="38099" dir="2700000" algn="ctr" rotWithShape="0">
                     <a:srgbClr val="000000">
@@ -4351,7 +4305,7 @@
               <a:defRPr/>
             </a:pPr>
             <a:r>
-              <a:rPr lang="en-US" sz="700" b="0" i="0" kern="1200" dirty="0" smtClean="0">
+              <a:rPr lang="en-US" sz="700" b="0" i="0" kern="1200" dirty="0">
                 <a:solidFill>
                   <a:srgbClr val="A7A8A9"/>
                 </a:solidFill>
@@ -4362,7 +4316,7 @@
               </a:rPr>
               <a:t>© 2016 PayPal Inc. All rights reserved. Confidential and proprietary.</a:t>
             </a:r>
-            <a:endParaRPr lang="en-US" sz="700" b="0" i="0" kern="1200" dirty="0" smtClean="0">
+            <a:endParaRPr lang="en-US" sz="700" b="0" i="0" kern="1200" dirty="0">
               <a:solidFill>
                 <a:srgbClr val="A7A8A9"/>
               </a:solidFill>
@@ -4379,7 +4333,7 @@
               <a:defRPr/>
             </a:pPr>
             <a:r>
-              <a:rPr lang="en-US" sz="700" b="0" i="0" kern="1200" dirty="0" smtClean="0">
+              <a:rPr lang="en-US" sz="700" b="0" i="0" kern="1200" dirty="0">
                 <a:solidFill>
                   <a:srgbClr val="A7A8A9"/>
                 </a:solidFill>
@@ -4507,10 +4461,9 @@
           <a:p>
             <a:pPr lvl="0"/>
             <a:r>
-              <a:rPr lang="en-US" dirty="0" smtClean="0"/>
+              <a:rPr lang="en-US" dirty="0"/>
               <a:t>Click to edit Master text styles</a:t>
             </a:r>
-            <a:endParaRPr lang="en-US" dirty="0"/>
           </a:p>
         </p:txBody>
       </p:sp>
@@ -4549,14 +4502,14 @@
           </a:ln>
           <a:extLst>
             <a:ext uri="{909E8E84-426E-40dd-AFC4-6F175D3DCCD1}">
-              <a14:hiddenFill xmlns:a14="http://schemas.microsoft.com/office/drawing/2010/main">
+              <a14:hiddenFill xmlns:a14="http://schemas.microsoft.com/office/drawing/2010/main" xmlns="">
                 <a:solidFill>
                   <a:srgbClr val="FFFFFF"/>
                 </a:solidFill>
               </a14:hiddenFill>
             </a:ext>
             <a:ext uri="{91240B29-F687-4f45-9708-019B960494DF}">
-              <a14:hiddenLine xmlns:a14="http://schemas.microsoft.com/office/drawing/2010/main" w="9525">
+              <a14:hiddenLine xmlns:a14="http://schemas.microsoft.com/office/drawing/2010/main" xmlns="" w="9525">
                 <a:solidFill>
                   <a:srgbClr val="000000"/>
                 </a:solidFill>
@@ -4639,7 +4592,7 @@
                 </a:lnSpc>
               </a:pPr>
               <a:r>
-                <a:rPr lang="en-US" sz="1100" dirty="0" smtClean="0">
+                <a:rPr lang="en-US" sz="1100" dirty="0">
                   <a:solidFill>
                     <a:schemeClr val="accent1"/>
                   </a:solidFill>
@@ -4648,13 +4601,6 @@
                 </a:rPr>
                 <a:t>Global Technology Education</a:t>
               </a:r>
-              <a:endParaRPr lang="en-US" sz="1100" dirty="0">
-                <a:solidFill>
-                  <a:schemeClr val="accent1"/>
-                </a:solidFill>
-                <a:latin typeface="Arial"/>
-                <a:cs typeface="Arial"/>
-              </a:endParaRPr>
             </a:p>
           </p:txBody>
         </p:sp>
@@ -4669,13 +4615,6 @@
   <p:clrMapOvr>
     <a:masterClrMapping/>
   </p:clrMapOvr>
-  <p:timing>
-    <p:tnLst>
-      <p:par>
-        <p:cTn xmlns:p14="http://schemas.microsoft.com/office/powerpoint/2010/main" id="1" dur="indefinite" restart="never" nodeType="tmRoot"/>
-      </p:par>
-    </p:tnLst>
-  </p:timing>
 </p:sldLayout>
 </file>
 
@@ -4731,10 +4670,9 @@
           </a:lstStyle>
           <a:p>
             <a:r>
-              <a:rPr lang="en-US" dirty="0" smtClean="0"/>
+              <a:rPr lang="en-US" dirty="0"/>
               <a:t>Click to edit Master title style</a:t>
             </a:r>
-            <a:endParaRPr lang="en-US" dirty="0"/>
           </a:p>
         </p:txBody>
       </p:sp>
@@ -4815,7 +4753,7 @@
           <a:p>
             <a:pPr lvl="0"/>
             <a:r>
-              <a:rPr lang="en-US" dirty="0" smtClean="0"/>
+              <a:rPr lang="en-US" dirty="0"/>
               <a:t>Click to edit Master text styles</a:t>
             </a:r>
           </a:p>
@@ -4898,14 +4836,14 @@
           <a:effectLst/>
           <a:extLst>
             <a:ext uri="{909E8E84-426E-40dd-AFC4-6F175D3DCCD1}">
-              <a14:hiddenFill xmlns:a14="http://schemas.microsoft.com/office/drawing/2010/main">
+              <a14:hiddenFill xmlns:a14="http://schemas.microsoft.com/office/drawing/2010/main" xmlns="">
                 <a:solidFill>
                   <a:srgbClr val="FFFFFF"/>
                 </a:solidFill>
               </a14:hiddenFill>
             </a:ext>
             <a:ext uri="{91240B29-F687-4f45-9708-019B960494DF}">
-              <a14:hiddenLine xmlns:a14="http://schemas.microsoft.com/office/drawing/2010/main" w="12700">
+              <a14:hiddenLine xmlns:a14="http://schemas.microsoft.com/office/drawing/2010/main" xmlns="" w="12700">
                 <a:solidFill>
                   <a:srgbClr val="000000"/>
                 </a:solidFill>
@@ -4915,7 +4853,7 @@
               </a14:hiddenLine>
             </a:ext>
             <a:ext uri="{AF507438-7753-43e0-B8FC-AC1667EBCBE1}">
-              <a14:hiddenEffects xmlns:a14="http://schemas.microsoft.com/office/drawing/2010/main">
+              <a14:hiddenEffects xmlns:a14="http://schemas.microsoft.com/office/drawing/2010/main" xmlns="">
                 <a:effectLst>
                   <a:outerShdw blurRad="63500" dist="38099" dir="2700000" algn="ctr" rotWithShape="0">
                     <a:srgbClr val="000000">
@@ -4949,7 +4887,7 @@
               <a:defRPr/>
             </a:pPr>
             <a:r>
-              <a:rPr lang="en-US" sz="700" b="0" i="0" kern="1200" dirty="0" smtClean="0">
+              <a:rPr lang="en-US" sz="700" b="0" i="0" kern="1200" dirty="0">
                 <a:solidFill>
                   <a:srgbClr val="A7A8A9"/>
                 </a:solidFill>
@@ -4960,7 +4898,7 @@
               </a:rPr>
               <a:t>© 2016 PayPal Inc. All rights reserved. Confidential and proprietary.</a:t>
             </a:r>
-            <a:endParaRPr lang="en-US" sz="700" b="0" i="0" kern="1200" dirty="0" smtClean="0">
+            <a:endParaRPr lang="en-US" sz="700" b="0" i="0" kern="1200" dirty="0">
               <a:solidFill>
                 <a:srgbClr val="A7A8A9"/>
               </a:solidFill>
@@ -4977,7 +4915,7 @@
               <a:defRPr/>
             </a:pPr>
             <a:r>
-              <a:rPr lang="en-US" sz="700" b="0" i="0" kern="1200" dirty="0" smtClean="0">
+              <a:rPr lang="en-US" sz="700" b="0" i="0" kern="1200" dirty="0">
                 <a:solidFill>
                   <a:srgbClr val="A7A8A9"/>
                 </a:solidFill>
@@ -5105,10 +5043,9 @@
           <a:p>
             <a:pPr lvl="0"/>
             <a:r>
-              <a:rPr lang="en-US" dirty="0" smtClean="0"/>
+              <a:rPr lang="en-US" dirty="0"/>
               <a:t>Click to edit Master text styles</a:t>
             </a:r>
-            <a:endParaRPr lang="en-US" dirty="0"/>
           </a:p>
         </p:txBody>
       </p:sp>
@@ -5176,10 +5113,9 @@
           <a:p>
             <a:pPr lvl="0"/>
             <a:r>
-              <a:rPr lang="en-US" dirty="0" smtClean="0"/>
+              <a:rPr lang="en-US" dirty="0"/>
               <a:t>Click to edit Master text styles</a:t>
             </a:r>
-            <a:endParaRPr lang="en-US" dirty="0"/>
           </a:p>
         </p:txBody>
       </p:sp>
@@ -5247,10 +5183,9 @@
           <a:p>
             <a:pPr lvl="0"/>
             <a:r>
-              <a:rPr lang="en-US" dirty="0" smtClean="0"/>
+              <a:rPr lang="en-US" dirty="0"/>
               <a:t>Click to edit Master text styles</a:t>
             </a:r>
-            <a:endParaRPr lang="en-US" dirty="0"/>
           </a:p>
         </p:txBody>
       </p:sp>
@@ -5318,10 +5253,9 @@
           <a:p>
             <a:pPr lvl="0"/>
             <a:r>
-              <a:rPr lang="en-US" dirty="0" smtClean="0"/>
+              <a:rPr lang="en-US" dirty="0"/>
               <a:t>Click to edit Master text styles</a:t>
             </a:r>
-            <a:endParaRPr lang="en-US" dirty="0"/>
           </a:p>
         </p:txBody>
       </p:sp>
@@ -5360,14 +5294,14 @@
           </a:ln>
           <a:extLst>
             <a:ext uri="{909E8E84-426E-40dd-AFC4-6F175D3DCCD1}">
-              <a14:hiddenFill xmlns:a14="http://schemas.microsoft.com/office/drawing/2010/main">
+              <a14:hiddenFill xmlns:a14="http://schemas.microsoft.com/office/drawing/2010/main" xmlns="">
                 <a:solidFill>
                   <a:srgbClr val="FFFFFF"/>
                 </a:solidFill>
               </a14:hiddenFill>
             </a:ext>
             <a:ext uri="{91240B29-F687-4f45-9708-019B960494DF}">
-              <a14:hiddenLine xmlns:a14="http://schemas.microsoft.com/office/drawing/2010/main" w="9525">
+              <a14:hiddenLine xmlns:a14="http://schemas.microsoft.com/office/drawing/2010/main" xmlns="" w="9525">
                 <a:solidFill>
                   <a:srgbClr val="000000"/>
                 </a:solidFill>
@@ -5450,7 +5384,7 @@
                 </a:lnSpc>
               </a:pPr>
               <a:r>
-                <a:rPr lang="en-US" sz="1100" dirty="0" smtClean="0">
+                <a:rPr lang="en-US" sz="1100" dirty="0">
                   <a:solidFill>
                     <a:schemeClr val="accent1"/>
                   </a:solidFill>
@@ -5459,13 +5393,6 @@
                 </a:rPr>
                 <a:t>Global Technology Education</a:t>
               </a:r>
-              <a:endParaRPr lang="en-US" sz="1100" dirty="0">
-                <a:solidFill>
-                  <a:schemeClr val="accent1"/>
-                </a:solidFill>
-                <a:latin typeface="Arial"/>
-                <a:cs typeface="Arial"/>
-              </a:endParaRPr>
             </a:p>
           </p:txBody>
         </p:sp>
@@ -5480,13 +5407,6 @@
   <p:clrMapOvr>
     <a:masterClrMapping/>
   </p:clrMapOvr>
-  <p:timing>
-    <p:tnLst>
-      <p:par>
-        <p:cTn xmlns:p14="http://schemas.microsoft.com/office/powerpoint/2010/main" id="1" dur="indefinite" restart="never" nodeType="tmRoot"/>
-      </p:par>
-    </p:tnLst>
-  </p:timing>
 </p:sldLayout>
 </file>
 
@@ -5542,10 +5462,9 @@
           </a:lstStyle>
           <a:p>
             <a:r>
-              <a:rPr lang="en-US" dirty="0" smtClean="0"/>
+              <a:rPr lang="en-US" dirty="0"/>
               <a:t>Click to edit Master title style</a:t>
             </a:r>
-            <a:endParaRPr lang="en-US" dirty="0"/>
           </a:p>
         </p:txBody>
       </p:sp>
@@ -5626,7 +5545,7 @@
           <a:p>
             <a:pPr lvl="0"/>
             <a:r>
-              <a:rPr lang="en-US" dirty="0" smtClean="0"/>
+              <a:rPr lang="en-US" dirty="0"/>
               <a:t>Click to edit Master text styles</a:t>
             </a:r>
           </a:p>
@@ -5709,14 +5628,14 @@
           <a:effectLst/>
           <a:extLst>
             <a:ext uri="{909E8E84-426E-40dd-AFC4-6F175D3DCCD1}">
-              <a14:hiddenFill xmlns:a14="http://schemas.microsoft.com/office/drawing/2010/main">
+              <a14:hiddenFill xmlns:a14="http://schemas.microsoft.com/office/drawing/2010/main" xmlns="">
                 <a:solidFill>
                   <a:srgbClr val="FFFFFF"/>
                 </a:solidFill>
               </a14:hiddenFill>
             </a:ext>
             <a:ext uri="{91240B29-F687-4f45-9708-019B960494DF}">
-              <a14:hiddenLine xmlns:a14="http://schemas.microsoft.com/office/drawing/2010/main" w="12700">
+              <a14:hiddenLine xmlns:a14="http://schemas.microsoft.com/office/drawing/2010/main" xmlns="" w="12700">
                 <a:solidFill>
                   <a:srgbClr val="000000"/>
                 </a:solidFill>
@@ -5726,7 +5645,7 @@
               </a14:hiddenLine>
             </a:ext>
             <a:ext uri="{AF507438-7753-43e0-B8FC-AC1667EBCBE1}">
-              <a14:hiddenEffects xmlns:a14="http://schemas.microsoft.com/office/drawing/2010/main">
+              <a14:hiddenEffects xmlns:a14="http://schemas.microsoft.com/office/drawing/2010/main" xmlns="">
                 <a:effectLst>
                   <a:outerShdw blurRad="63500" dist="38099" dir="2700000" algn="ctr" rotWithShape="0">
                     <a:srgbClr val="000000">
@@ -5760,7 +5679,7 @@
               <a:defRPr/>
             </a:pPr>
             <a:r>
-              <a:rPr lang="en-US" sz="700" b="0" i="0" kern="1200" dirty="0" smtClean="0">
+              <a:rPr lang="en-US" sz="700" b="0" i="0" kern="1200" dirty="0">
                 <a:solidFill>
                   <a:srgbClr val="A7A8A9"/>
                 </a:solidFill>
@@ -5771,7 +5690,7 @@
               </a:rPr>
               <a:t>© 2016 PayPal Inc. All rights reserved. Confidential and proprietary.</a:t>
             </a:r>
-            <a:endParaRPr lang="en-US" sz="700" b="0" i="0" kern="1200" dirty="0" smtClean="0">
+            <a:endParaRPr lang="en-US" sz="700" b="0" i="0" kern="1200" dirty="0">
               <a:solidFill>
                 <a:srgbClr val="A7A8A9"/>
               </a:solidFill>
@@ -5788,7 +5707,7 @@
               <a:defRPr/>
             </a:pPr>
             <a:r>
-              <a:rPr lang="en-US" sz="700" b="0" i="0" kern="1200" dirty="0" smtClean="0">
+              <a:rPr lang="en-US" sz="700" b="0" i="0" kern="1200" dirty="0">
                 <a:solidFill>
                   <a:srgbClr val="A7A8A9"/>
                 </a:solidFill>
@@ -5916,10 +5835,9 @@
           <a:p>
             <a:pPr lvl="0"/>
             <a:r>
-              <a:rPr lang="en-US" dirty="0" smtClean="0"/>
+              <a:rPr lang="en-US" dirty="0"/>
               <a:t>Click to edit Master text styles</a:t>
             </a:r>
-            <a:endParaRPr lang="en-US" dirty="0"/>
           </a:p>
         </p:txBody>
       </p:sp>
@@ -6003,10 +5921,9 @@
           <a:p>
             <a:pPr lvl="0"/>
             <a:r>
-              <a:rPr lang="en-US" dirty="0" smtClean="0"/>
+              <a:rPr lang="en-US" dirty="0"/>
               <a:t>Click to edit Master text styles</a:t>
             </a:r>
-            <a:endParaRPr lang="en-US" dirty="0"/>
           </a:p>
         </p:txBody>
       </p:sp>
@@ -6074,10 +5991,9 @@
           <a:p>
             <a:pPr lvl="0"/>
             <a:r>
-              <a:rPr lang="en-US" dirty="0" smtClean="0"/>
+              <a:rPr lang="en-US" dirty="0"/>
               <a:t>Click to edit Master text styles</a:t>
             </a:r>
-            <a:endParaRPr lang="en-US" dirty="0"/>
           </a:p>
         </p:txBody>
       </p:sp>
@@ -6160,10 +6076,9 @@
           <a:p>
             <a:pPr lvl="0"/>
             <a:r>
-              <a:rPr lang="en-US" dirty="0" smtClean="0"/>
+              <a:rPr lang="en-US" dirty="0"/>
               <a:t>Click to edit Master text styles</a:t>
             </a:r>
-            <a:endParaRPr lang="en-US" dirty="0"/>
           </a:p>
         </p:txBody>
       </p:sp>
@@ -6202,14 +6117,14 @@
           </a:ln>
           <a:extLst>
             <a:ext uri="{909E8E84-426E-40dd-AFC4-6F175D3DCCD1}">
-              <a14:hiddenFill xmlns:a14="http://schemas.microsoft.com/office/drawing/2010/main">
+              <a14:hiddenFill xmlns:a14="http://schemas.microsoft.com/office/drawing/2010/main" xmlns="">
                 <a:solidFill>
                   <a:srgbClr val="FFFFFF"/>
                 </a:solidFill>
               </a14:hiddenFill>
             </a:ext>
             <a:ext uri="{91240B29-F687-4f45-9708-019B960494DF}">
-              <a14:hiddenLine xmlns:a14="http://schemas.microsoft.com/office/drawing/2010/main" w="9525">
+              <a14:hiddenLine xmlns:a14="http://schemas.microsoft.com/office/drawing/2010/main" xmlns="" w="9525">
                 <a:solidFill>
                   <a:srgbClr val="000000"/>
                 </a:solidFill>
@@ -6292,7 +6207,7 @@
                 </a:lnSpc>
               </a:pPr>
               <a:r>
-                <a:rPr lang="en-US" sz="1100" dirty="0" smtClean="0">
+                <a:rPr lang="en-US" sz="1100" dirty="0">
                   <a:solidFill>
                     <a:schemeClr val="accent1"/>
                   </a:solidFill>
@@ -6301,13 +6216,6 @@
                 </a:rPr>
                 <a:t>Global Technology Education</a:t>
               </a:r>
-              <a:endParaRPr lang="en-US" sz="1100" dirty="0">
-                <a:solidFill>
-                  <a:schemeClr val="accent1"/>
-                </a:solidFill>
-                <a:latin typeface="Arial"/>
-                <a:cs typeface="Arial"/>
-              </a:endParaRPr>
             </a:p>
           </p:txBody>
         </p:sp>
@@ -6322,13 +6230,6 @@
   <p:clrMapOvr>
     <a:masterClrMapping/>
   </p:clrMapOvr>
-  <p:timing>
-    <p:tnLst>
-      <p:par>
-        <p:cTn xmlns:p14="http://schemas.microsoft.com/office/powerpoint/2010/main" id="1" dur="indefinite" restart="never" nodeType="tmRoot"/>
-      </p:par>
-    </p:tnLst>
-  </p:timing>
 </p:sldLayout>
 </file>
 
@@ -6384,10 +6285,9 @@
           </a:lstStyle>
           <a:p>
             <a:r>
-              <a:rPr lang="en-US" dirty="0" smtClean="0"/>
+              <a:rPr lang="en-US" dirty="0"/>
               <a:t>Click to edit Master title style</a:t>
             </a:r>
-            <a:endParaRPr lang="en-US" dirty="0"/>
           </a:p>
         </p:txBody>
       </p:sp>
@@ -6468,7 +6368,7 @@
           <a:p>
             <a:pPr lvl="0"/>
             <a:r>
-              <a:rPr lang="en-US" dirty="0" smtClean="0"/>
+              <a:rPr lang="en-US" dirty="0"/>
               <a:t>Click to edit Master text styles</a:t>
             </a:r>
           </a:p>
@@ -6551,14 +6451,14 @@
           <a:effectLst/>
           <a:extLst>
             <a:ext uri="{909E8E84-426E-40dd-AFC4-6F175D3DCCD1}">
-              <a14:hiddenFill xmlns:a14="http://schemas.microsoft.com/office/drawing/2010/main">
+              <a14:hiddenFill xmlns:a14="http://schemas.microsoft.com/office/drawing/2010/main" xmlns="">
                 <a:solidFill>
                   <a:srgbClr val="FFFFFF"/>
                 </a:solidFill>
               </a14:hiddenFill>
             </a:ext>
             <a:ext uri="{91240B29-F687-4f45-9708-019B960494DF}">
-              <a14:hiddenLine xmlns:a14="http://schemas.microsoft.com/office/drawing/2010/main" w="12700">
+              <a14:hiddenLine xmlns:a14="http://schemas.microsoft.com/office/drawing/2010/main" xmlns="" w="12700">
                 <a:solidFill>
                   <a:srgbClr val="000000"/>
                 </a:solidFill>
@@ -6568,7 +6468,7 @@
               </a14:hiddenLine>
             </a:ext>
             <a:ext uri="{AF507438-7753-43e0-B8FC-AC1667EBCBE1}">
-              <a14:hiddenEffects xmlns:a14="http://schemas.microsoft.com/office/drawing/2010/main">
+              <a14:hiddenEffects xmlns:a14="http://schemas.microsoft.com/office/drawing/2010/main" xmlns="">
                 <a:effectLst>
                   <a:outerShdw blurRad="63500" dist="38099" dir="2700000" algn="ctr" rotWithShape="0">
                     <a:srgbClr val="000000">
@@ -6602,7 +6502,7 @@
               <a:defRPr/>
             </a:pPr>
             <a:r>
-              <a:rPr lang="en-US" sz="700" b="0" i="0" kern="1200" dirty="0" smtClean="0">
+              <a:rPr lang="en-US" sz="700" b="0" i="0" kern="1200" dirty="0">
                 <a:solidFill>
                   <a:srgbClr val="A7A8A9"/>
                 </a:solidFill>
@@ -6613,7 +6513,7 @@
               </a:rPr>
               <a:t>© 2016 PayPal Inc. All rights reserved. Confidential and proprietary.</a:t>
             </a:r>
-            <a:endParaRPr lang="en-US" sz="700" b="0" i="0" kern="1200" dirty="0" smtClean="0">
+            <a:endParaRPr lang="en-US" sz="700" b="0" i="0" kern="1200" dirty="0">
               <a:solidFill>
                 <a:srgbClr val="A7A8A9"/>
               </a:solidFill>
@@ -6630,7 +6530,7 @@
               <a:defRPr/>
             </a:pPr>
             <a:r>
-              <a:rPr lang="en-US" sz="700" b="0" i="0" kern="1200" dirty="0" smtClean="0">
+              <a:rPr lang="en-US" sz="700" b="0" i="0" kern="1200" dirty="0">
                 <a:solidFill>
                   <a:srgbClr val="A7A8A9"/>
                 </a:solidFill>
@@ -6758,10 +6658,9 @@
           <a:p>
             <a:pPr lvl="0"/>
             <a:r>
-              <a:rPr lang="en-US" dirty="0" smtClean="0"/>
+              <a:rPr lang="en-US" dirty="0"/>
               <a:t>Click to edit Master text styles</a:t>
             </a:r>
-            <a:endParaRPr lang="en-US" dirty="0"/>
           </a:p>
         </p:txBody>
       </p:sp>
@@ -6829,10 +6728,9 @@
           <a:p>
             <a:pPr lvl="0"/>
             <a:r>
-              <a:rPr lang="en-US" dirty="0" smtClean="0"/>
+              <a:rPr lang="en-US" dirty="0"/>
               <a:t>Click to edit Master text styles</a:t>
             </a:r>
-            <a:endParaRPr lang="en-US" dirty="0"/>
           </a:p>
         </p:txBody>
       </p:sp>
@@ -6900,10 +6798,9 @@
           <a:p>
             <a:pPr lvl="0"/>
             <a:r>
-              <a:rPr lang="en-US" dirty="0" smtClean="0"/>
+              <a:rPr lang="en-US" dirty="0"/>
               <a:t>Click to edit Master text styles</a:t>
             </a:r>
-            <a:endParaRPr lang="en-US" dirty="0"/>
           </a:p>
         </p:txBody>
       </p:sp>
@@ -6971,10 +6868,9 @@
           <a:p>
             <a:pPr lvl="0"/>
             <a:r>
-              <a:rPr lang="en-US" dirty="0" smtClean="0"/>
+              <a:rPr lang="en-US" dirty="0"/>
               <a:t>Click to edit Master text styles</a:t>
             </a:r>
-            <a:endParaRPr lang="en-US" dirty="0"/>
           </a:p>
         </p:txBody>
       </p:sp>
@@ -7042,10 +6938,9 @@
           <a:p>
             <a:pPr lvl="0"/>
             <a:r>
-              <a:rPr lang="en-US" dirty="0" smtClean="0"/>
+              <a:rPr lang="en-US" dirty="0"/>
               <a:t>Click to edit Master text styles</a:t>
             </a:r>
-            <a:endParaRPr lang="en-US" dirty="0"/>
           </a:p>
         </p:txBody>
       </p:sp>
@@ -7113,10 +7008,9 @@
           <a:p>
             <a:pPr lvl="0"/>
             <a:r>
-              <a:rPr lang="en-US" dirty="0" smtClean="0"/>
+              <a:rPr lang="en-US" dirty="0"/>
               <a:t>Click to edit Master text styles</a:t>
             </a:r>
-            <a:endParaRPr lang="en-US" dirty="0"/>
           </a:p>
         </p:txBody>
       </p:sp>
@@ -7184,10 +7078,9 @@
           <a:p>
             <a:pPr lvl="0"/>
             <a:r>
-              <a:rPr lang="en-US" dirty="0" smtClean="0"/>
+              <a:rPr lang="en-US" dirty="0"/>
               <a:t>Click to edit Master text styles</a:t>
             </a:r>
-            <a:endParaRPr lang="en-US" dirty="0"/>
           </a:p>
         </p:txBody>
       </p:sp>
@@ -7255,10 +7148,9 @@
           <a:p>
             <a:pPr lvl="0"/>
             <a:r>
-              <a:rPr lang="en-US" dirty="0" smtClean="0"/>
+              <a:rPr lang="en-US" dirty="0"/>
               <a:t>Click to edit Master text styles</a:t>
             </a:r>
-            <a:endParaRPr lang="en-US" dirty="0"/>
           </a:p>
         </p:txBody>
       </p:sp>
@@ -7297,14 +7189,14 @@
           </a:ln>
           <a:extLst>
             <a:ext uri="{909E8E84-426E-40dd-AFC4-6F175D3DCCD1}">
-              <a14:hiddenFill xmlns:a14="http://schemas.microsoft.com/office/drawing/2010/main">
+              <a14:hiddenFill xmlns:a14="http://schemas.microsoft.com/office/drawing/2010/main" xmlns="">
                 <a:solidFill>
                   <a:srgbClr val="FFFFFF"/>
                 </a:solidFill>
               </a14:hiddenFill>
             </a:ext>
             <a:ext uri="{91240B29-F687-4f45-9708-019B960494DF}">
-              <a14:hiddenLine xmlns:a14="http://schemas.microsoft.com/office/drawing/2010/main" w="9525">
+              <a14:hiddenLine xmlns:a14="http://schemas.microsoft.com/office/drawing/2010/main" xmlns="" w="9525">
                 <a:solidFill>
                   <a:srgbClr val="000000"/>
                 </a:solidFill>
@@ -7387,7 +7279,7 @@
                 </a:lnSpc>
               </a:pPr>
               <a:r>
-                <a:rPr lang="en-US" sz="1100" dirty="0" smtClean="0">
+                <a:rPr lang="en-US" sz="1100" dirty="0">
                   <a:solidFill>
                     <a:schemeClr val="accent1"/>
                   </a:solidFill>
@@ -7396,13 +7288,6 @@
                 </a:rPr>
                 <a:t>Global Technology Education</a:t>
               </a:r>
-              <a:endParaRPr lang="en-US" sz="1100" dirty="0">
-                <a:solidFill>
-                  <a:schemeClr val="accent1"/>
-                </a:solidFill>
-                <a:latin typeface="Arial"/>
-                <a:cs typeface="Arial"/>
-              </a:endParaRPr>
             </a:p>
           </p:txBody>
         </p:sp>
@@ -7417,13 +7302,6 @@
   <p:clrMapOvr>
     <a:masterClrMapping/>
   </p:clrMapOvr>
-  <p:timing>
-    <p:tnLst>
-      <p:par>
-        <p:cTn xmlns:p14="http://schemas.microsoft.com/office/powerpoint/2010/main" id="1" dur="indefinite" restart="never" nodeType="tmRoot"/>
-      </p:par>
-    </p:tnLst>
-  </p:timing>
 </p:sldLayout>
 </file>
 
@@ -7479,10 +7357,9 @@
           </a:lstStyle>
           <a:p>
             <a:r>
-              <a:rPr lang="en-US" dirty="0" smtClean="0"/>
+              <a:rPr lang="en-US" dirty="0"/>
               <a:t>Click to edit Master title style</a:t>
             </a:r>
-            <a:endParaRPr lang="en-US" dirty="0"/>
           </a:p>
         </p:txBody>
       </p:sp>
@@ -7563,7 +7440,7 @@
           <a:p>
             <a:pPr lvl="0"/>
             <a:r>
-              <a:rPr lang="en-US" dirty="0" smtClean="0"/>
+              <a:rPr lang="en-US" dirty="0"/>
               <a:t>Click to edit Master text styles</a:t>
             </a:r>
           </a:p>
@@ -7646,14 +7523,14 @@
           <a:effectLst/>
           <a:extLst>
             <a:ext uri="{909E8E84-426E-40dd-AFC4-6F175D3DCCD1}">
-              <a14:hiddenFill xmlns:a14="http://schemas.microsoft.com/office/drawing/2010/main">
+              <a14:hiddenFill xmlns:a14="http://schemas.microsoft.com/office/drawing/2010/main" xmlns="">
                 <a:solidFill>
                   <a:srgbClr val="FFFFFF"/>
                 </a:solidFill>
               </a14:hiddenFill>
             </a:ext>
             <a:ext uri="{91240B29-F687-4f45-9708-019B960494DF}">
-              <a14:hiddenLine xmlns:a14="http://schemas.microsoft.com/office/drawing/2010/main" w="12700">
+              <a14:hiddenLine xmlns:a14="http://schemas.microsoft.com/office/drawing/2010/main" xmlns="" w="12700">
                 <a:solidFill>
                   <a:srgbClr val="000000"/>
                 </a:solidFill>
@@ -7663,7 +7540,7 @@
               </a14:hiddenLine>
             </a:ext>
             <a:ext uri="{AF507438-7753-43e0-B8FC-AC1667EBCBE1}">
-              <a14:hiddenEffects xmlns:a14="http://schemas.microsoft.com/office/drawing/2010/main">
+              <a14:hiddenEffects xmlns:a14="http://schemas.microsoft.com/office/drawing/2010/main" xmlns="">
                 <a:effectLst>
                   <a:outerShdw blurRad="63500" dist="38099" dir="2700000" algn="ctr" rotWithShape="0">
                     <a:srgbClr val="000000">
@@ -7697,7 +7574,7 @@
               <a:defRPr/>
             </a:pPr>
             <a:r>
-              <a:rPr lang="en-US" sz="700" b="0" i="0" kern="1200" dirty="0" smtClean="0">
+              <a:rPr lang="en-US" sz="700" b="0" i="0" kern="1200" dirty="0">
                 <a:solidFill>
                   <a:srgbClr val="A7A8A9"/>
                 </a:solidFill>
@@ -7708,7 +7585,7 @@
               </a:rPr>
               <a:t>© 2016 PayPal Inc. All rights reserved. Confidential and proprietary.</a:t>
             </a:r>
-            <a:endParaRPr lang="en-US" sz="700" b="0" i="0" kern="1200" dirty="0" smtClean="0">
+            <a:endParaRPr lang="en-US" sz="700" b="0" i="0" kern="1200" dirty="0">
               <a:solidFill>
                 <a:srgbClr val="A7A8A9"/>
               </a:solidFill>
@@ -7725,7 +7602,7 @@
               <a:defRPr/>
             </a:pPr>
             <a:r>
-              <a:rPr lang="en-US" sz="700" b="0" i="0" kern="1200" dirty="0" smtClean="0">
+              <a:rPr lang="en-US" sz="700" b="0" i="0" kern="1200" dirty="0">
                 <a:solidFill>
                   <a:srgbClr val="A7A8A9"/>
                 </a:solidFill>
@@ -7860,21 +7737,21 @@
               </a:buBlip>
             </a:pPr>
             <a:r>
-              <a:rPr lang="en-US" dirty="0" smtClean="0"/>
+              <a:rPr lang="en-US" dirty="0"/>
               <a:t>Click to edit Master text styles</a:t>
             </a:r>
           </a:p>
           <a:p>
             <a:pPr lvl="1"/>
             <a:r>
-              <a:rPr lang="en-US" dirty="0" smtClean="0"/>
+              <a:rPr lang="en-US" dirty="0"/>
               <a:t>Second level</a:t>
             </a:r>
           </a:p>
           <a:p>
             <a:pPr lvl="2"/>
             <a:r>
-              <a:rPr lang="en-US" dirty="0" smtClean="0"/>
+              <a:rPr lang="en-US" dirty="0"/>
               <a:t>Third level</a:t>
             </a:r>
           </a:p>
@@ -7915,14 +7792,14 @@
           </a:ln>
           <a:extLst>
             <a:ext uri="{909E8E84-426E-40dd-AFC4-6F175D3DCCD1}">
-              <a14:hiddenFill xmlns:a14="http://schemas.microsoft.com/office/drawing/2010/main">
+              <a14:hiddenFill xmlns:a14="http://schemas.microsoft.com/office/drawing/2010/main" xmlns="">
                 <a:solidFill>
                   <a:srgbClr val="FFFFFF"/>
                 </a:solidFill>
               </a14:hiddenFill>
             </a:ext>
             <a:ext uri="{91240B29-F687-4f45-9708-019B960494DF}">
-              <a14:hiddenLine xmlns:a14="http://schemas.microsoft.com/office/drawing/2010/main" w="9525">
+              <a14:hiddenLine xmlns:a14="http://schemas.microsoft.com/office/drawing/2010/main" xmlns="" w="9525">
                 <a:solidFill>
                   <a:srgbClr val="000000"/>
                 </a:solidFill>
@@ -8005,7 +7882,7 @@
                 </a:lnSpc>
               </a:pPr>
               <a:r>
-                <a:rPr lang="en-US" sz="1100" dirty="0" smtClean="0">
+                <a:rPr lang="en-US" sz="1100" dirty="0">
                   <a:solidFill>
                     <a:schemeClr val="accent1"/>
                   </a:solidFill>
@@ -8014,13 +7891,6 @@
                 </a:rPr>
                 <a:t>Global Technology Education</a:t>
               </a:r>
-              <a:endParaRPr lang="en-US" sz="1100" dirty="0">
-                <a:solidFill>
-                  <a:schemeClr val="accent1"/>
-                </a:solidFill>
-                <a:latin typeface="Arial"/>
-                <a:cs typeface="Arial"/>
-              </a:endParaRPr>
             </a:p>
           </p:txBody>
         </p:sp>
@@ -8035,13 +7905,6 @@
   <p:clrMapOvr>
     <a:masterClrMapping/>
   </p:clrMapOvr>
-  <p:timing>
-    <p:tnLst>
-      <p:par>
-        <p:cTn xmlns:p14="http://schemas.microsoft.com/office/powerpoint/2010/main" id="1" dur="indefinite" restart="never" nodeType="tmRoot"/>
-      </p:par>
-    </p:tnLst>
-  </p:timing>
 </p:sldLayout>
 </file>
 
@@ -8097,10 +7960,9 @@
           </a:lstStyle>
           <a:p>
             <a:r>
-              <a:rPr lang="en-US" dirty="0" smtClean="0"/>
+              <a:rPr lang="en-US" dirty="0"/>
               <a:t>Click to edit Master title style</a:t>
             </a:r>
-            <a:endParaRPr lang="en-US" dirty="0"/>
           </a:p>
         </p:txBody>
       </p:sp>
@@ -8181,7 +8043,7 @@
           <a:p>
             <a:pPr lvl="0"/>
             <a:r>
-              <a:rPr lang="en-US" dirty="0" smtClean="0"/>
+              <a:rPr lang="en-US" dirty="0"/>
               <a:t>Click to edit Master text styles</a:t>
             </a:r>
           </a:p>
@@ -8264,14 +8126,14 @@
           <a:effectLst/>
           <a:extLst>
             <a:ext uri="{909E8E84-426E-40dd-AFC4-6F175D3DCCD1}">
-              <a14:hiddenFill xmlns:a14="http://schemas.microsoft.com/office/drawing/2010/main">
+              <a14:hiddenFill xmlns:a14="http://schemas.microsoft.com/office/drawing/2010/main" xmlns="">
                 <a:solidFill>
                   <a:srgbClr val="FFFFFF"/>
                 </a:solidFill>
               </a14:hiddenFill>
             </a:ext>
             <a:ext uri="{91240B29-F687-4f45-9708-019B960494DF}">
-              <a14:hiddenLine xmlns:a14="http://schemas.microsoft.com/office/drawing/2010/main" w="12700">
+              <a14:hiddenLine xmlns:a14="http://schemas.microsoft.com/office/drawing/2010/main" xmlns="" w="12700">
                 <a:solidFill>
                   <a:srgbClr val="000000"/>
                 </a:solidFill>
@@ -8281,7 +8143,7 @@
               </a14:hiddenLine>
             </a:ext>
             <a:ext uri="{AF507438-7753-43e0-B8FC-AC1667EBCBE1}">
-              <a14:hiddenEffects xmlns:a14="http://schemas.microsoft.com/office/drawing/2010/main">
+              <a14:hiddenEffects xmlns:a14="http://schemas.microsoft.com/office/drawing/2010/main" xmlns="">
                 <a:effectLst>
                   <a:outerShdw blurRad="63500" dist="38099" dir="2700000" algn="ctr" rotWithShape="0">
                     <a:srgbClr val="000000">
@@ -8315,7 +8177,7 @@
               <a:defRPr/>
             </a:pPr>
             <a:r>
-              <a:rPr lang="en-US" sz="700" b="0" i="0" kern="1200" dirty="0" smtClean="0">
+              <a:rPr lang="en-US" sz="700" b="0" i="0" kern="1200" dirty="0">
                 <a:solidFill>
                   <a:srgbClr val="A7A8A9"/>
                 </a:solidFill>
@@ -8326,7 +8188,7 @@
               </a:rPr>
               <a:t>© 2016 PayPal Inc. All rights reserved. Confidential and proprietary.</a:t>
             </a:r>
-            <a:endParaRPr lang="en-US" sz="700" b="0" i="0" kern="1200" dirty="0" smtClean="0">
+            <a:endParaRPr lang="en-US" sz="700" b="0" i="0" kern="1200" dirty="0">
               <a:solidFill>
                 <a:srgbClr val="A7A8A9"/>
               </a:solidFill>
@@ -8343,7 +8205,7 @@
               <a:defRPr/>
             </a:pPr>
             <a:r>
-              <a:rPr lang="en-US" sz="700" b="0" i="0" kern="1200" dirty="0" smtClean="0">
+              <a:rPr lang="en-US" sz="700" b="0" i="0" kern="1200" dirty="0">
                 <a:solidFill>
                   <a:srgbClr val="A7A8A9"/>
                 </a:solidFill>
@@ -8615,10 +8477,9 @@
           <a:p>
             <a:pPr lvl="0"/>
             <a:r>
-              <a:rPr lang="en-US" dirty="0" smtClean="0"/>
+              <a:rPr lang="en-US" dirty="0"/>
               <a:t>Click to edit Master text styles</a:t>
             </a:r>
-            <a:endParaRPr lang="en-US" dirty="0"/>
           </a:p>
         </p:txBody>
       </p:sp>
@@ -8686,10 +8547,9 @@
           <a:p>
             <a:pPr lvl="0"/>
             <a:r>
-              <a:rPr lang="en-US" dirty="0" smtClean="0"/>
+              <a:rPr lang="en-US" dirty="0"/>
               <a:t>Click to edit</a:t>
             </a:r>
-            <a:endParaRPr lang="en-US" dirty="0"/>
           </a:p>
         </p:txBody>
       </p:sp>
@@ -8757,10 +8617,9 @@
           <a:p>
             <a:pPr lvl="0"/>
             <a:r>
-              <a:rPr lang="en-US" dirty="0" smtClean="0"/>
+              <a:rPr lang="en-US" dirty="0"/>
               <a:t>Click to edit</a:t>
             </a:r>
-            <a:endParaRPr lang="en-US" dirty="0"/>
           </a:p>
         </p:txBody>
       </p:sp>
@@ -8828,10 +8687,9 @@
           <a:p>
             <a:pPr lvl="0"/>
             <a:r>
-              <a:rPr lang="en-US" dirty="0" smtClean="0"/>
+              <a:rPr lang="en-US" dirty="0"/>
               <a:t>Click to edit</a:t>
             </a:r>
-            <a:endParaRPr lang="en-US" dirty="0"/>
           </a:p>
         </p:txBody>
       </p:sp>
@@ -8899,10 +8757,9 @@
           <a:p>
             <a:pPr lvl="0"/>
             <a:r>
-              <a:rPr lang="en-US" dirty="0" smtClean="0"/>
+              <a:rPr lang="en-US" dirty="0"/>
               <a:t>Click to edit Master text styles</a:t>
             </a:r>
-            <a:endParaRPr lang="en-US" dirty="0"/>
           </a:p>
         </p:txBody>
       </p:sp>
@@ -8986,10 +8843,9 @@
           <a:p>
             <a:pPr lvl="0"/>
             <a:r>
-              <a:rPr lang="en-US" dirty="0" smtClean="0"/>
+              <a:rPr lang="en-US" dirty="0"/>
               <a:t>Click to edit Master text styles</a:t>
             </a:r>
-            <a:endParaRPr lang="en-US" dirty="0"/>
           </a:p>
         </p:txBody>
       </p:sp>
@@ -9028,14 +8884,14 @@
           </a:ln>
           <a:extLst>
             <a:ext uri="{909E8E84-426E-40dd-AFC4-6F175D3DCCD1}">
-              <a14:hiddenFill xmlns:a14="http://schemas.microsoft.com/office/drawing/2010/main">
+              <a14:hiddenFill xmlns:a14="http://schemas.microsoft.com/office/drawing/2010/main" xmlns="">
                 <a:solidFill>
                   <a:srgbClr val="FFFFFF"/>
                 </a:solidFill>
               </a14:hiddenFill>
             </a:ext>
             <a:ext uri="{91240B29-F687-4f45-9708-019B960494DF}">
-              <a14:hiddenLine xmlns:a14="http://schemas.microsoft.com/office/drawing/2010/main" w="9525">
+              <a14:hiddenLine xmlns:a14="http://schemas.microsoft.com/office/drawing/2010/main" xmlns="" w="9525">
                 <a:solidFill>
                   <a:srgbClr val="000000"/>
                 </a:solidFill>
@@ -9118,7 +8974,7 @@
                 </a:lnSpc>
               </a:pPr>
               <a:r>
-                <a:rPr lang="en-US" sz="1100" dirty="0" smtClean="0">
+                <a:rPr lang="en-US" sz="1100" dirty="0">
                   <a:solidFill>
                     <a:schemeClr val="accent1"/>
                   </a:solidFill>
@@ -9127,13 +8983,6 @@
                 </a:rPr>
                 <a:t>Global Technology Education</a:t>
               </a:r>
-              <a:endParaRPr lang="en-US" sz="1100" dirty="0">
-                <a:solidFill>
-                  <a:schemeClr val="accent1"/>
-                </a:solidFill>
-                <a:latin typeface="Arial"/>
-                <a:cs typeface="Arial"/>
-              </a:endParaRPr>
             </a:p>
           </p:txBody>
         </p:sp>
@@ -9148,13 +8997,6 @@
   <p:clrMapOvr>
     <a:masterClrMapping/>
   </p:clrMapOvr>
-  <p:timing>
-    <p:tnLst>
-      <p:par>
-        <p:cTn xmlns:p14="http://schemas.microsoft.com/office/powerpoint/2010/main" id="1" dur="indefinite" restart="never" nodeType="tmRoot"/>
-      </p:par>
-    </p:tnLst>
-  </p:timing>
 </p:sldLayout>
 </file>
 
@@ -9210,10 +9052,9 @@
           </a:lstStyle>
           <a:p>
             <a:r>
-              <a:rPr lang="en-US" dirty="0" smtClean="0"/>
+              <a:rPr lang="en-US" dirty="0"/>
               <a:t>Click to edit Master title style</a:t>
             </a:r>
-            <a:endParaRPr lang="en-US" dirty="0"/>
           </a:p>
         </p:txBody>
       </p:sp>
@@ -9294,14 +9135,14 @@
           <a:effectLst/>
           <a:extLst>
             <a:ext uri="{909E8E84-426E-40dd-AFC4-6F175D3DCCD1}">
-              <a14:hiddenFill xmlns:a14="http://schemas.microsoft.com/office/drawing/2010/main">
+              <a14:hiddenFill xmlns:a14="http://schemas.microsoft.com/office/drawing/2010/main" xmlns="">
                 <a:solidFill>
                   <a:srgbClr val="FFFFFF"/>
                 </a:solidFill>
               </a14:hiddenFill>
             </a:ext>
             <a:ext uri="{91240B29-F687-4f45-9708-019B960494DF}">
-              <a14:hiddenLine xmlns:a14="http://schemas.microsoft.com/office/drawing/2010/main" w="12700">
+              <a14:hiddenLine xmlns:a14="http://schemas.microsoft.com/office/drawing/2010/main" xmlns="" w="12700">
                 <a:solidFill>
                   <a:srgbClr val="000000"/>
                 </a:solidFill>
@@ -9311,7 +9152,7 @@
               </a14:hiddenLine>
             </a:ext>
             <a:ext uri="{AF507438-7753-43e0-B8FC-AC1667EBCBE1}">
-              <a14:hiddenEffects xmlns:a14="http://schemas.microsoft.com/office/drawing/2010/main">
+              <a14:hiddenEffects xmlns:a14="http://schemas.microsoft.com/office/drawing/2010/main" xmlns="">
                 <a:effectLst>
                   <a:outerShdw blurRad="63500" dist="38099" dir="2700000" algn="ctr" rotWithShape="0">
                     <a:srgbClr val="000000">
@@ -9345,7 +9186,7 @@
               <a:defRPr/>
             </a:pPr>
             <a:r>
-              <a:rPr lang="en-US" sz="700" b="0" i="0" kern="1200" dirty="0" smtClean="0">
+              <a:rPr lang="en-US" sz="700" b="0" i="0" kern="1200" dirty="0">
                 <a:solidFill>
                   <a:srgbClr val="A7A8A9"/>
                 </a:solidFill>
@@ -9356,7 +9197,7 @@
               </a:rPr>
               <a:t>© 2016 PayPal Inc. All rights reserved. Confidential and proprietary.</a:t>
             </a:r>
-            <a:endParaRPr lang="en-US" sz="700" b="0" i="0" kern="1200" dirty="0" smtClean="0">
+            <a:endParaRPr lang="en-US" sz="700" b="0" i="0" kern="1200" dirty="0">
               <a:solidFill>
                 <a:srgbClr val="A7A8A9"/>
               </a:solidFill>
@@ -9373,7 +9214,7 @@
               <a:defRPr/>
             </a:pPr>
             <a:r>
-              <a:rPr lang="en-US" sz="700" b="0" i="0" kern="1200" dirty="0" smtClean="0">
+              <a:rPr lang="en-US" sz="700" b="0" i="0" kern="1200" dirty="0">
                 <a:solidFill>
                   <a:srgbClr val="A7A8A9"/>
                 </a:solidFill>
@@ -9510,24 +9351,23 @@
           <a:p>
             <a:pPr lvl="0"/>
             <a:r>
-              <a:rPr lang="en-US" dirty="0" smtClean="0"/>
+              <a:rPr lang="en-US" dirty="0"/>
               <a:t>  </a:t>
             </a:r>
           </a:p>
           <a:p>
             <a:pPr lvl="1"/>
             <a:r>
-              <a:rPr lang="en-US" dirty="0" smtClean="0"/>
+              <a:rPr lang="en-US" dirty="0"/>
               <a:t> </a:t>
             </a:r>
           </a:p>
           <a:p>
             <a:pPr lvl="2"/>
             <a:r>
-              <a:rPr lang="en-US" dirty="0" smtClean="0"/>
+              <a:rPr lang="en-US" dirty="0"/>
               <a:t> </a:t>
             </a:r>
-            <a:endParaRPr lang="en-US" dirty="0"/>
           </a:p>
         </p:txBody>
       </p:sp>
@@ -9566,14 +9406,14 @@
           </a:ln>
           <a:extLst>
             <a:ext uri="{909E8E84-426E-40dd-AFC4-6F175D3DCCD1}">
-              <a14:hiddenFill xmlns:a14="http://schemas.microsoft.com/office/drawing/2010/main">
+              <a14:hiddenFill xmlns:a14="http://schemas.microsoft.com/office/drawing/2010/main" xmlns="">
                 <a:solidFill>
                   <a:srgbClr val="FFFFFF"/>
                 </a:solidFill>
               </a14:hiddenFill>
             </a:ext>
             <a:ext uri="{91240B29-F687-4f45-9708-019B960494DF}">
-              <a14:hiddenLine xmlns:a14="http://schemas.microsoft.com/office/drawing/2010/main" w="9525">
+              <a14:hiddenLine xmlns:a14="http://schemas.microsoft.com/office/drawing/2010/main" xmlns="" w="9525">
                 <a:solidFill>
                   <a:srgbClr val="000000"/>
                 </a:solidFill>
@@ -9656,7 +9496,7 @@
                 </a:lnSpc>
               </a:pPr>
               <a:r>
-                <a:rPr lang="en-US" sz="1100" dirty="0" smtClean="0">
+                <a:rPr lang="en-US" sz="1100" dirty="0">
                   <a:solidFill>
                     <a:schemeClr val="accent1"/>
                   </a:solidFill>
@@ -9665,13 +9505,6 @@
                 </a:rPr>
                 <a:t>Global Technology Education</a:t>
               </a:r>
-              <a:endParaRPr lang="en-US" sz="1100" dirty="0">
-                <a:solidFill>
-                  <a:schemeClr val="accent1"/>
-                </a:solidFill>
-                <a:latin typeface="Arial"/>
-                <a:cs typeface="Arial"/>
-              </a:endParaRPr>
             </a:p>
           </p:txBody>
         </p:sp>
@@ -9686,13 +9519,6 @@
   <p:clrMapOvr>
     <a:masterClrMapping/>
   </p:clrMapOvr>
-  <p:timing>
-    <p:tnLst>
-      <p:par>
-        <p:cTn xmlns:p14="http://schemas.microsoft.com/office/powerpoint/2010/main" id="1" dur="indefinite" restart="never" nodeType="tmRoot"/>
-      </p:par>
-    </p:tnLst>
-  </p:timing>
 </p:sldLayout>
 </file>
 
@@ -9748,10 +9574,9 @@
           </a:lstStyle>
           <a:p>
             <a:r>
-              <a:rPr lang="en-US" dirty="0" smtClean="0"/>
+              <a:rPr lang="en-US" dirty="0"/>
               <a:t>Click to edit Master title style</a:t>
             </a:r>
-            <a:endParaRPr lang="en-US" dirty="0"/>
           </a:p>
         </p:txBody>
       </p:sp>
@@ -9832,7 +9657,7 @@
           <a:p>
             <a:pPr lvl="0"/>
             <a:r>
-              <a:rPr lang="en-US" dirty="0" smtClean="0"/>
+              <a:rPr lang="en-US" dirty="0"/>
               <a:t>Click to edit Master text styles</a:t>
             </a:r>
           </a:p>
@@ -9915,14 +9740,14 @@
           <a:effectLst/>
           <a:extLst>
             <a:ext uri="{909E8E84-426E-40dd-AFC4-6F175D3DCCD1}">
-              <a14:hiddenFill xmlns:a14="http://schemas.microsoft.com/office/drawing/2010/main">
+              <a14:hiddenFill xmlns:a14="http://schemas.microsoft.com/office/drawing/2010/main" xmlns="">
                 <a:solidFill>
                   <a:srgbClr val="FFFFFF"/>
                 </a:solidFill>
               </a14:hiddenFill>
             </a:ext>
             <a:ext uri="{91240B29-F687-4f45-9708-019B960494DF}">
-              <a14:hiddenLine xmlns:a14="http://schemas.microsoft.com/office/drawing/2010/main" w="12700">
+              <a14:hiddenLine xmlns:a14="http://schemas.microsoft.com/office/drawing/2010/main" xmlns="" w="12700">
                 <a:solidFill>
                   <a:srgbClr val="000000"/>
                 </a:solidFill>
@@ -9932,7 +9757,7 @@
               </a14:hiddenLine>
             </a:ext>
             <a:ext uri="{AF507438-7753-43e0-B8FC-AC1667EBCBE1}">
-              <a14:hiddenEffects xmlns:a14="http://schemas.microsoft.com/office/drawing/2010/main">
+              <a14:hiddenEffects xmlns:a14="http://schemas.microsoft.com/office/drawing/2010/main" xmlns="">
                 <a:effectLst>
                   <a:outerShdw blurRad="63500" dist="38099" dir="2700000" algn="ctr" rotWithShape="0">
                     <a:srgbClr val="000000">
@@ -9966,7 +9791,7 @@
               <a:defRPr/>
             </a:pPr>
             <a:r>
-              <a:rPr lang="en-US" sz="700" b="0" i="0" kern="1200" dirty="0" smtClean="0">
+              <a:rPr lang="en-US" sz="700" b="0" i="0" kern="1200" dirty="0">
                 <a:solidFill>
                   <a:srgbClr val="A7A8A9"/>
                 </a:solidFill>
@@ -9977,7 +9802,7 @@
               </a:rPr>
               <a:t>© 2016 PayPal Inc. All rights reserved. Confidential and proprietary.</a:t>
             </a:r>
-            <a:endParaRPr lang="en-US" sz="700" b="0" i="0" kern="1200" dirty="0" smtClean="0">
+            <a:endParaRPr lang="en-US" sz="700" b="0" i="0" kern="1200" dirty="0">
               <a:solidFill>
                 <a:srgbClr val="A7A8A9"/>
               </a:solidFill>
@@ -9994,7 +9819,7 @@
               <a:defRPr/>
             </a:pPr>
             <a:r>
-              <a:rPr lang="en-US" sz="700" b="0" i="0" kern="1200" dirty="0" smtClean="0">
+              <a:rPr lang="en-US" sz="700" b="0" i="0" kern="1200" dirty="0">
                 <a:solidFill>
                   <a:srgbClr val="A7A8A9"/>
                 </a:solidFill>
@@ -10158,7 +9983,7 @@
           <a:p>
             <a:pPr lvl="0"/>
             <a:r>
-              <a:rPr lang="en-US" dirty="0" smtClean="0"/>
+              <a:rPr lang="en-US" dirty="0"/>
               <a:t>Click</a:t>
             </a:r>
           </a:p>
@@ -10228,10 +10053,9 @@
           <a:p>
             <a:pPr lvl="0"/>
             <a:r>
-              <a:rPr lang="en-US" dirty="0" smtClean="0"/>
+              <a:rPr lang="en-US" dirty="0"/>
               <a:t>Click to edit</a:t>
             </a:r>
-            <a:endParaRPr lang="en-US" dirty="0"/>
           </a:p>
         </p:txBody>
       </p:sp>
@@ -10315,10 +10139,9 @@
           <a:p>
             <a:pPr lvl="0"/>
             <a:r>
-              <a:rPr lang="en-US" dirty="0" smtClean="0"/>
+              <a:rPr lang="en-US" dirty="0"/>
               <a:t>Click to edit Master text styles</a:t>
             </a:r>
-            <a:endParaRPr lang="en-US" dirty="0"/>
           </a:p>
         </p:txBody>
       </p:sp>
@@ -10433,10 +10256,9 @@
           <a:p>
             <a:pPr lvl="0"/>
             <a:r>
-              <a:rPr lang="en-US" dirty="0" smtClean="0"/>
+              <a:rPr lang="en-US" dirty="0"/>
               <a:t>Click to edit</a:t>
             </a:r>
-            <a:endParaRPr lang="en-US" dirty="0"/>
           </a:p>
         </p:txBody>
       </p:sp>
@@ -10520,10 +10342,9 @@
           <a:p>
             <a:pPr lvl="0"/>
             <a:r>
-              <a:rPr lang="en-US" dirty="0" smtClean="0"/>
+              <a:rPr lang="en-US" dirty="0"/>
               <a:t>Click to edit Master text styles</a:t>
             </a:r>
-            <a:endParaRPr lang="en-US" dirty="0"/>
           </a:p>
         </p:txBody>
       </p:sp>
@@ -10570,7 +10391,7 @@
           <a:lstStyle/>
           <a:p>
             <a:pPr algn="ctr"/>
-            <a:endParaRPr lang="en-US" dirty="0" err="1" smtClean="0">
+            <a:endParaRPr lang="en-US" dirty="0" err="1">
               <a:solidFill>
                 <a:schemeClr val="tx1"/>
               </a:solidFill>
@@ -10615,14 +10436,14 @@
           </a:ln>
           <a:extLst>
             <a:ext uri="{909E8E84-426E-40dd-AFC4-6F175D3DCCD1}">
-              <a14:hiddenFill xmlns:a14="http://schemas.microsoft.com/office/drawing/2010/main">
+              <a14:hiddenFill xmlns:a14="http://schemas.microsoft.com/office/drawing/2010/main" xmlns="">
                 <a:solidFill>
                   <a:srgbClr val="FFFFFF"/>
                 </a:solidFill>
               </a14:hiddenFill>
             </a:ext>
             <a:ext uri="{91240B29-F687-4f45-9708-019B960494DF}">
-              <a14:hiddenLine xmlns:a14="http://schemas.microsoft.com/office/drawing/2010/main" w="9525">
+              <a14:hiddenLine xmlns:a14="http://schemas.microsoft.com/office/drawing/2010/main" xmlns="" w="9525">
                 <a:solidFill>
                   <a:srgbClr val="000000"/>
                 </a:solidFill>
@@ -10705,7 +10526,7 @@
                 </a:lnSpc>
               </a:pPr>
               <a:r>
-                <a:rPr lang="en-US" sz="1100" dirty="0" smtClean="0">
+                <a:rPr lang="en-US" sz="1100" dirty="0">
                   <a:solidFill>
                     <a:schemeClr val="accent1"/>
                   </a:solidFill>
@@ -10714,13 +10535,6 @@
                 </a:rPr>
                 <a:t>Global Technology Education</a:t>
               </a:r>
-              <a:endParaRPr lang="en-US" sz="1100" dirty="0">
-                <a:solidFill>
-                  <a:schemeClr val="accent1"/>
-                </a:solidFill>
-                <a:latin typeface="Arial"/>
-                <a:cs typeface="Arial"/>
-              </a:endParaRPr>
             </a:p>
           </p:txBody>
         </p:sp>
@@ -10735,13 +10549,6 @@
   <p:clrMapOvr>
     <a:masterClrMapping/>
   </p:clrMapOvr>
-  <p:timing>
-    <p:tnLst>
-      <p:par>
-        <p:cTn xmlns:p14="http://schemas.microsoft.com/office/powerpoint/2010/main" id="1" dur="indefinite" restart="never" nodeType="tmRoot"/>
-      </p:par>
-    </p:tnLst>
-  </p:timing>
 </p:sldLayout>
 </file>
 
@@ -10797,10 +10604,9 @@
           </a:lstStyle>
           <a:p>
             <a:r>
-              <a:rPr lang="en-US" dirty="0" smtClean="0"/>
+              <a:rPr lang="en-US" dirty="0"/>
               <a:t>Click to edit Master title style</a:t>
             </a:r>
-            <a:endParaRPr lang="en-US" dirty="0"/>
           </a:p>
         </p:txBody>
       </p:sp>
@@ -10881,7 +10687,7 @@
           <a:p>
             <a:pPr lvl="0"/>
             <a:r>
-              <a:rPr lang="en-US" dirty="0" smtClean="0"/>
+              <a:rPr lang="en-US" dirty="0"/>
               <a:t>Click to edit Master text styles</a:t>
             </a:r>
           </a:p>
@@ -10964,14 +10770,14 @@
           <a:effectLst/>
           <a:extLst>
             <a:ext uri="{909E8E84-426E-40dd-AFC4-6F175D3DCCD1}">
-              <a14:hiddenFill xmlns:a14="http://schemas.microsoft.com/office/drawing/2010/main">
+              <a14:hiddenFill xmlns:a14="http://schemas.microsoft.com/office/drawing/2010/main" xmlns="">
                 <a:solidFill>
                   <a:srgbClr val="FFFFFF"/>
                 </a:solidFill>
               </a14:hiddenFill>
             </a:ext>
             <a:ext uri="{91240B29-F687-4f45-9708-019B960494DF}">
-              <a14:hiddenLine xmlns:a14="http://schemas.microsoft.com/office/drawing/2010/main" w="12700">
+              <a14:hiddenLine xmlns:a14="http://schemas.microsoft.com/office/drawing/2010/main" xmlns="" w="12700">
                 <a:solidFill>
                   <a:srgbClr val="000000"/>
                 </a:solidFill>
@@ -10981,7 +10787,7 @@
               </a14:hiddenLine>
             </a:ext>
             <a:ext uri="{AF507438-7753-43e0-B8FC-AC1667EBCBE1}">
-              <a14:hiddenEffects xmlns:a14="http://schemas.microsoft.com/office/drawing/2010/main">
+              <a14:hiddenEffects xmlns:a14="http://schemas.microsoft.com/office/drawing/2010/main" xmlns="">
                 <a:effectLst>
                   <a:outerShdw blurRad="63500" dist="38099" dir="2700000" algn="ctr" rotWithShape="0">
                     <a:srgbClr val="000000">
@@ -11015,7 +10821,7 @@
               <a:defRPr/>
             </a:pPr>
             <a:r>
-              <a:rPr lang="en-US" sz="700" b="0" i="0" kern="1200" dirty="0" smtClean="0">
+              <a:rPr lang="en-US" sz="700" b="0" i="0" kern="1200" dirty="0">
                 <a:solidFill>
                   <a:srgbClr val="A7A8A9"/>
                 </a:solidFill>
@@ -11026,7 +10832,7 @@
               </a:rPr>
               <a:t>© 2016 PayPal Inc. All rights reserved. Confidential and proprietary.</a:t>
             </a:r>
-            <a:endParaRPr lang="en-US" sz="700" b="0" i="0" kern="1200" dirty="0" smtClean="0">
+            <a:endParaRPr lang="en-US" sz="700" b="0" i="0" kern="1200" dirty="0">
               <a:solidFill>
                 <a:srgbClr val="A7A8A9"/>
               </a:solidFill>
@@ -11043,7 +10849,7 @@
               <a:defRPr/>
             </a:pPr>
             <a:r>
-              <a:rPr lang="en-US" sz="700" b="0" i="0" kern="1200" dirty="0" smtClean="0">
+              <a:rPr lang="en-US" sz="700" b="0" i="0" kern="1200" dirty="0">
                 <a:solidFill>
                   <a:srgbClr val="A7A8A9"/>
                 </a:solidFill>
@@ -11171,10 +10977,9 @@
           <a:p>
             <a:pPr lvl="0"/>
             <a:r>
-              <a:rPr lang="en-US" dirty="0" smtClean="0"/>
+              <a:rPr lang="en-US" dirty="0"/>
               <a:t>Click to edit Master text styles</a:t>
             </a:r>
-            <a:endParaRPr lang="en-US" dirty="0"/>
           </a:p>
         </p:txBody>
       </p:sp>
@@ -11242,10 +11047,9 @@
           <a:p>
             <a:pPr lvl="0"/>
             <a:r>
-              <a:rPr lang="en-US" dirty="0" smtClean="0"/>
+              <a:rPr lang="en-US" dirty="0"/>
               <a:t>Click to edit Master text styles</a:t>
             </a:r>
-            <a:endParaRPr lang="en-US" dirty="0"/>
           </a:p>
         </p:txBody>
       </p:sp>
@@ -11313,10 +11117,9 @@
           <a:p>
             <a:pPr lvl="0"/>
             <a:r>
-              <a:rPr lang="en-US" dirty="0" smtClean="0"/>
+              <a:rPr lang="en-US" dirty="0"/>
               <a:t>Click to edit Master text styles</a:t>
             </a:r>
-            <a:endParaRPr lang="en-US" dirty="0"/>
           </a:p>
         </p:txBody>
       </p:sp>
@@ -11384,10 +11187,9 @@
           <a:p>
             <a:pPr lvl="0"/>
             <a:r>
-              <a:rPr lang="en-US" dirty="0" smtClean="0"/>
+              <a:rPr lang="en-US" dirty="0"/>
               <a:t>Click to edit Master text styles</a:t>
             </a:r>
-            <a:endParaRPr lang="en-US" dirty="0"/>
           </a:p>
         </p:txBody>
       </p:sp>
@@ -11608,10 +11410,9 @@
           <a:p>
             <a:pPr lvl="0"/>
             <a:r>
-              <a:rPr lang="en-US" dirty="0" smtClean="0"/>
+              <a:rPr lang="en-US" dirty="0"/>
               <a:t>Click to edit</a:t>
             </a:r>
-            <a:endParaRPr lang="en-US" dirty="0"/>
           </a:p>
         </p:txBody>
       </p:sp>
@@ -11679,10 +11480,9 @@
           <a:p>
             <a:pPr lvl="0"/>
             <a:r>
-              <a:rPr lang="en-US" dirty="0" smtClean="0"/>
+              <a:rPr lang="en-US" dirty="0"/>
               <a:t>Click to edit</a:t>
             </a:r>
-            <a:endParaRPr lang="en-US" dirty="0"/>
           </a:p>
         </p:txBody>
       </p:sp>
@@ -11750,10 +11550,9 @@
           <a:p>
             <a:pPr lvl="0"/>
             <a:r>
-              <a:rPr lang="en-US" dirty="0" smtClean="0"/>
+              <a:rPr lang="en-US" dirty="0"/>
               <a:t>Click to edit</a:t>
             </a:r>
-            <a:endParaRPr lang="en-US" dirty="0"/>
           </a:p>
         </p:txBody>
       </p:sp>
@@ -11792,14 +11591,14 @@
           </a:ln>
           <a:extLst>
             <a:ext uri="{909E8E84-426E-40dd-AFC4-6F175D3DCCD1}">
-              <a14:hiddenFill xmlns:a14="http://schemas.microsoft.com/office/drawing/2010/main">
+              <a14:hiddenFill xmlns:a14="http://schemas.microsoft.com/office/drawing/2010/main" xmlns="">
                 <a:solidFill>
                   <a:srgbClr val="FFFFFF"/>
                 </a:solidFill>
               </a14:hiddenFill>
             </a:ext>
             <a:ext uri="{91240B29-F687-4f45-9708-019B960494DF}">
-              <a14:hiddenLine xmlns:a14="http://schemas.microsoft.com/office/drawing/2010/main" w="9525">
+              <a14:hiddenLine xmlns:a14="http://schemas.microsoft.com/office/drawing/2010/main" xmlns="" w="9525">
                 <a:solidFill>
                   <a:srgbClr val="000000"/>
                 </a:solidFill>
@@ -11882,7 +11681,7 @@
                 </a:lnSpc>
               </a:pPr>
               <a:r>
-                <a:rPr lang="en-US" sz="1100" dirty="0" smtClean="0">
+                <a:rPr lang="en-US" sz="1100" dirty="0">
                   <a:solidFill>
                     <a:schemeClr val="accent1"/>
                   </a:solidFill>
@@ -11891,13 +11690,6 @@
                 </a:rPr>
                 <a:t>Global Technology Education</a:t>
               </a:r>
-              <a:endParaRPr lang="en-US" sz="1100" dirty="0">
-                <a:solidFill>
-                  <a:schemeClr val="accent1"/>
-                </a:solidFill>
-                <a:latin typeface="Arial"/>
-                <a:cs typeface="Arial"/>
-              </a:endParaRPr>
             </a:p>
           </p:txBody>
         </p:sp>
@@ -11912,13 +11704,6 @@
   <p:clrMapOvr>
     <a:masterClrMapping/>
   </p:clrMapOvr>
-  <p:timing>
-    <p:tnLst>
-      <p:par>
-        <p:cTn xmlns:p14="http://schemas.microsoft.com/office/powerpoint/2010/main" id="1" dur="indefinite" restart="never" nodeType="tmRoot"/>
-      </p:par>
-    </p:tnLst>
-  </p:timing>
 </p:sldLayout>
 </file>
 
@@ -11974,10 +11759,9 @@
           </a:lstStyle>
           <a:p>
             <a:r>
-              <a:rPr lang="en-US" dirty="0" smtClean="0"/>
+              <a:rPr lang="en-US" dirty="0"/>
               <a:t>Click to edit Master title style</a:t>
             </a:r>
-            <a:endParaRPr lang="en-US" dirty="0"/>
           </a:p>
         </p:txBody>
       </p:sp>
@@ -12058,7 +11842,7 @@
           <a:p>
             <a:pPr lvl="0"/>
             <a:r>
-              <a:rPr lang="en-US" smtClean="0"/>
+              <a:rPr lang="en-US"/>
               <a:t>Click to edit Master text styles</a:t>
             </a:r>
           </a:p>
@@ -12141,14 +11925,14 @@
           <a:effectLst/>
           <a:extLst>
             <a:ext uri="{909E8E84-426E-40dd-AFC4-6F175D3DCCD1}">
-              <a14:hiddenFill xmlns:a14="http://schemas.microsoft.com/office/drawing/2010/main">
+              <a14:hiddenFill xmlns:a14="http://schemas.microsoft.com/office/drawing/2010/main" xmlns="">
                 <a:solidFill>
                   <a:srgbClr val="FFFFFF"/>
                 </a:solidFill>
               </a14:hiddenFill>
             </a:ext>
             <a:ext uri="{91240B29-F687-4f45-9708-019B960494DF}">
-              <a14:hiddenLine xmlns:a14="http://schemas.microsoft.com/office/drawing/2010/main" w="12700">
+              <a14:hiddenLine xmlns:a14="http://schemas.microsoft.com/office/drawing/2010/main" xmlns="" w="12700">
                 <a:solidFill>
                   <a:srgbClr val="000000"/>
                 </a:solidFill>
@@ -12158,7 +11942,7 @@
               </a14:hiddenLine>
             </a:ext>
             <a:ext uri="{AF507438-7753-43e0-B8FC-AC1667EBCBE1}">
-              <a14:hiddenEffects xmlns:a14="http://schemas.microsoft.com/office/drawing/2010/main">
+              <a14:hiddenEffects xmlns:a14="http://schemas.microsoft.com/office/drawing/2010/main" xmlns="">
                 <a:effectLst>
                   <a:outerShdw blurRad="63500" dist="38099" dir="2700000" algn="ctr" rotWithShape="0">
                     <a:srgbClr val="000000">
@@ -12192,7 +11976,7 @@
               <a:defRPr/>
             </a:pPr>
             <a:r>
-              <a:rPr lang="en-US" sz="700" b="0" i="0" kern="1200" dirty="0" smtClean="0">
+              <a:rPr lang="en-US" sz="700" b="0" i="0" kern="1200" dirty="0">
                 <a:solidFill>
                   <a:srgbClr val="A7A8A9"/>
                 </a:solidFill>
@@ -12203,7 +11987,7 @@
               </a:rPr>
               <a:t>© 2016 PayPal Inc. All rights reserved. Confidential and proprietary.</a:t>
             </a:r>
-            <a:endParaRPr lang="en-US" sz="700" b="0" i="0" kern="1200" dirty="0" smtClean="0">
+            <a:endParaRPr lang="en-US" sz="700" b="0" i="0" kern="1200" dirty="0">
               <a:solidFill>
                 <a:srgbClr val="A7A8A9"/>
               </a:solidFill>
@@ -12220,7 +12004,7 @@
               <a:defRPr/>
             </a:pPr>
             <a:r>
-              <a:rPr lang="en-US" sz="700" b="0" i="0" kern="1200" dirty="0" smtClean="0">
+              <a:rPr lang="en-US" sz="700" b="0" i="0" kern="1200" dirty="0">
                 <a:solidFill>
                   <a:srgbClr val="A7A8A9"/>
                 </a:solidFill>
@@ -12485,10 +12269,9 @@
           <a:p>
             <a:pPr lvl="0"/>
             <a:r>
-              <a:rPr lang="en-US" dirty="0" smtClean="0"/>
+              <a:rPr lang="en-US" dirty="0"/>
               <a:t>Click to edit</a:t>
             </a:r>
-            <a:endParaRPr lang="en-US" dirty="0"/>
           </a:p>
         </p:txBody>
       </p:sp>
@@ -12556,10 +12339,9 @@
           <a:p>
             <a:pPr lvl="0"/>
             <a:r>
-              <a:rPr lang="en-US" dirty="0" smtClean="0"/>
+              <a:rPr lang="en-US" dirty="0"/>
               <a:t>Click to edit</a:t>
             </a:r>
-            <a:endParaRPr lang="en-US" dirty="0"/>
           </a:p>
         </p:txBody>
       </p:sp>
@@ -12627,10 +12409,9 @@
           <a:p>
             <a:pPr lvl="0"/>
             <a:r>
-              <a:rPr lang="en-US" dirty="0" smtClean="0"/>
+              <a:rPr lang="en-US" dirty="0"/>
               <a:t>Click to edit</a:t>
             </a:r>
-            <a:endParaRPr lang="en-US" dirty="0"/>
           </a:p>
         </p:txBody>
       </p:sp>
@@ -12712,10 +12493,9 @@
           <a:p>
             <a:pPr lvl="0"/>
             <a:r>
-              <a:rPr lang="en-US" dirty="0" smtClean="0"/>
+              <a:rPr lang="en-US" dirty="0"/>
               <a:t>Click to edit Master text styles</a:t>
             </a:r>
-            <a:endParaRPr lang="en-US" dirty="0"/>
           </a:p>
         </p:txBody>
       </p:sp>
@@ -12797,10 +12577,9 @@
           <a:p>
             <a:pPr lvl="0"/>
             <a:r>
-              <a:rPr lang="en-US" dirty="0" smtClean="0"/>
+              <a:rPr lang="en-US" dirty="0"/>
               <a:t>Click to edit Master text styles</a:t>
             </a:r>
-            <a:endParaRPr lang="en-US" dirty="0"/>
           </a:p>
         </p:txBody>
       </p:sp>
@@ -12882,10 +12661,9 @@
           <a:p>
             <a:pPr lvl="0"/>
             <a:r>
-              <a:rPr lang="en-US" dirty="0" smtClean="0"/>
+              <a:rPr lang="en-US" dirty="0"/>
               <a:t>Click to edit Master text styles</a:t>
             </a:r>
-            <a:endParaRPr lang="en-US" dirty="0"/>
           </a:p>
         </p:txBody>
       </p:sp>
@@ -12924,14 +12702,14 @@
           </a:ln>
           <a:extLst>
             <a:ext uri="{909E8E84-426E-40dd-AFC4-6F175D3DCCD1}">
-              <a14:hiddenFill xmlns:a14="http://schemas.microsoft.com/office/drawing/2010/main">
+              <a14:hiddenFill xmlns:a14="http://schemas.microsoft.com/office/drawing/2010/main" xmlns="">
                 <a:solidFill>
                   <a:srgbClr val="FFFFFF"/>
                 </a:solidFill>
               </a14:hiddenFill>
             </a:ext>
             <a:ext uri="{91240B29-F687-4f45-9708-019B960494DF}">
-              <a14:hiddenLine xmlns:a14="http://schemas.microsoft.com/office/drawing/2010/main" w="9525">
+              <a14:hiddenLine xmlns:a14="http://schemas.microsoft.com/office/drawing/2010/main" xmlns="" w="9525">
                 <a:solidFill>
                   <a:srgbClr val="000000"/>
                 </a:solidFill>
@@ -13014,7 +12792,7 @@
                 </a:lnSpc>
               </a:pPr>
               <a:r>
-                <a:rPr lang="en-US" sz="1100" dirty="0" smtClean="0">
+                <a:rPr lang="en-US" sz="1100" dirty="0">
                   <a:solidFill>
                     <a:schemeClr val="accent1"/>
                   </a:solidFill>
@@ -13023,13 +12801,6 @@
                 </a:rPr>
                 <a:t>Global Technology Education</a:t>
               </a:r>
-              <a:endParaRPr lang="en-US" sz="1100" dirty="0">
-                <a:solidFill>
-                  <a:schemeClr val="accent1"/>
-                </a:solidFill>
-                <a:latin typeface="Arial"/>
-                <a:cs typeface="Arial"/>
-              </a:endParaRPr>
             </a:p>
           </p:txBody>
         </p:sp>
@@ -13044,13 +12815,6 @@
   <p:clrMapOvr>
     <a:masterClrMapping/>
   </p:clrMapOvr>
-  <p:timing>
-    <p:tnLst>
-      <p:par>
-        <p:cTn xmlns:p14="http://schemas.microsoft.com/office/powerpoint/2010/main" id="1" dur="indefinite" restart="never" nodeType="tmRoot"/>
-      </p:par>
-    </p:tnLst>
-  </p:timing>
 </p:sldLayout>
 </file>
 
@@ -13106,10 +12870,9 @@
           </a:lstStyle>
           <a:p>
             <a:r>
-              <a:rPr lang="en-US" dirty="0" smtClean="0"/>
+              <a:rPr lang="en-US" dirty="0"/>
               <a:t>Click to edit Master title style</a:t>
             </a:r>
-            <a:endParaRPr lang="en-US" dirty="0"/>
           </a:p>
         </p:txBody>
       </p:sp>
@@ -13190,7 +12953,7 @@
           <a:p>
             <a:pPr lvl="0"/>
             <a:r>
-              <a:rPr lang="en-US" smtClean="0"/>
+              <a:rPr lang="en-US"/>
               <a:t>Click to edit Master text styles</a:t>
             </a:r>
           </a:p>
@@ -13273,14 +13036,14 @@
           <a:effectLst/>
           <a:extLst>
             <a:ext uri="{909E8E84-426E-40dd-AFC4-6F175D3DCCD1}">
-              <a14:hiddenFill xmlns:a14="http://schemas.microsoft.com/office/drawing/2010/main">
+              <a14:hiddenFill xmlns:a14="http://schemas.microsoft.com/office/drawing/2010/main" xmlns="">
                 <a:solidFill>
                   <a:srgbClr val="FFFFFF"/>
                 </a:solidFill>
               </a14:hiddenFill>
             </a:ext>
             <a:ext uri="{91240B29-F687-4f45-9708-019B960494DF}">
-              <a14:hiddenLine xmlns:a14="http://schemas.microsoft.com/office/drawing/2010/main" w="12700">
+              <a14:hiddenLine xmlns:a14="http://schemas.microsoft.com/office/drawing/2010/main" xmlns="" w="12700">
                 <a:solidFill>
                   <a:srgbClr val="000000"/>
                 </a:solidFill>
@@ -13290,7 +13053,7 @@
               </a14:hiddenLine>
             </a:ext>
             <a:ext uri="{AF507438-7753-43e0-B8FC-AC1667EBCBE1}">
-              <a14:hiddenEffects xmlns:a14="http://schemas.microsoft.com/office/drawing/2010/main">
+              <a14:hiddenEffects xmlns:a14="http://schemas.microsoft.com/office/drawing/2010/main" xmlns="">
                 <a:effectLst>
                   <a:outerShdw blurRad="63500" dist="38099" dir="2700000" algn="ctr" rotWithShape="0">
                     <a:srgbClr val="000000">
@@ -13324,7 +13087,7 @@
               <a:defRPr/>
             </a:pPr>
             <a:r>
-              <a:rPr lang="en-US" sz="700" b="0" i="0" kern="1200" dirty="0" smtClean="0">
+              <a:rPr lang="en-US" sz="700" b="0" i="0" kern="1200" dirty="0">
                 <a:solidFill>
                   <a:srgbClr val="A7A8A9"/>
                 </a:solidFill>
@@ -13335,7 +13098,7 @@
               </a:rPr>
               <a:t>© 2016 PayPal Inc. All rights reserved. Confidential and proprietary.</a:t>
             </a:r>
-            <a:endParaRPr lang="en-US" sz="700" b="0" i="0" kern="1200" dirty="0" smtClean="0">
+            <a:endParaRPr lang="en-US" sz="700" b="0" i="0" kern="1200" dirty="0">
               <a:solidFill>
                 <a:srgbClr val="A7A8A9"/>
               </a:solidFill>
@@ -13352,7 +13115,7 @@
               <a:defRPr/>
             </a:pPr>
             <a:r>
-              <a:rPr lang="en-US" sz="700" b="0" i="0" kern="1200" dirty="0" smtClean="0">
+              <a:rPr lang="en-US" sz="700" b="0" i="0" kern="1200" dirty="0">
                 <a:solidFill>
                   <a:srgbClr val="A7A8A9"/>
                 </a:solidFill>
@@ -13617,10 +13380,9 @@
           <a:p>
             <a:pPr lvl="0"/>
             <a:r>
-              <a:rPr lang="en-US" dirty="0" smtClean="0"/>
+              <a:rPr lang="en-US" dirty="0"/>
               <a:t>Click to edit</a:t>
             </a:r>
-            <a:endParaRPr lang="en-US" dirty="0"/>
           </a:p>
         </p:txBody>
       </p:sp>
@@ -13688,10 +13450,9 @@
           <a:p>
             <a:pPr lvl="0"/>
             <a:r>
-              <a:rPr lang="en-US" dirty="0" smtClean="0"/>
+              <a:rPr lang="en-US" dirty="0"/>
               <a:t>Click to edit</a:t>
             </a:r>
-            <a:endParaRPr lang="en-US" dirty="0"/>
           </a:p>
         </p:txBody>
       </p:sp>
@@ -13759,10 +13520,9 @@
           <a:p>
             <a:pPr lvl="0"/>
             <a:r>
-              <a:rPr lang="en-US" dirty="0" smtClean="0"/>
+              <a:rPr lang="en-US" dirty="0"/>
               <a:t>Click to edit</a:t>
             </a:r>
-            <a:endParaRPr lang="en-US" dirty="0"/>
           </a:p>
         </p:txBody>
       </p:sp>
@@ -13844,10 +13604,9 @@
           <a:p>
             <a:pPr lvl="0"/>
             <a:r>
-              <a:rPr lang="en-US" dirty="0" smtClean="0"/>
+              <a:rPr lang="en-US" dirty="0"/>
               <a:t>Click to edit Master text styles</a:t>
             </a:r>
-            <a:endParaRPr lang="en-US" dirty="0"/>
           </a:p>
         </p:txBody>
       </p:sp>
@@ -13929,10 +13688,9 @@
           <a:p>
             <a:pPr lvl="0"/>
             <a:r>
-              <a:rPr lang="en-US" dirty="0" smtClean="0"/>
+              <a:rPr lang="en-US" dirty="0"/>
               <a:t>Click to edit Master text styles</a:t>
             </a:r>
-            <a:endParaRPr lang="en-US" dirty="0"/>
           </a:p>
         </p:txBody>
       </p:sp>
@@ -14014,10 +13772,9 @@
           <a:p>
             <a:pPr lvl="0"/>
             <a:r>
-              <a:rPr lang="en-US" dirty="0" smtClean="0"/>
+              <a:rPr lang="en-US" dirty="0"/>
               <a:t>Click to edit Master text styles</a:t>
             </a:r>
-            <a:endParaRPr lang="en-US" dirty="0"/>
           </a:p>
         </p:txBody>
       </p:sp>
@@ -14056,14 +13813,14 @@
           </a:ln>
           <a:extLst>
             <a:ext uri="{909E8E84-426E-40dd-AFC4-6F175D3DCCD1}">
-              <a14:hiddenFill xmlns:a14="http://schemas.microsoft.com/office/drawing/2010/main">
+              <a14:hiddenFill xmlns:a14="http://schemas.microsoft.com/office/drawing/2010/main" xmlns="">
                 <a:solidFill>
                   <a:srgbClr val="FFFFFF"/>
                 </a:solidFill>
               </a14:hiddenFill>
             </a:ext>
             <a:ext uri="{91240B29-F687-4f45-9708-019B960494DF}">
-              <a14:hiddenLine xmlns:a14="http://schemas.microsoft.com/office/drawing/2010/main" w="9525">
+              <a14:hiddenLine xmlns:a14="http://schemas.microsoft.com/office/drawing/2010/main" xmlns="" w="9525">
                 <a:solidFill>
                   <a:srgbClr val="000000"/>
                 </a:solidFill>
@@ -14146,7 +13903,7 @@
                 </a:lnSpc>
               </a:pPr>
               <a:r>
-                <a:rPr lang="en-US" sz="1100" dirty="0" smtClean="0">
+                <a:rPr lang="en-US" sz="1100" dirty="0">
                   <a:solidFill>
                     <a:schemeClr val="accent1"/>
                   </a:solidFill>
@@ -14155,13 +13912,6 @@
                 </a:rPr>
                 <a:t>Global Technology Education</a:t>
               </a:r>
-              <a:endParaRPr lang="en-US" sz="1100" dirty="0">
-                <a:solidFill>
-                  <a:schemeClr val="accent1"/>
-                </a:solidFill>
-                <a:latin typeface="Arial"/>
-                <a:cs typeface="Arial"/>
-              </a:endParaRPr>
             </a:p>
           </p:txBody>
         </p:sp>
@@ -14176,13 +13926,6 @@
   <p:clrMapOvr>
     <a:masterClrMapping/>
   </p:clrMapOvr>
-  <p:timing>
-    <p:tnLst>
-      <p:par>
-        <p:cTn xmlns:p14="http://schemas.microsoft.com/office/powerpoint/2010/main" id="1" dur="indefinite" restart="never" nodeType="tmRoot"/>
-      </p:par>
-    </p:tnLst>
-  </p:timing>
 </p:sldLayout>
 </file>
 
@@ -14238,10 +13981,9 @@
           </a:lstStyle>
           <a:p>
             <a:r>
-              <a:rPr lang="en-US" dirty="0" smtClean="0"/>
+              <a:rPr lang="en-US" dirty="0"/>
               <a:t>Click to edit Master title style</a:t>
             </a:r>
-            <a:endParaRPr lang="en-US" dirty="0"/>
           </a:p>
         </p:txBody>
       </p:sp>
@@ -14322,7 +14064,7 @@
           <a:p>
             <a:pPr lvl="0"/>
             <a:r>
-              <a:rPr lang="en-US" dirty="0" smtClean="0"/>
+              <a:rPr lang="en-US" dirty="0"/>
               <a:t>Click to edit Master text styles</a:t>
             </a:r>
           </a:p>
@@ -14405,14 +14147,14 @@
           <a:effectLst/>
           <a:extLst>
             <a:ext uri="{909E8E84-426E-40dd-AFC4-6F175D3DCCD1}">
-              <a14:hiddenFill xmlns:a14="http://schemas.microsoft.com/office/drawing/2010/main">
+              <a14:hiddenFill xmlns:a14="http://schemas.microsoft.com/office/drawing/2010/main" xmlns="">
                 <a:solidFill>
                   <a:srgbClr val="FFFFFF"/>
                 </a:solidFill>
               </a14:hiddenFill>
             </a:ext>
             <a:ext uri="{91240B29-F687-4f45-9708-019B960494DF}">
-              <a14:hiddenLine xmlns:a14="http://schemas.microsoft.com/office/drawing/2010/main" w="12700">
+              <a14:hiddenLine xmlns:a14="http://schemas.microsoft.com/office/drawing/2010/main" xmlns="" w="12700">
                 <a:solidFill>
                   <a:srgbClr val="000000"/>
                 </a:solidFill>
@@ -14422,7 +14164,7 @@
               </a14:hiddenLine>
             </a:ext>
             <a:ext uri="{AF507438-7753-43e0-B8FC-AC1667EBCBE1}">
-              <a14:hiddenEffects xmlns:a14="http://schemas.microsoft.com/office/drawing/2010/main">
+              <a14:hiddenEffects xmlns:a14="http://schemas.microsoft.com/office/drawing/2010/main" xmlns="">
                 <a:effectLst>
                   <a:outerShdw blurRad="63500" dist="38099" dir="2700000" algn="ctr" rotWithShape="0">
                     <a:srgbClr val="000000">
@@ -14456,7 +14198,7 @@
               <a:defRPr/>
             </a:pPr>
             <a:r>
-              <a:rPr lang="en-US" sz="700" b="0" i="0" kern="1200" dirty="0" smtClean="0">
+              <a:rPr lang="en-US" sz="700" b="0" i="0" kern="1200" dirty="0">
                 <a:solidFill>
                   <a:srgbClr val="A7A8A9"/>
                 </a:solidFill>
@@ -14467,7 +14209,7 @@
               </a:rPr>
               <a:t>© 2016 PayPal Inc. All rights reserved. Confidential and proprietary.</a:t>
             </a:r>
-            <a:endParaRPr lang="en-US" sz="700" b="0" i="0" kern="1200" dirty="0" smtClean="0">
+            <a:endParaRPr lang="en-US" sz="700" b="0" i="0" kern="1200" dirty="0">
               <a:solidFill>
                 <a:srgbClr val="A7A8A9"/>
               </a:solidFill>
@@ -14484,7 +14226,7 @@
               <a:defRPr/>
             </a:pPr>
             <a:r>
-              <a:rPr lang="en-US" sz="700" b="0" i="0" kern="1200" dirty="0" smtClean="0">
+              <a:rPr lang="en-US" sz="700" b="0" i="0" kern="1200" dirty="0">
                 <a:solidFill>
                   <a:srgbClr val="A7A8A9"/>
                 </a:solidFill>
@@ -14612,10 +14354,9 @@
           <a:p>
             <a:pPr lvl="0"/>
             <a:r>
-              <a:rPr lang="en-US" dirty="0" smtClean="0"/>
+              <a:rPr lang="en-US" dirty="0"/>
               <a:t>Click to edit Master text styles</a:t>
             </a:r>
-            <a:endParaRPr lang="en-US" dirty="0"/>
           </a:p>
         </p:txBody>
       </p:sp>
@@ -14683,10 +14424,9 @@
           <a:p>
             <a:pPr lvl="0"/>
             <a:r>
-              <a:rPr lang="en-US" dirty="0" smtClean="0"/>
+              <a:rPr lang="en-US" dirty="0"/>
               <a:t>Click to edit Master text styles</a:t>
             </a:r>
-            <a:endParaRPr lang="en-US" dirty="0"/>
           </a:p>
         </p:txBody>
       </p:sp>
@@ -14725,14 +14465,14 @@
           </a:ln>
           <a:extLst>
             <a:ext uri="{909E8E84-426E-40dd-AFC4-6F175D3DCCD1}">
-              <a14:hiddenFill xmlns:a14="http://schemas.microsoft.com/office/drawing/2010/main">
+              <a14:hiddenFill xmlns:a14="http://schemas.microsoft.com/office/drawing/2010/main" xmlns="">
                 <a:solidFill>
                   <a:srgbClr val="FFFFFF"/>
                 </a:solidFill>
               </a14:hiddenFill>
             </a:ext>
             <a:ext uri="{91240B29-F687-4f45-9708-019B960494DF}">
-              <a14:hiddenLine xmlns:a14="http://schemas.microsoft.com/office/drawing/2010/main" w="9525">
+              <a14:hiddenLine xmlns:a14="http://schemas.microsoft.com/office/drawing/2010/main" xmlns="" w="9525">
                 <a:solidFill>
                   <a:srgbClr val="000000"/>
                 </a:solidFill>
@@ -14815,7 +14555,7 @@
                 </a:lnSpc>
               </a:pPr>
               <a:r>
-                <a:rPr lang="en-US" sz="1100" dirty="0" smtClean="0">
+                <a:rPr lang="en-US" sz="1100" dirty="0">
                   <a:solidFill>
                     <a:schemeClr val="accent1"/>
                   </a:solidFill>
@@ -14824,13 +14564,6 @@
                 </a:rPr>
                 <a:t>Global Technology Education</a:t>
               </a:r>
-              <a:endParaRPr lang="en-US" sz="1100" dirty="0">
-                <a:solidFill>
-                  <a:schemeClr val="accent1"/>
-                </a:solidFill>
-                <a:latin typeface="Arial"/>
-                <a:cs typeface="Arial"/>
-              </a:endParaRPr>
             </a:p>
           </p:txBody>
         </p:sp>
@@ -14845,13 +14578,6 @@
   <p:clrMapOvr>
     <a:masterClrMapping/>
   </p:clrMapOvr>
-  <p:timing>
-    <p:tnLst>
-      <p:par>
-        <p:cTn xmlns:p14="http://schemas.microsoft.com/office/powerpoint/2010/main" id="1" dur="indefinite" restart="never" nodeType="tmRoot"/>
-      </p:par>
-    </p:tnLst>
-  </p:timing>
 </p:sldLayout>
 </file>
 
@@ -14907,10 +14633,9 @@
           </a:lstStyle>
           <a:p>
             <a:r>
-              <a:rPr lang="en-US" dirty="0" smtClean="0"/>
+              <a:rPr lang="en-US" dirty="0"/>
               <a:t>Click to edit Master title style</a:t>
             </a:r>
-            <a:endParaRPr lang="en-US" dirty="0"/>
           </a:p>
         </p:txBody>
       </p:sp>
@@ -14991,7 +14716,7 @@
           <a:p>
             <a:pPr lvl="0"/>
             <a:r>
-              <a:rPr lang="en-US" smtClean="0"/>
+              <a:rPr lang="en-US"/>
               <a:t>Click to edit Master text styles</a:t>
             </a:r>
           </a:p>
@@ -15074,14 +14799,14 @@
           <a:effectLst/>
           <a:extLst>
             <a:ext uri="{909E8E84-426E-40dd-AFC4-6F175D3DCCD1}">
-              <a14:hiddenFill xmlns:a14="http://schemas.microsoft.com/office/drawing/2010/main">
+              <a14:hiddenFill xmlns:a14="http://schemas.microsoft.com/office/drawing/2010/main" xmlns="">
                 <a:solidFill>
                   <a:srgbClr val="FFFFFF"/>
                 </a:solidFill>
               </a14:hiddenFill>
             </a:ext>
             <a:ext uri="{91240B29-F687-4f45-9708-019B960494DF}">
-              <a14:hiddenLine xmlns:a14="http://schemas.microsoft.com/office/drawing/2010/main" w="12700">
+              <a14:hiddenLine xmlns:a14="http://schemas.microsoft.com/office/drawing/2010/main" xmlns="" w="12700">
                 <a:solidFill>
                   <a:srgbClr val="000000"/>
                 </a:solidFill>
@@ -15091,7 +14816,7 @@
               </a14:hiddenLine>
             </a:ext>
             <a:ext uri="{AF507438-7753-43e0-B8FC-AC1667EBCBE1}">
-              <a14:hiddenEffects xmlns:a14="http://schemas.microsoft.com/office/drawing/2010/main">
+              <a14:hiddenEffects xmlns:a14="http://schemas.microsoft.com/office/drawing/2010/main" xmlns="">
                 <a:effectLst>
                   <a:outerShdw blurRad="63500" dist="38099" dir="2700000" algn="ctr" rotWithShape="0">
                     <a:srgbClr val="000000">
@@ -15125,7 +14850,7 @@
               <a:defRPr/>
             </a:pPr>
             <a:r>
-              <a:rPr lang="en-US" sz="700" b="0" i="0" kern="1200" dirty="0" smtClean="0">
+              <a:rPr lang="en-US" sz="700" b="0" i="0" kern="1200" dirty="0">
                 <a:solidFill>
                   <a:srgbClr val="A7A8A9"/>
                 </a:solidFill>
@@ -15136,7 +14861,7 @@
               </a:rPr>
               <a:t>© 2016 PayPal Inc. All rights reserved. Confidential and proprietary.</a:t>
             </a:r>
-            <a:endParaRPr lang="en-US" sz="700" b="0" i="0" kern="1200" dirty="0" smtClean="0">
+            <a:endParaRPr lang="en-US" sz="700" b="0" i="0" kern="1200" dirty="0">
               <a:solidFill>
                 <a:srgbClr val="A7A8A9"/>
               </a:solidFill>
@@ -15153,7 +14878,7 @@
               <a:defRPr/>
             </a:pPr>
             <a:r>
-              <a:rPr lang="en-US" sz="700" b="0" i="0" kern="1200" dirty="0" smtClean="0">
+              <a:rPr lang="en-US" sz="700" b="0" i="0" kern="1200" dirty="0">
                 <a:solidFill>
                   <a:srgbClr val="A7A8A9"/>
                 </a:solidFill>
@@ -15281,10 +15006,9 @@
           <a:p>
             <a:pPr lvl="0"/>
             <a:r>
-              <a:rPr lang="en-US" dirty="0" smtClean="0"/>
+              <a:rPr lang="en-US" dirty="0"/>
               <a:t>Click to edit Master text styles</a:t>
             </a:r>
-            <a:endParaRPr lang="en-US" dirty="0"/>
           </a:p>
         </p:txBody>
       </p:sp>
@@ -15323,14 +15047,14 @@
           </a:ln>
           <a:extLst>
             <a:ext uri="{909E8E84-426E-40dd-AFC4-6F175D3DCCD1}">
-              <a14:hiddenFill xmlns:a14="http://schemas.microsoft.com/office/drawing/2010/main">
+              <a14:hiddenFill xmlns:a14="http://schemas.microsoft.com/office/drawing/2010/main" xmlns="">
                 <a:solidFill>
                   <a:srgbClr val="FFFFFF"/>
                 </a:solidFill>
               </a14:hiddenFill>
             </a:ext>
             <a:ext uri="{91240B29-F687-4f45-9708-019B960494DF}">
-              <a14:hiddenLine xmlns:a14="http://schemas.microsoft.com/office/drawing/2010/main" w="9525">
+              <a14:hiddenLine xmlns:a14="http://schemas.microsoft.com/office/drawing/2010/main" xmlns="" w="9525">
                 <a:solidFill>
                   <a:srgbClr val="000000"/>
                 </a:solidFill>
@@ -15413,7 +15137,7 @@
                 </a:lnSpc>
               </a:pPr>
               <a:r>
-                <a:rPr lang="en-US" sz="1100" dirty="0" smtClean="0">
+                <a:rPr lang="en-US" sz="1100" dirty="0">
                   <a:solidFill>
                     <a:schemeClr val="accent1"/>
                   </a:solidFill>
@@ -15422,13 +15146,6 @@
                 </a:rPr>
                 <a:t>Global Technology Education</a:t>
               </a:r>
-              <a:endParaRPr lang="en-US" sz="1100" dirty="0">
-                <a:solidFill>
-                  <a:schemeClr val="accent1"/>
-                </a:solidFill>
-                <a:latin typeface="Arial"/>
-                <a:cs typeface="Arial"/>
-              </a:endParaRPr>
             </a:p>
           </p:txBody>
         </p:sp>
@@ -15443,13 +15160,6 @@
   <p:clrMapOvr>
     <a:masterClrMapping/>
   </p:clrMapOvr>
-  <p:timing>
-    <p:tnLst>
-      <p:par>
-        <p:cTn xmlns:p14="http://schemas.microsoft.com/office/powerpoint/2010/main" id="1" dur="indefinite" restart="never" nodeType="tmRoot"/>
-      </p:par>
-    </p:tnLst>
-  </p:timing>
 </p:sldLayout>
 </file>
 
@@ -15605,7 +15315,7 @@
           <a:lstStyle/>
           <a:p>
             <a:pPr algn="ctr"/>
-            <a:endParaRPr lang="en-US" dirty="0" err="1" smtClean="0">
+            <a:endParaRPr lang="en-US" dirty="0" err="1">
               <a:latin typeface="Arial"/>
               <a:cs typeface="Arial"/>
             </a:endParaRPr>
@@ -15682,7 +15392,7 @@
           <a:p>
             <a:pPr lvl="0"/>
             <a:r>
-              <a:rPr lang="en-US" dirty="0" smtClean="0"/>
+              <a:rPr lang="en-US" dirty="0"/>
               <a:t>Click to edit Master text styles</a:t>
             </a:r>
           </a:p>
@@ -15765,14 +15475,14 @@
           <a:effectLst/>
           <a:extLst>
             <a:ext uri="{909E8E84-426E-40dd-AFC4-6F175D3DCCD1}">
-              <a14:hiddenFill xmlns:a14="http://schemas.microsoft.com/office/drawing/2010/main">
+              <a14:hiddenFill xmlns:a14="http://schemas.microsoft.com/office/drawing/2010/main" xmlns="">
                 <a:solidFill>
                   <a:srgbClr val="FFFFFF"/>
                 </a:solidFill>
               </a14:hiddenFill>
             </a:ext>
             <a:ext uri="{91240B29-F687-4f45-9708-019B960494DF}">
-              <a14:hiddenLine xmlns:a14="http://schemas.microsoft.com/office/drawing/2010/main" w="12700">
+              <a14:hiddenLine xmlns:a14="http://schemas.microsoft.com/office/drawing/2010/main" xmlns="" w="12700">
                 <a:solidFill>
                   <a:srgbClr val="000000"/>
                 </a:solidFill>
@@ -15782,7 +15492,7 @@
               </a14:hiddenLine>
             </a:ext>
             <a:ext uri="{AF507438-7753-43e0-B8FC-AC1667EBCBE1}">
-              <a14:hiddenEffects xmlns:a14="http://schemas.microsoft.com/office/drawing/2010/main">
+              <a14:hiddenEffects xmlns:a14="http://schemas.microsoft.com/office/drawing/2010/main" xmlns="">
                 <a:effectLst>
                   <a:outerShdw blurRad="63500" dist="38099" dir="2700000" algn="ctr" rotWithShape="0">
                     <a:srgbClr val="000000">
@@ -15816,7 +15526,7 @@
               <a:defRPr/>
             </a:pPr>
             <a:r>
-              <a:rPr lang="en-US" sz="700" b="0" i="0" kern="1200" dirty="0" smtClean="0">
+              <a:rPr lang="en-US" sz="700" b="0" i="0" kern="1200" dirty="0">
                 <a:solidFill>
                   <a:schemeClr val="bg1"/>
                 </a:solidFill>
@@ -15827,7 +15537,7 @@
               </a:rPr>
               <a:t>© 2016 PayPal Inc. All rights reserved. Confidential and proprietary.</a:t>
             </a:r>
-            <a:endParaRPr lang="en-US" sz="700" b="0" i="0" kern="1200" dirty="0" smtClean="0">
+            <a:endParaRPr lang="en-US" sz="700" b="0" i="0" kern="1200" dirty="0">
               <a:solidFill>
                 <a:schemeClr val="bg1"/>
               </a:solidFill>
@@ -15844,7 +15554,7 @@
               <a:defRPr/>
             </a:pPr>
             <a:r>
-              <a:rPr lang="en-US" sz="700" b="0" i="0" kern="1200" dirty="0" smtClean="0">
+              <a:rPr lang="en-US" sz="700" b="0" i="0" kern="1200" dirty="0">
                 <a:solidFill>
                   <a:srgbClr val="A7A8A9"/>
                 </a:solidFill>
@@ -15985,7 +15695,7 @@
           <a:p>
             <a:pPr lvl="0"/>
             <a:r>
-              <a:rPr lang="en-US" dirty="0" smtClean="0"/>
+              <a:rPr lang="en-US" dirty="0"/>
               <a:t>Click to edit Master text styles</a:t>
             </a:r>
           </a:p>
@@ -16092,7 +15802,7 @@
                 </a:lnSpc>
               </a:pPr>
               <a:r>
-                <a:rPr lang="en-US" sz="1100" dirty="0" smtClean="0">
+                <a:rPr lang="en-US" sz="1100" dirty="0">
                   <a:solidFill>
                     <a:schemeClr val="bg1"/>
                   </a:solidFill>
@@ -16101,13 +15811,6 @@
                 </a:rPr>
                 <a:t>Global Technology Education</a:t>
               </a:r>
-              <a:endParaRPr lang="en-US" sz="1100" dirty="0">
-                <a:solidFill>
-                  <a:schemeClr val="bg1"/>
-                </a:solidFill>
-                <a:latin typeface="Arial"/>
-                <a:cs typeface="Arial"/>
-              </a:endParaRPr>
             </a:p>
           </p:txBody>
         </p:sp>
@@ -16122,13 +15825,6 @@
   <p:clrMapOvr>
     <a:masterClrMapping/>
   </p:clrMapOvr>
-  <p:timing>
-    <p:tnLst>
-      <p:par>
-        <p:cTn xmlns:p14="http://schemas.microsoft.com/office/powerpoint/2010/main" id="1" dur="indefinite" restart="never" nodeType="tmRoot"/>
-      </p:par>
-    </p:tnLst>
-  </p:timing>
 </p:sldLayout>
 </file>
 
@@ -16284,7 +15980,7 @@
           <a:lstStyle/>
           <a:p>
             <a:pPr algn="ctr"/>
-            <a:endParaRPr lang="en-US" dirty="0" err="1" smtClean="0">
+            <a:endParaRPr lang="en-US" dirty="0" err="1">
               <a:latin typeface="Arial"/>
               <a:cs typeface="Arial"/>
             </a:endParaRPr>
@@ -16361,21 +16057,21 @@
           <a:p>
             <a:pPr lvl="0"/>
             <a:r>
-              <a:rPr lang="en-US" dirty="0" smtClean="0"/>
+              <a:rPr lang="en-US" dirty="0"/>
               <a:t>Click to edit Master text styles</a:t>
             </a:r>
           </a:p>
           <a:p>
             <a:pPr lvl="1"/>
             <a:r>
-              <a:rPr lang="en-US" dirty="0" smtClean="0"/>
+              <a:rPr lang="en-US" dirty="0"/>
               <a:t>Second level</a:t>
             </a:r>
           </a:p>
           <a:p>
             <a:pPr lvl="2"/>
             <a:r>
-              <a:rPr lang="en-US" dirty="0" smtClean="0"/>
+              <a:rPr lang="en-US" dirty="0"/>
               <a:t>Third level</a:t>
             </a:r>
           </a:p>
@@ -16458,14 +16154,14 @@
           <a:effectLst/>
           <a:extLst>
             <a:ext uri="{909E8E84-426E-40dd-AFC4-6F175D3DCCD1}">
-              <a14:hiddenFill xmlns:a14="http://schemas.microsoft.com/office/drawing/2010/main">
+              <a14:hiddenFill xmlns:a14="http://schemas.microsoft.com/office/drawing/2010/main" xmlns="">
                 <a:solidFill>
                   <a:srgbClr val="FFFFFF"/>
                 </a:solidFill>
               </a14:hiddenFill>
             </a:ext>
             <a:ext uri="{91240B29-F687-4f45-9708-019B960494DF}">
-              <a14:hiddenLine xmlns:a14="http://schemas.microsoft.com/office/drawing/2010/main" w="12700">
+              <a14:hiddenLine xmlns:a14="http://schemas.microsoft.com/office/drawing/2010/main" xmlns="" w="12700">
                 <a:solidFill>
                   <a:srgbClr val="000000"/>
                 </a:solidFill>
@@ -16475,7 +16171,7 @@
               </a14:hiddenLine>
             </a:ext>
             <a:ext uri="{AF507438-7753-43e0-B8FC-AC1667EBCBE1}">
-              <a14:hiddenEffects xmlns:a14="http://schemas.microsoft.com/office/drawing/2010/main">
+              <a14:hiddenEffects xmlns:a14="http://schemas.microsoft.com/office/drawing/2010/main" xmlns="">
                 <a:effectLst>
                   <a:outerShdw blurRad="63500" dist="38099" dir="2700000" algn="ctr" rotWithShape="0">
                     <a:srgbClr val="000000">
@@ -16509,7 +16205,7 @@
               <a:defRPr/>
             </a:pPr>
             <a:r>
-              <a:rPr lang="en-US" sz="700" b="0" i="0" kern="1200" dirty="0" smtClean="0">
+              <a:rPr lang="en-US" sz="700" b="0" i="0" kern="1200" dirty="0">
                 <a:solidFill>
                   <a:schemeClr val="bg1"/>
                 </a:solidFill>
@@ -16520,7 +16216,7 @@
               </a:rPr>
               <a:t>© 2016 PayPal Inc. All rights reserved. Confidential and proprietary.</a:t>
             </a:r>
-            <a:endParaRPr lang="en-US" sz="700" b="0" i="0" kern="1200" dirty="0" smtClean="0">
+            <a:endParaRPr lang="en-US" sz="700" b="0" i="0" kern="1200" dirty="0">
               <a:solidFill>
                 <a:schemeClr val="bg1"/>
               </a:solidFill>
@@ -16537,7 +16233,7 @@
               <a:defRPr/>
             </a:pPr>
             <a:r>
-              <a:rPr lang="en-US" sz="700" b="0" i="0" kern="1200" dirty="0" smtClean="0">
+              <a:rPr lang="en-US" sz="700" b="0" i="0" kern="1200" dirty="0">
                 <a:solidFill>
                   <a:srgbClr val="A7A8A9"/>
                 </a:solidFill>
@@ -16702,7 +16398,7 @@
                 </a:lnSpc>
               </a:pPr>
               <a:r>
-                <a:rPr lang="en-US" sz="1100" dirty="0" smtClean="0">
+                <a:rPr lang="en-US" sz="1100" dirty="0">
                   <a:solidFill>
                     <a:schemeClr val="bg1"/>
                   </a:solidFill>
@@ -16711,13 +16407,6 @@
                 </a:rPr>
                 <a:t>Global Technology Education</a:t>
               </a:r>
-              <a:endParaRPr lang="en-US" sz="1100" dirty="0">
-                <a:solidFill>
-                  <a:schemeClr val="bg1"/>
-                </a:solidFill>
-                <a:latin typeface="Arial"/>
-                <a:cs typeface="Arial"/>
-              </a:endParaRPr>
             </a:p>
           </p:txBody>
         </p:sp>
@@ -16732,13 +16421,6 @@
   <p:clrMapOvr>
     <a:masterClrMapping/>
   </p:clrMapOvr>
-  <p:timing>
-    <p:tnLst>
-      <p:par>
-        <p:cTn xmlns:p14="http://schemas.microsoft.com/office/powerpoint/2010/main" id="1" dur="indefinite" restart="never" nodeType="tmRoot"/>
-      </p:par>
-    </p:tnLst>
-  </p:timing>
 </p:sldLayout>
 </file>
 
@@ -16837,7 +16519,7 @@
           <a:p>
             <a:pPr lvl="0"/>
             <a:r>
-              <a:rPr lang="en-US" dirty="0" smtClean="0"/>
+              <a:rPr lang="en-US" dirty="0"/>
               <a:t>Click to edit Master text styles</a:t>
             </a:r>
           </a:p>
@@ -16920,14 +16602,14 @@
           <a:effectLst/>
           <a:extLst>
             <a:ext uri="{909E8E84-426E-40dd-AFC4-6F175D3DCCD1}">
-              <a14:hiddenFill xmlns:a14="http://schemas.microsoft.com/office/drawing/2010/main">
+              <a14:hiddenFill xmlns:a14="http://schemas.microsoft.com/office/drawing/2010/main" xmlns="">
                 <a:solidFill>
                   <a:srgbClr val="FFFFFF"/>
                 </a:solidFill>
               </a14:hiddenFill>
             </a:ext>
             <a:ext uri="{91240B29-F687-4f45-9708-019B960494DF}">
-              <a14:hiddenLine xmlns:a14="http://schemas.microsoft.com/office/drawing/2010/main" w="12700">
+              <a14:hiddenLine xmlns:a14="http://schemas.microsoft.com/office/drawing/2010/main" xmlns="" w="12700">
                 <a:solidFill>
                   <a:srgbClr val="000000"/>
                 </a:solidFill>
@@ -16937,7 +16619,7 @@
               </a14:hiddenLine>
             </a:ext>
             <a:ext uri="{AF507438-7753-43e0-B8FC-AC1667EBCBE1}">
-              <a14:hiddenEffects xmlns:a14="http://schemas.microsoft.com/office/drawing/2010/main">
+              <a14:hiddenEffects xmlns:a14="http://schemas.microsoft.com/office/drawing/2010/main" xmlns="">
                 <a:effectLst>
                   <a:outerShdw blurRad="63500" dist="38099" dir="2700000" algn="ctr" rotWithShape="0">
                     <a:srgbClr val="000000">
@@ -16971,7 +16653,7 @@
               <a:defRPr/>
             </a:pPr>
             <a:r>
-              <a:rPr lang="en-US" sz="700" b="0" i="0" kern="1200" dirty="0" smtClean="0">
+              <a:rPr lang="en-US" sz="700" b="0" i="0" kern="1200" dirty="0">
                 <a:solidFill>
                   <a:schemeClr val="bg1"/>
                 </a:solidFill>
@@ -16982,7 +16664,7 @@
               </a:rPr>
               <a:t>© 2016 PayPal Inc. All rights reserved. Confidential and proprietary.</a:t>
             </a:r>
-            <a:endParaRPr lang="en-US" sz="700" b="0" i="0" kern="1200" dirty="0" smtClean="0">
+            <a:endParaRPr lang="en-US" sz="700" b="0" i="0" kern="1200" dirty="0">
               <a:solidFill>
                 <a:schemeClr val="bg1"/>
               </a:solidFill>
@@ -16999,7 +16681,7 @@
               <a:defRPr/>
             </a:pPr>
             <a:r>
-              <a:rPr lang="en-US" sz="700" b="0" i="0" kern="1200" dirty="0" smtClean="0">
+              <a:rPr lang="en-US" sz="700" b="0" i="0" kern="1200" dirty="0">
                 <a:solidFill>
                   <a:srgbClr val="A7A8A9"/>
                 </a:solidFill>
@@ -17164,7 +16846,7 @@
                 </a:lnSpc>
               </a:pPr>
               <a:r>
-                <a:rPr lang="en-US" sz="1100" dirty="0" smtClean="0">
+                <a:rPr lang="en-US" sz="1100" dirty="0">
                   <a:solidFill>
                     <a:schemeClr val="bg1"/>
                   </a:solidFill>
@@ -17173,13 +16855,6 @@
                 </a:rPr>
                 <a:t>Global Technology Education</a:t>
               </a:r>
-              <a:endParaRPr lang="en-US" sz="1100" dirty="0">
-                <a:solidFill>
-                  <a:schemeClr val="bg1"/>
-                </a:solidFill>
-                <a:latin typeface="Arial"/>
-                <a:cs typeface="Arial"/>
-              </a:endParaRPr>
             </a:p>
           </p:txBody>
         </p:sp>
@@ -17194,13 +16869,6 @@
   <p:clrMapOvr>
     <a:masterClrMapping/>
   </p:clrMapOvr>
-  <p:timing>
-    <p:tnLst>
-      <p:par>
-        <p:cTn xmlns:p14="http://schemas.microsoft.com/office/powerpoint/2010/main" id="1" dur="indefinite" restart="never" nodeType="tmRoot"/>
-      </p:par>
-    </p:tnLst>
-  </p:timing>
 </p:sldLayout>
 </file>
 
@@ -17306,14 +16974,14 @@
           <a:effectLst/>
           <a:extLst>
             <a:ext uri="{909E8E84-426E-40dd-AFC4-6F175D3DCCD1}">
-              <a14:hiddenFill xmlns:a14="http://schemas.microsoft.com/office/drawing/2010/main">
+              <a14:hiddenFill xmlns:a14="http://schemas.microsoft.com/office/drawing/2010/main" xmlns="">
                 <a:solidFill>
                   <a:srgbClr val="FFFFFF"/>
                 </a:solidFill>
               </a14:hiddenFill>
             </a:ext>
             <a:ext uri="{91240B29-F687-4f45-9708-019B960494DF}">
-              <a14:hiddenLine xmlns:a14="http://schemas.microsoft.com/office/drawing/2010/main" w="12700">
+              <a14:hiddenLine xmlns:a14="http://schemas.microsoft.com/office/drawing/2010/main" xmlns="" w="12700">
                 <a:solidFill>
                   <a:srgbClr val="000000"/>
                 </a:solidFill>
@@ -17323,7 +16991,7 @@
               </a14:hiddenLine>
             </a:ext>
             <a:ext uri="{AF507438-7753-43e0-B8FC-AC1667EBCBE1}">
-              <a14:hiddenEffects xmlns:a14="http://schemas.microsoft.com/office/drawing/2010/main">
+              <a14:hiddenEffects xmlns:a14="http://schemas.microsoft.com/office/drawing/2010/main" xmlns="">
                 <a:effectLst>
                   <a:outerShdw blurRad="63500" dist="38099" dir="2700000" algn="ctr" rotWithShape="0">
                     <a:srgbClr val="000000">
@@ -17357,7 +17025,7 @@
               <a:defRPr/>
             </a:pPr>
             <a:r>
-              <a:rPr lang="en-US" sz="700" b="0" i="0" kern="1200" dirty="0" smtClean="0">
+              <a:rPr lang="en-US" sz="700" b="0" i="0" kern="1200" dirty="0">
                 <a:solidFill>
                   <a:schemeClr val="bg1"/>
                 </a:solidFill>
@@ -17368,7 +17036,7 @@
               </a:rPr>
               <a:t>© 2016 PayPal Inc. All rights reserved. Confidential and proprietary.</a:t>
             </a:r>
-            <a:endParaRPr lang="en-US" sz="700" b="0" i="0" kern="1200" dirty="0" smtClean="0">
+            <a:endParaRPr lang="en-US" sz="700" b="0" i="0" kern="1200" dirty="0">
               <a:solidFill>
                 <a:schemeClr val="bg1"/>
               </a:solidFill>
@@ -17385,7 +17053,7 @@
               <a:defRPr/>
             </a:pPr>
             <a:r>
-              <a:rPr lang="en-US" sz="700" b="0" i="0" kern="1200" dirty="0" smtClean="0">
+              <a:rPr lang="en-US" sz="700" b="0" i="0" kern="1200" dirty="0">
                 <a:solidFill>
                   <a:srgbClr val="A7A8A9"/>
                 </a:solidFill>
@@ -17484,10 +17152,9 @@
           </a:lstStyle>
           <a:p>
             <a:r>
-              <a:rPr lang="en-US" dirty="0" smtClean="0"/>
+              <a:rPr lang="en-US" dirty="0"/>
               <a:t>Click to edit Master title style</a:t>
             </a:r>
-            <a:endParaRPr lang="en-US" dirty="0"/>
           </a:p>
         </p:txBody>
       </p:sp>
@@ -17555,10 +17222,9 @@
           <a:p>
             <a:pPr lvl="0"/>
             <a:r>
-              <a:rPr lang="en-US" dirty="0" smtClean="0"/>
+              <a:rPr lang="en-US" dirty="0"/>
               <a:t>Click to edit Master text styles</a:t>
             </a:r>
-            <a:endParaRPr lang="en-US" dirty="0"/>
           </a:p>
         </p:txBody>
       </p:sp>
@@ -17639,7 +17305,7 @@
           <a:p>
             <a:pPr lvl="0"/>
             <a:r>
-              <a:rPr lang="en-US" dirty="0" smtClean="0"/>
+              <a:rPr lang="en-US" dirty="0"/>
               <a:t>Click to edit Master text styles</a:t>
             </a:r>
           </a:p>
@@ -17746,7 +17412,7 @@
                 </a:lnSpc>
               </a:pPr>
               <a:r>
-                <a:rPr lang="en-US" sz="1100" dirty="0" smtClean="0">
+                <a:rPr lang="en-US" sz="1100" dirty="0">
                   <a:solidFill>
                     <a:schemeClr val="bg1"/>
                   </a:solidFill>
@@ -17755,13 +17421,6 @@
                 </a:rPr>
                 <a:t>Global Technology Education</a:t>
               </a:r>
-              <a:endParaRPr lang="en-US" sz="1100" dirty="0">
-                <a:solidFill>
-                  <a:schemeClr val="bg1"/>
-                </a:solidFill>
-                <a:latin typeface="Arial"/>
-                <a:cs typeface="Arial"/>
-              </a:endParaRPr>
             </a:p>
           </p:txBody>
         </p:sp>
@@ -17776,13 +17435,6 @@
   <p:clrMapOvr>
     <a:masterClrMapping/>
   </p:clrMapOvr>
-  <p:timing>
-    <p:tnLst>
-      <p:par>
-        <p:cTn xmlns:p14="http://schemas.microsoft.com/office/powerpoint/2010/main" id="1" dur="indefinite" restart="never" nodeType="tmRoot"/>
-      </p:par>
-    </p:tnLst>
-  </p:timing>
 </p:sldLayout>
 </file>
 
@@ -17917,14 +17569,14 @@
           <a:effectLst/>
           <a:extLst>
             <a:ext uri="{909E8E84-426E-40dd-AFC4-6F175D3DCCD1}">
-              <a14:hiddenFill xmlns:a14="http://schemas.microsoft.com/office/drawing/2010/main">
+              <a14:hiddenFill xmlns:a14="http://schemas.microsoft.com/office/drawing/2010/main" xmlns="">
                 <a:solidFill>
                   <a:srgbClr val="FFFFFF"/>
                 </a:solidFill>
               </a14:hiddenFill>
             </a:ext>
             <a:ext uri="{91240B29-F687-4f45-9708-019B960494DF}">
-              <a14:hiddenLine xmlns:a14="http://schemas.microsoft.com/office/drawing/2010/main" w="12700">
+              <a14:hiddenLine xmlns:a14="http://schemas.microsoft.com/office/drawing/2010/main" xmlns="" w="12700">
                 <a:solidFill>
                   <a:srgbClr val="000000"/>
                 </a:solidFill>
@@ -17934,7 +17586,7 @@
               </a14:hiddenLine>
             </a:ext>
             <a:ext uri="{AF507438-7753-43e0-B8FC-AC1667EBCBE1}">
-              <a14:hiddenEffects xmlns:a14="http://schemas.microsoft.com/office/drawing/2010/main">
+              <a14:hiddenEffects xmlns:a14="http://schemas.microsoft.com/office/drawing/2010/main" xmlns="">
                 <a:effectLst>
                   <a:outerShdw blurRad="63500" dist="38099" dir="2700000" algn="ctr" rotWithShape="0">
                     <a:srgbClr val="000000">
@@ -17968,7 +17620,7 @@
               <a:defRPr/>
             </a:pPr>
             <a:r>
-              <a:rPr lang="en-US" sz="700" b="0" i="0" dirty="0" smtClean="0">
+              <a:rPr lang="en-US" sz="700" b="0" i="0" dirty="0">
                 <a:solidFill>
                   <a:srgbClr val="FFFFFF"/>
                 </a:solidFill>
@@ -17979,7 +17631,7 @@
               <a:t>© 2016 PayPal Inc. All rights reserved.</a:t>
             </a:r>
             <a:r>
-              <a:rPr lang="en-US" sz="700" b="0" i="0" baseline="0" dirty="0" smtClean="0">
+              <a:rPr lang="en-US" sz="700" b="0" i="0" baseline="0" dirty="0">
                 <a:solidFill>
                   <a:srgbClr val="FFFFFF"/>
                 </a:solidFill>
@@ -17990,7 +17642,7 @@
               <a:t> Confidential and proprietary</a:t>
             </a:r>
             <a:r>
-              <a:rPr lang="en-US" sz="700" b="0" i="0" dirty="0" smtClean="0">
+              <a:rPr lang="en-US" sz="700" b="0" i="0" dirty="0">
                 <a:solidFill>
                   <a:srgbClr val="FFFFFF"/>
                 </a:solidFill>
@@ -18080,21 +17732,21 @@
           <a:p>
             <a:pPr lvl="0"/>
             <a:r>
-              <a:rPr lang="en-US" dirty="0" smtClean="0"/>
+              <a:rPr lang="en-US" dirty="0"/>
               <a:t>Click to edit Master text styles</a:t>
             </a:r>
           </a:p>
           <a:p>
             <a:pPr lvl="1"/>
             <a:r>
-              <a:rPr lang="en-US" dirty="0" smtClean="0"/>
+              <a:rPr lang="en-US" dirty="0"/>
               <a:t>Second level</a:t>
             </a:r>
           </a:p>
           <a:p>
             <a:pPr lvl="2"/>
             <a:r>
-              <a:rPr lang="en-US" dirty="0" smtClean="0"/>
+              <a:rPr lang="en-US" dirty="0"/>
               <a:t>Third level</a:t>
             </a:r>
           </a:p>
@@ -18201,7 +17853,7 @@
                 </a:lnSpc>
               </a:pPr>
               <a:r>
-                <a:rPr lang="en-US" sz="1100" dirty="0" smtClean="0">
+                <a:rPr lang="en-US" sz="1100" dirty="0">
                   <a:solidFill>
                     <a:schemeClr val="bg1"/>
                   </a:solidFill>
@@ -18210,13 +17862,6 @@
                 </a:rPr>
                 <a:t>Global Technology Education</a:t>
               </a:r>
-              <a:endParaRPr lang="en-US" sz="1100" dirty="0">
-                <a:solidFill>
-                  <a:schemeClr val="bg1"/>
-                </a:solidFill>
-                <a:latin typeface="Arial"/>
-                <a:cs typeface="Arial"/>
-              </a:endParaRPr>
             </a:p>
           </p:txBody>
         </p:sp>
@@ -18231,13 +17876,6 @@
   <p:clrMapOvr>
     <a:masterClrMapping/>
   </p:clrMapOvr>
-  <p:timing>
-    <p:tnLst>
-      <p:par>
-        <p:cTn xmlns:p14="http://schemas.microsoft.com/office/powerpoint/2010/main" id="1" dur="indefinite" restart="never" nodeType="tmRoot"/>
-      </p:par>
-    </p:tnLst>
-  </p:timing>
 </p:sldLayout>
 </file>
 
@@ -18501,7 +18139,7 @@
           <a:p>
             <a:pPr lvl="0"/>
             <a:r>
-              <a:rPr lang="en-US" dirty="0" smtClean="0"/>
+              <a:rPr lang="en-US" dirty="0"/>
               <a:t>Click</a:t>
             </a:r>
           </a:p>
@@ -18560,7 +18198,7 @@
           <a:p>
             <a:pPr lvl="0"/>
             <a:r>
-              <a:rPr lang="en-US" dirty="0" smtClean="0"/>
+              <a:rPr lang="en-US" dirty="0"/>
               <a:t>Click</a:t>
             </a:r>
           </a:p>
@@ -18643,7 +18281,7 @@
           <a:p>
             <a:pPr lvl="0"/>
             <a:r>
-              <a:rPr lang="en-US" dirty="0" smtClean="0"/>
+              <a:rPr lang="en-US" dirty="0"/>
               <a:t>Click to edit Master text styles</a:t>
             </a:r>
           </a:p>
@@ -18726,7 +18364,7 @@
           <a:p>
             <a:pPr lvl="0"/>
             <a:r>
-              <a:rPr lang="en-US" dirty="0" smtClean="0"/>
+              <a:rPr lang="en-US" dirty="0"/>
               <a:t>Click to edit Master text styles</a:t>
             </a:r>
           </a:p>
@@ -18809,14 +18447,14 @@
           <a:effectLst/>
           <a:extLst>
             <a:ext uri="{909E8E84-426E-40dd-AFC4-6F175D3DCCD1}">
-              <a14:hiddenFill xmlns:a14="http://schemas.microsoft.com/office/drawing/2010/main">
+              <a14:hiddenFill xmlns:a14="http://schemas.microsoft.com/office/drawing/2010/main" xmlns="">
                 <a:solidFill>
                   <a:srgbClr val="FFFFFF"/>
                 </a:solidFill>
               </a14:hiddenFill>
             </a:ext>
             <a:ext uri="{91240B29-F687-4f45-9708-019B960494DF}">
-              <a14:hiddenLine xmlns:a14="http://schemas.microsoft.com/office/drawing/2010/main" w="12700">
+              <a14:hiddenLine xmlns:a14="http://schemas.microsoft.com/office/drawing/2010/main" xmlns="" w="12700">
                 <a:solidFill>
                   <a:srgbClr val="000000"/>
                 </a:solidFill>
@@ -18826,7 +18464,7 @@
               </a14:hiddenLine>
             </a:ext>
             <a:ext uri="{AF507438-7753-43e0-B8FC-AC1667EBCBE1}">
-              <a14:hiddenEffects xmlns:a14="http://schemas.microsoft.com/office/drawing/2010/main">
+              <a14:hiddenEffects xmlns:a14="http://schemas.microsoft.com/office/drawing/2010/main" xmlns="">
                 <a:effectLst>
                   <a:outerShdw blurRad="63500" dist="38099" dir="2700000" algn="ctr" rotWithShape="0">
                     <a:srgbClr val="000000">
@@ -18860,7 +18498,7 @@
               <a:defRPr/>
             </a:pPr>
             <a:r>
-              <a:rPr lang="en-US" sz="700" b="0" i="0" kern="1200" dirty="0" smtClean="0">
+              <a:rPr lang="en-US" sz="700" b="0" i="0" kern="1200" dirty="0">
                 <a:solidFill>
                   <a:schemeClr val="bg1"/>
                 </a:solidFill>
@@ -18871,7 +18509,7 @@
               </a:rPr>
               <a:t>© 2016 PayPal Inc. All rights reserved. Confidential and proprietary.</a:t>
             </a:r>
-            <a:endParaRPr lang="en-US" sz="700" b="0" i="0" kern="1200" dirty="0" smtClean="0">
+            <a:endParaRPr lang="en-US" sz="700" b="0" i="0" kern="1200" dirty="0">
               <a:solidFill>
                 <a:schemeClr val="bg1"/>
               </a:solidFill>
@@ -18888,7 +18526,7 @@
               <a:defRPr/>
             </a:pPr>
             <a:r>
-              <a:rPr lang="en-US" sz="700" b="0" i="0" kern="1200" dirty="0" smtClean="0">
+              <a:rPr lang="en-US" sz="700" b="0" i="0" kern="1200" dirty="0">
                 <a:solidFill>
                   <a:srgbClr val="A7A8A9"/>
                 </a:solidFill>
@@ -18987,10 +18625,9 @@
           </a:lstStyle>
           <a:p>
             <a:r>
-              <a:rPr lang="en-US" dirty="0" smtClean="0"/>
+              <a:rPr lang="en-US" dirty="0"/>
               <a:t>Click to edit Master title style</a:t>
             </a:r>
-            <a:endParaRPr lang="en-US" dirty="0"/>
           </a:p>
         </p:txBody>
       </p:sp>
@@ -19071,7 +18708,7 @@
           <a:p>
             <a:pPr lvl="0"/>
             <a:r>
-              <a:rPr lang="en-US" dirty="0" smtClean="0"/>
+              <a:rPr lang="en-US" dirty="0"/>
               <a:t>Click to edit Master text styles</a:t>
             </a:r>
           </a:p>
@@ -19178,7 +18815,7 @@
                 </a:lnSpc>
               </a:pPr>
               <a:r>
-                <a:rPr lang="en-US" sz="1100" dirty="0" smtClean="0">
+                <a:rPr lang="en-US" sz="1100" dirty="0">
                   <a:solidFill>
                     <a:schemeClr val="bg1"/>
                   </a:solidFill>
@@ -19187,13 +18824,6 @@
                 </a:rPr>
                 <a:t>Global Technology Education</a:t>
               </a:r>
-              <a:endParaRPr lang="en-US" sz="1100" dirty="0">
-                <a:solidFill>
-                  <a:schemeClr val="bg1"/>
-                </a:solidFill>
-                <a:latin typeface="Arial"/>
-                <a:cs typeface="Arial"/>
-              </a:endParaRPr>
             </a:p>
           </p:txBody>
         </p:sp>
@@ -19208,13 +18838,6 @@
   <p:clrMapOvr>
     <a:masterClrMapping/>
   </p:clrMapOvr>
-  <p:timing>
-    <p:tnLst>
-      <p:par>
-        <p:cTn xmlns:p14="http://schemas.microsoft.com/office/powerpoint/2010/main" id="1" dur="indefinite" restart="never" nodeType="tmRoot"/>
-      </p:par>
-    </p:tnLst>
-  </p:timing>
 </p:sldLayout>
 </file>
 
@@ -19309,50 +18932,50 @@
           <a:p>
             <a:pPr lvl="0"/>
             <a:r>
-              <a:rPr lang="en-US" dirty="0" smtClean="0"/>
+              <a:rPr lang="en-US" dirty="0"/>
               <a:t>Click to edit Master text styles</a:t>
             </a:r>
           </a:p>
           <a:p>
             <a:pPr lvl="1"/>
             <a:r>
-              <a:rPr lang="en-US" dirty="0" smtClean="0"/>
+              <a:rPr lang="en-US" dirty="0"/>
               <a:t>Second level</a:t>
             </a:r>
           </a:p>
           <a:p>
             <a:pPr lvl="1"/>
-            <a:endParaRPr lang="en-US" dirty="0" smtClean="0"/>
+            <a:endParaRPr lang="en-US" dirty="0"/>
           </a:p>
           <a:p>
             <a:pPr lvl="1"/>
-            <a:endParaRPr lang="en-US" dirty="0" smtClean="0"/>
+            <a:endParaRPr lang="en-US" dirty="0"/>
           </a:p>
           <a:p>
             <a:pPr lvl="1"/>
-            <a:endParaRPr lang="en-US" dirty="0" smtClean="0"/>
+            <a:endParaRPr lang="en-US" dirty="0"/>
           </a:p>
           <a:p>
             <a:pPr lvl="1"/>
-            <a:endParaRPr lang="en-US" dirty="0" smtClean="0"/>
+            <a:endParaRPr lang="en-US" dirty="0"/>
           </a:p>
           <a:p>
             <a:pPr lvl="0"/>
             <a:r>
-              <a:rPr lang="en-US" dirty="0" smtClean="0"/>
+              <a:rPr lang="en-US" dirty="0"/>
               <a:t>Click to edit Master text styles</a:t>
             </a:r>
           </a:p>
           <a:p>
             <a:pPr lvl="1"/>
             <a:r>
-              <a:rPr lang="en-US" dirty="0" smtClean="0"/>
+              <a:rPr lang="en-US" dirty="0"/>
               <a:t>Second level</a:t>
             </a:r>
           </a:p>
           <a:p>
             <a:pPr lvl="1"/>
-            <a:endParaRPr lang="en-US" dirty="0" smtClean="0"/>
+            <a:endParaRPr lang="en-US" dirty="0"/>
           </a:p>
         </p:txBody>
       </p:sp>
@@ -19433,14 +19056,14 @@
           <a:effectLst/>
           <a:extLst>
             <a:ext uri="{909E8E84-426E-40dd-AFC4-6F175D3DCCD1}">
-              <a14:hiddenFill xmlns:a14="http://schemas.microsoft.com/office/drawing/2010/main">
+              <a14:hiddenFill xmlns:a14="http://schemas.microsoft.com/office/drawing/2010/main" xmlns="">
                 <a:solidFill>
                   <a:srgbClr val="FFFFFF"/>
                 </a:solidFill>
               </a14:hiddenFill>
             </a:ext>
             <a:ext uri="{91240B29-F687-4f45-9708-019B960494DF}">
-              <a14:hiddenLine xmlns:a14="http://schemas.microsoft.com/office/drawing/2010/main" w="12700">
+              <a14:hiddenLine xmlns:a14="http://schemas.microsoft.com/office/drawing/2010/main" xmlns="" w="12700">
                 <a:solidFill>
                   <a:srgbClr val="000000"/>
                 </a:solidFill>
@@ -19450,7 +19073,7 @@
               </a14:hiddenLine>
             </a:ext>
             <a:ext uri="{AF507438-7753-43e0-B8FC-AC1667EBCBE1}">
-              <a14:hiddenEffects xmlns:a14="http://schemas.microsoft.com/office/drawing/2010/main">
+              <a14:hiddenEffects xmlns:a14="http://schemas.microsoft.com/office/drawing/2010/main" xmlns="">
                 <a:effectLst>
                   <a:outerShdw blurRad="63500" dist="38099" dir="2700000" algn="ctr" rotWithShape="0">
                     <a:srgbClr val="000000">
@@ -19484,7 +19107,7 @@
               <a:defRPr/>
             </a:pPr>
             <a:r>
-              <a:rPr lang="en-US" sz="700" b="0" i="0" kern="1200" dirty="0" smtClean="0">
+              <a:rPr lang="en-US" sz="700" b="0" i="0" kern="1200" dirty="0">
                 <a:solidFill>
                   <a:schemeClr val="bg1"/>
                 </a:solidFill>
@@ -19496,7 +19119,7 @@
               <a:t>© 2016</a:t>
             </a:r>
             <a:r>
-              <a:rPr lang="en-US" sz="700" b="0" i="0" kern="1200" baseline="0" dirty="0" smtClean="0">
+              <a:rPr lang="en-US" sz="700" b="0" i="0" kern="1200" baseline="0" dirty="0">
                 <a:solidFill>
                   <a:schemeClr val="bg1"/>
                 </a:solidFill>
@@ -19508,7 +19131,7 @@
               <a:t> </a:t>
             </a:r>
             <a:r>
-              <a:rPr lang="en-US" sz="700" b="0" i="0" kern="1200" dirty="0" smtClean="0">
+              <a:rPr lang="en-US" sz="700" b="0" i="0" kern="1200" dirty="0">
                 <a:solidFill>
                   <a:schemeClr val="bg1"/>
                 </a:solidFill>
@@ -19519,7 +19142,7 @@
               </a:rPr>
               <a:t>PayPal Inc. All rights reserved. Confidential and proprietary.</a:t>
             </a:r>
-            <a:endParaRPr lang="en-US" sz="700" b="0" i="0" kern="1200" dirty="0" smtClean="0">
+            <a:endParaRPr lang="en-US" sz="700" b="0" i="0" kern="1200" dirty="0">
               <a:solidFill>
                 <a:schemeClr val="bg1"/>
               </a:solidFill>
@@ -19536,7 +19159,7 @@
               <a:defRPr/>
             </a:pPr>
             <a:r>
-              <a:rPr lang="en-US" sz="700" b="0" i="0" kern="1200" dirty="0" smtClean="0">
+              <a:rPr lang="en-US" sz="700" b="0" i="0" kern="1200" dirty="0">
                 <a:solidFill>
                   <a:srgbClr val="A7A8A9"/>
                 </a:solidFill>
@@ -19635,10 +19258,9 @@
           </a:lstStyle>
           <a:p>
             <a:r>
-              <a:rPr lang="en-US" dirty="0" smtClean="0"/>
+              <a:rPr lang="en-US" dirty="0"/>
               <a:t>Click to edit Master title style</a:t>
             </a:r>
-            <a:endParaRPr lang="en-US" dirty="0"/>
           </a:p>
         </p:txBody>
       </p:sp>
@@ -19719,7 +19341,7 @@
           <a:p>
             <a:pPr lvl="0"/>
             <a:r>
-              <a:rPr lang="en-US" dirty="0" smtClean="0"/>
+              <a:rPr lang="en-US" dirty="0"/>
               <a:t>Click to edit Master text styles</a:t>
             </a:r>
           </a:p>
@@ -19826,7 +19448,7 @@
                 </a:lnSpc>
               </a:pPr>
               <a:r>
-                <a:rPr lang="en-US" sz="1100" dirty="0" smtClean="0">
+                <a:rPr lang="en-US" sz="1100" dirty="0">
                   <a:solidFill>
                     <a:schemeClr val="bg1"/>
                   </a:solidFill>
@@ -19835,13 +19457,6 @@
                 </a:rPr>
                 <a:t>Global Technology Education</a:t>
               </a:r>
-              <a:endParaRPr lang="en-US" sz="1100" dirty="0">
-                <a:solidFill>
-                  <a:schemeClr val="bg1"/>
-                </a:solidFill>
-                <a:latin typeface="Arial"/>
-                <a:cs typeface="Arial"/>
-              </a:endParaRPr>
             </a:p>
           </p:txBody>
         </p:sp>
@@ -19856,13 +19471,6 @@
   <p:clrMapOvr>
     <a:masterClrMapping/>
   </p:clrMapOvr>
-  <p:timing>
-    <p:tnLst>
-      <p:par>
-        <p:cTn xmlns:p14="http://schemas.microsoft.com/office/powerpoint/2010/main" id="1" dur="indefinite" restart="never" nodeType="tmRoot"/>
-      </p:par>
-    </p:tnLst>
-  </p:timing>
 </p:sldLayout>
 </file>
 
@@ -20161,7 +19769,7 @@
           </a:lstStyle>
           <a:p>
             <a:pPr lvl="1"/>
-            <a:endParaRPr lang="en-US" dirty="0" smtClean="0"/>
+            <a:endParaRPr lang="en-US" dirty="0"/>
           </a:p>
         </p:txBody>
       </p:sp>
@@ -20294,7 +19902,7 @@
           </a:lstStyle>
           <a:p>
             <a:pPr lvl="1"/>
-            <a:endParaRPr lang="en-US" dirty="0" smtClean="0"/>
+            <a:endParaRPr lang="en-US" dirty="0"/>
           </a:p>
         </p:txBody>
       </p:sp>
@@ -20427,7 +20035,7 @@
           </a:lstStyle>
           <a:p>
             <a:pPr lvl="1"/>
-            <a:endParaRPr lang="en-US" dirty="0" smtClean="0"/>
+            <a:endParaRPr lang="en-US" dirty="0"/>
           </a:p>
         </p:txBody>
       </p:sp>
@@ -20501,7 +20109,7 @@
           <a:p>
             <a:pPr lvl="0"/>
             <a:r>
-              <a:rPr lang="en-US" dirty="0" smtClean="0"/>
+              <a:rPr lang="en-US" dirty="0"/>
               <a:t>Click to edit</a:t>
             </a:r>
           </a:p>
@@ -20577,7 +20185,7 @@
           <a:p>
             <a:pPr lvl="0"/>
             <a:r>
-              <a:rPr lang="en-US" dirty="0" smtClean="0"/>
+              <a:rPr lang="en-US" dirty="0"/>
               <a:t>Click to edit</a:t>
             </a:r>
           </a:p>
@@ -20653,7 +20261,7 @@
           <a:p>
             <a:pPr lvl="0"/>
             <a:r>
-              <a:rPr lang="en-US" dirty="0" smtClean="0"/>
+              <a:rPr lang="en-US" dirty="0"/>
               <a:t>Click to edit</a:t>
             </a:r>
           </a:p>
@@ -20736,14 +20344,14 @@
           <a:effectLst/>
           <a:extLst>
             <a:ext uri="{909E8E84-426E-40dd-AFC4-6F175D3DCCD1}">
-              <a14:hiddenFill xmlns:a14="http://schemas.microsoft.com/office/drawing/2010/main">
+              <a14:hiddenFill xmlns:a14="http://schemas.microsoft.com/office/drawing/2010/main" xmlns="">
                 <a:solidFill>
                   <a:srgbClr val="FFFFFF"/>
                 </a:solidFill>
               </a14:hiddenFill>
             </a:ext>
             <a:ext uri="{91240B29-F687-4f45-9708-019B960494DF}">
-              <a14:hiddenLine xmlns:a14="http://schemas.microsoft.com/office/drawing/2010/main" w="12700">
+              <a14:hiddenLine xmlns:a14="http://schemas.microsoft.com/office/drawing/2010/main" xmlns="" w="12700">
                 <a:solidFill>
                   <a:srgbClr val="000000"/>
                 </a:solidFill>
@@ -20753,7 +20361,7 @@
               </a14:hiddenLine>
             </a:ext>
             <a:ext uri="{AF507438-7753-43e0-B8FC-AC1667EBCBE1}">
-              <a14:hiddenEffects xmlns:a14="http://schemas.microsoft.com/office/drawing/2010/main">
+              <a14:hiddenEffects xmlns:a14="http://schemas.microsoft.com/office/drawing/2010/main" xmlns="">
                 <a:effectLst>
                   <a:outerShdw blurRad="63500" dist="38099" dir="2700000" algn="ctr" rotWithShape="0">
                     <a:srgbClr val="000000">
@@ -20787,7 +20395,7 @@
               <a:defRPr/>
             </a:pPr>
             <a:r>
-              <a:rPr lang="en-US" sz="700" b="0" i="0" kern="1200" dirty="0" smtClean="0">
+              <a:rPr lang="en-US" sz="700" b="0" i="0" kern="1200" dirty="0">
                 <a:solidFill>
                   <a:schemeClr val="bg1"/>
                 </a:solidFill>
@@ -20798,7 +20406,7 @@
               </a:rPr>
               <a:t>© 2016 PayPal Inc. All rights reserved. Confidential and proprietary.</a:t>
             </a:r>
-            <a:endParaRPr lang="en-US" sz="700" b="0" i="0" kern="1200" dirty="0" smtClean="0">
+            <a:endParaRPr lang="en-US" sz="700" b="0" i="0" kern="1200" dirty="0">
               <a:solidFill>
                 <a:schemeClr val="bg1"/>
               </a:solidFill>
@@ -20815,7 +20423,7 @@
               <a:defRPr/>
             </a:pPr>
             <a:r>
-              <a:rPr lang="en-US" sz="700" b="0" i="0" kern="1200" dirty="0" smtClean="0">
+              <a:rPr lang="en-US" sz="700" b="0" i="0" kern="1200" dirty="0">
                 <a:solidFill>
                   <a:srgbClr val="A7A8A9"/>
                 </a:solidFill>
@@ -20914,10 +20522,9 @@
           </a:lstStyle>
           <a:p>
             <a:r>
-              <a:rPr lang="en-US" dirty="0" smtClean="0"/>
+              <a:rPr lang="en-US" dirty="0"/>
               <a:t>Click to edit Master title style</a:t>
             </a:r>
-            <a:endParaRPr lang="en-US" dirty="0"/>
           </a:p>
         </p:txBody>
       </p:sp>
@@ -20998,7 +20605,7 @@
           <a:p>
             <a:pPr lvl="0"/>
             <a:r>
-              <a:rPr lang="en-US" dirty="0" smtClean="0"/>
+              <a:rPr lang="en-US" dirty="0"/>
               <a:t>Click to edit Master text styles</a:t>
             </a:r>
           </a:p>
@@ -21105,7 +20712,7 @@
                 </a:lnSpc>
               </a:pPr>
               <a:r>
-                <a:rPr lang="en-US" sz="1100" dirty="0" smtClean="0">
+                <a:rPr lang="en-US" sz="1100" dirty="0">
                   <a:solidFill>
                     <a:schemeClr val="bg1"/>
                   </a:solidFill>
@@ -21114,13 +20721,6 @@
                 </a:rPr>
                 <a:t>Global Technology Education</a:t>
               </a:r>
-              <a:endParaRPr lang="en-US" sz="1100" dirty="0">
-                <a:solidFill>
-                  <a:schemeClr val="bg1"/>
-                </a:solidFill>
-                <a:latin typeface="Arial"/>
-                <a:cs typeface="Arial"/>
-              </a:endParaRPr>
             </a:p>
           </p:txBody>
         </p:sp>
@@ -21135,13 +20735,6 @@
   <p:clrMapOvr>
     <a:masterClrMapping/>
   </p:clrMapOvr>
-  <p:timing>
-    <p:tnLst>
-      <p:par>
-        <p:cTn xmlns:p14="http://schemas.microsoft.com/office/powerpoint/2010/main" id="1" dur="indefinite" restart="never" nodeType="tmRoot"/>
-      </p:par>
-    </p:tnLst>
-  </p:timing>
 </p:sldLayout>
 </file>
 
@@ -21213,7 +20806,7 @@
           <a:p>
             <a:pPr lvl="0"/>
             <a:r>
-              <a:rPr lang="en-US" dirty="0" smtClean="0"/>
+              <a:rPr lang="en-US" dirty="0"/>
               <a:t>Click</a:t>
             </a:r>
           </a:p>
@@ -21262,7 +20855,7 @@
           <a:p>
             <a:pPr lvl="0"/>
             <a:r>
-              <a:rPr lang="en-US" dirty="0" smtClean="0"/>
+              <a:rPr lang="en-US" dirty="0"/>
               <a:t>Click</a:t>
             </a:r>
           </a:p>
@@ -21311,7 +20904,7 @@
           <a:p>
             <a:pPr lvl="0"/>
             <a:r>
-              <a:rPr lang="en-US" dirty="0" smtClean="0"/>
+              <a:rPr lang="en-US" dirty="0"/>
               <a:t>Click</a:t>
             </a:r>
           </a:p>
@@ -21360,7 +20953,7 @@
           <a:p>
             <a:pPr lvl="0"/>
             <a:r>
-              <a:rPr lang="en-US" dirty="0" smtClean="0"/>
+              <a:rPr lang="en-US" dirty="0"/>
               <a:t>Click</a:t>
             </a:r>
           </a:p>
@@ -21409,7 +21002,7 @@
           <a:p>
             <a:pPr lvl="0"/>
             <a:r>
-              <a:rPr lang="en-US" dirty="0" smtClean="0"/>
+              <a:rPr lang="en-US" dirty="0"/>
               <a:t>Click</a:t>
             </a:r>
           </a:p>
@@ -21458,7 +21051,7 @@
           <a:p>
             <a:pPr lvl="0"/>
             <a:r>
-              <a:rPr lang="en-US" dirty="0" smtClean="0"/>
+              <a:rPr lang="en-US" dirty="0"/>
               <a:t>Click</a:t>
             </a:r>
           </a:p>
@@ -21507,7 +21100,7 @@
           <a:p>
             <a:pPr lvl="0"/>
             <a:r>
-              <a:rPr lang="en-US" dirty="0" smtClean="0"/>
+              <a:rPr lang="en-US" dirty="0"/>
               <a:t>Click</a:t>
             </a:r>
           </a:p>
@@ -21556,7 +21149,7 @@
           <a:p>
             <a:pPr lvl="0"/>
             <a:r>
-              <a:rPr lang="en-US" dirty="0" smtClean="0"/>
+              <a:rPr lang="en-US" dirty="0"/>
               <a:t>Click</a:t>
             </a:r>
           </a:p>
@@ -21605,7 +21198,7 @@
           <a:p>
             <a:pPr lvl="0"/>
             <a:r>
-              <a:rPr lang="en-US" dirty="0" smtClean="0"/>
+              <a:rPr lang="en-US" dirty="0"/>
               <a:t>Click</a:t>
             </a:r>
           </a:p>
@@ -21663,7 +21256,7 @@
               <a:buNone/>
             </a:pPr>
             <a:r>
-              <a:rPr lang="en-US" dirty="0" smtClean="0"/>
+              <a:rPr lang="en-US" dirty="0"/>
               <a:t>Click</a:t>
             </a:r>
           </a:p>
@@ -21712,7 +21305,7 @@
           <a:p>
             <a:pPr lvl="0"/>
             <a:r>
-              <a:rPr lang="en-US" dirty="0" smtClean="0"/>
+              <a:rPr lang="en-US" dirty="0"/>
               <a:t>Click</a:t>
             </a:r>
           </a:p>
@@ -21761,7 +21354,7 @@
           <a:p>
             <a:pPr lvl="0"/>
             <a:r>
-              <a:rPr lang="en-US" dirty="0" smtClean="0"/>
+              <a:rPr lang="en-US" dirty="0"/>
               <a:t>Click</a:t>
             </a:r>
           </a:p>
@@ -21844,14 +21437,14 @@
           <a:effectLst/>
           <a:extLst>
             <a:ext uri="{909E8E84-426E-40dd-AFC4-6F175D3DCCD1}">
-              <a14:hiddenFill xmlns:a14="http://schemas.microsoft.com/office/drawing/2010/main">
+              <a14:hiddenFill xmlns:a14="http://schemas.microsoft.com/office/drawing/2010/main" xmlns="">
                 <a:solidFill>
                   <a:srgbClr val="FFFFFF"/>
                 </a:solidFill>
               </a14:hiddenFill>
             </a:ext>
             <a:ext uri="{91240B29-F687-4f45-9708-019B960494DF}">
-              <a14:hiddenLine xmlns:a14="http://schemas.microsoft.com/office/drawing/2010/main" w="12700">
+              <a14:hiddenLine xmlns:a14="http://schemas.microsoft.com/office/drawing/2010/main" xmlns="" w="12700">
                 <a:solidFill>
                   <a:srgbClr val="000000"/>
                 </a:solidFill>
@@ -21861,7 +21454,7 @@
               </a14:hiddenLine>
             </a:ext>
             <a:ext uri="{AF507438-7753-43e0-B8FC-AC1667EBCBE1}">
-              <a14:hiddenEffects xmlns:a14="http://schemas.microsoft.com/office/drawing/2010/main">
+              <a14:hiddenEffects xmlns:a14="http://schemas.microsoft.com/office/drawing/2010/main" xmlns="">
                 <a:effectLst>
                   <a:outerShdw blurRad="63500" dist="38099" dir="2700000" algn="ctr" rotWithShape="0">
                     <a:srgbClr val="000000">
@@ -21895,7 +21488,7 @@
               <a:defRPr/>
             </a:pPr>
             <a:r>
-              <a:rPr lang="en-US" sz="700" b="0" i="0" kern="1200" dirty="0" smtClean="0">
+              <a:rPr lang="en-US" sz="700" b="0" i="0" kern="1200" dirty="0">
                 <a:solidFill>
                   <a:schemeClr val="bg1"/>
                 </a:solidFill>
@@ -21906,7 +21499,7 @@
               </a:rPr>
               <a:t>© 2016 PayPal Inc. All rights reserved. Confidential and proprietary.</a:t>
             </a:r>
-            <a:endParaRPr lang="en-US" sz="700" b="0" i="0" kern="1200" dirty="0" smtClean="0">
+            <a:endParaRPr lang="en-US" sz="700" b="0" i="0" kern="1200" dirty="0">
               <a:solidFill>
                 <a:schemeClr val="bg1"/>
               </a:solidFill>
@@ -21923,7 +21516,7 @@
               <a:defRPr/>
             </a:pPr>
             <a:r>
-              <a:rPr lang="en-US" sz="700" b="0" i="0" kern="1200" dirty="0" smtClean="0">
+              <a:rPr lang="en-US" sz="700" b="0" i="0" kern="1200" dirty="0">
                 <a:solidFill>
                   <a:srgbClr val="A7A8A9"/>
                 </a:solidFill>
@@ -22022,10 +21615,9 @@
           </a:lstStyle>
           <a:p>
             <a:r>
-              <a:rPr lang="en-US" dirty="0" smtClean="0"/>
+              <a:rPr lang="en-US" dirty="0"/>
               <a:t>Click to edit Master title style</a:t>
             </a:r>
-            <a:endParaRPr lang="en-US" dirty="0"/>
           </a:p>
         </p:txBody>
       </p:sp>
@@ -22106,7 +21698,7 @@
           <a:p>
             <a:pPr lvl="0"/>
             <a:r>
-              <a:rPr lang="en-US" dirty="0" smtClean="0"/>
+              <a:rPr lang="en-US" dirty="0"/>
               <a:t>Click to edit Master text styles</a:t>
             </a:r>
           </a:p>
@@ -22213,7 +21805,7 @@
                 </a:lnSpc>
               </a:pPr>
               <a:r>
-                <a:rPr lang="en-US" sz="1100" dirty="0" smtClean="0">
+                <a:rPr lang="en-US" sz="1100" dirty="0">
                   <a:solidFill>
                     <a:schemeClr val="bg1"/>
                   </a:solidFill>
@@ -22222,13 +21814,6 @@
                 </a:rPr>
                 <a:t>Global Technology Education</a:t>
               </a:r>
-              <a:endParaRPr lang="en-US" sz="1100" dirty="0">
-                <a:solidFill>
-                  <a:schemeClr val="bg1"/>
-                </a:solidFill>
-                <a:latin typeface="Arial"/>
-                <a:cs typeface="Arial"/>
-              </a:endParaRPr>
             </a:p>
           </p:txBody>
         </p:sp>
@@ -22243,13 +21828,6 @@
   <p:clrMapOvr>
     <a:masterClrMapping/>
   </p:clrMapOvr>
-  <p:timing>
-    <p:tnLst>
-      <p:par>
-        <p:cTn xmlns:p14="http://schemas.microsoft.com/office/powerpoint/2010/main" id="1" dur="indefinite" restart="never" nodeType="tmRoot"/>
-      </p:par>
-    </p:tnLst>
-  </p:timing>
 </p:sldLayout>
 </file>
 
@@ -22321,7 +21899,7 @@
           <a:p>
             <a:pPr lvl="0"/>
             <a:r>
-              <a:rPr lang="en-US" dirty="0" smtClean="0"/>
+              <a:rPr lang="en-US" dirty="0"/>
               <a:t>Click</a:t>
             </a:r>
           </a:p>
@@ -22370,7 +21948,7 @@
           <a:p>
             <a:pPr lvl="0"/>
             <a:r>
-              <a:rPr lang="en-US" dirty="0" smtClean="0"/>
+              <a:rPr lang="en-US" dirty="0"/>
               <a:t>Click</a:t>
             </a:r>
           </a:p>
@@ -22419,7 +21997,7 @@
           <a:p>
             <a:pPr lvl="0"/>
             <a:r>
-              <a:rPr lang="en-US" dirty="0" smtClean="0"/>
+              <a:rPr lang="en-US" dirty="0"/>
               <a:t>Click</a:t>
             </a:r>
           </a:p>
@@ -22468,7 +22046,7 @@
           <a:p>
             <a:pPr lvl="0"/>
             <a:r>
-              <a:rPr lang="en-US" dirty="0" smtClean="0"/>
+              <a:rPr lang="en-US" dirty="0"/>
               <a:t>Click</a:t>
             </a:r>
           </a:p>
@@ -22517,7 +22095,7 @@
           <a:p>
             <a:pPr lvl="0"/>
             <a:r>
-              <a:rPr lang="en-US" dirty="0" smtClean="0"/>
+              <a:rPr lang="en-US" dirty="0"/>
               <a:t>Click</a:t>
             </a:r>
           </a:p>
@@ -22566,7 +22144,7 @@
           <a:p>
             <a:pPr lvl="0"/>
             <a:r>
-              <a:rPr lang="en-US" dirty="0" smtClean="0"/>
+              <a:rPr lang="en-US" dirty="0"/>
               <a:t>Click</a:t>
             </a:r>
           </a:p>
@@ -22615,7 +22193,7 @@
           <a:p>
             <a:pPr lvl="0"/>
             <a:r>
-              <a:rPr lang="en-US" dirty="0" smtClean="0"/>
+              <a:rPr lang="en-US" dirty="0"/>
               <a:t>Click</a:t>
             </a:r>
           </a:p>
@@ -22664,7 +22242,7 @@
           <a:p>
             <a:pPr lvl="0"/>
             <a:r>
-              <a:rPr lang="en-US" dirty="0" smtClean="0"/>
+              <a:rPr lang="en-US" dirty="0"/>
               <a:t>Click</a:t>
             </a:r>
           </a:p>
@@ -22722,7 +22300,7 @@
               <a:buNone/>
             </a:pPr>
             <a:r>
-              <a:rPr lang="en-US" dirty="0" smtClean="0"/>
+              <a:rPr lang="en-US" dirty="0"/>
               <a:t>Click</a:t>
             </a:r>
           </a:p>
@@ -22771,7 +22349,7 @@
           <a:p>
             <a:pPr lvl="0"/>
             <a:r>
-              <a:rPr lang="en-US" dirty="0" smtClean="0"/>
+              <a:rPr lang="en-US" dirty="0"/>
               <a:t>Click</a:t>
             </a:r>
           </a:p>
@@ -22820,7 +22398,7 @@
           <a:p>
             <a:pPr lvl="0"/>
             <a:r>
-              <a:rPr lang="en-US" dirty="0" smtClean="0"/>
+              <a:rPr lang="en-US" dirty="0"/>
               <a:t>Click</a:t>
             </a:r>
           </a:p>
@@ -22869,7 +22447,7 @@
           <a:p>
             <a:pPr lvl="0"/>
             <a:r>
-              <a:rPr lang="en-US" dirty="0" smtClean="0"/>
+              <a:rPr lang="en-US" dirty="0"/>
               <a:t>Click</a:t>
             </a:r>
           </a:p>
@@ -22952,14 +22530,14 @@
           <a:effectLst/>
           <a:extLst>
             <a:ext uri="{909E8E84-426E-40dd-AFC4-6F175D3DCCD1}">
-              <a14:hiddenFill xmlns:a14="http://schemas.microsoft.com/office/drawing/2010/main">
+              <a14:hiddenFill xmlns:a14="http://schemas.microsoft.com/office/drawing/2010/main" xmlns="">
                 <a:solidFill>
                   <a:srgbClr val="FFFFFF"/>
                 </a:solidFill>
               </a14:hiddenFill>
             </a:ext>
             <a:ext uri="{91240B29-F687-4f45-9708-019B960494DF}">
-              <a14:hiddenLine xmlns:a14="http://schemas.microsoft.com/office/drawing/2010/main" w="12700">
+              <a14:hiddenLine xmlns:a14="http://schemas.microsoft.com/office/drawing/2010/main" xmlns="" w="12700">
                 <a:solidFill>
                   <a:srgbClr val="000000"/>
                 </a:solidFill>
@@ -22969,7 +22547,7 @@
               </a14:hiddenLine>
             </a:ext>
             <a:ext uri="{AF507438-7753-43e0-B8FC-AC1667EBCBE1}">
-              <a14:hiddenEffects xmlns:a14="http://schemas.microsoft.com/office/drawing/2010/main">
+              <a14:hiddenEffects xmlns:a14="http://schemas.microsoft.com/office/drawing/2010/main" xmlns="">
                 <a:effectLst>
                   <a:outerShdw blurRad="63500" dist="38099" dir="2700000" algn="ctr" rotWithShape="0">
                     <a:srgbClr val="000000">
@@ -23003,7 +22581,7 @@
               <a:defRPr/>
             </a:pPr>
             <a:r>
-              <a:rPr lang="en-US" sz="700" b="0" i="0" kern="1200" dirty="0" smtClean="0">
+              <a:rPr lang="en-US" sz="700" b="0" i="0" kern="1200" dirty="0">
                 <a:solidFill>
                   <a:schemeClr val="bg1"/>
                 </a:solidFill>
@@ -23014,7 +22592,7 @@
               </a:rPr>
               <a:t>© 2016 PayPal Inc. All rights reserved. Confidential and proprietary.</a:t>
             </a:r>
-            <a:endParaRPr lang="en-US" sz="700" b="0" i="0" kern="1200" dirty="0" smtClean="0">
+            <a:endParaRPr lang="en-US" sz="700" b="0" i="0" kern="1200" dirty="0">
               <a:solidFill>
                 <a:schemeClr val="bg1"/>
               </a:solidFill>
@@ -23031,7 +22609,7 @@
               <a:defRPr/>
             </a:pPr>
             <a:r>
-              <a:rPr lang="en-US" sz="700" b="0" i="0" kern="1200" dirty="0" smtClean="0">
+              <a:rPr lang="en-US" sz="700" b="0" i="0" kern="1200" dirty="0">
                 <a:solidFill>
                   <a:srgbClr val="A7A8A9"/>
                 </a:solidFill>
@@ -23130,10 +22708,9 @@
           </a:lstStyle>
           <a:p>
             <a:r>
-              <a:rPr lang="en-US" dirty="0" smtClean="0"/>
+              <a:rPr lang="en-US" dirty="0"/>
               <a:t>Click to edit Master title style</a:t>
             </a:r>
-            <a:endParaRPr lang="en-US" dirty="0"/>
           </a:p>
         </p:txBody>
       </p:sp>
@@ -23214,7 +22791,7 @@
           <a:p>
             <a:pPr lvl="0"/>
             <a:r>
-              <a:rPr lang="en-US" dirty="0" smtClean="0"/>
+              <a:rPr lang="en-US" dirty="0"/>
               <a:t>Click to edit Master text styles</a:t>
             </a:r>
           </a:p>
@@ -23321,7 +22898,7 @@
                 </a:lnSpc>
               </a:pPr>
               <a:r>
-                <a:rPr lang="en-US" sz="1100" dirty="0" smtClean="0">
+                <a:rPr lang="en-US" sz="1100" dirty="0">
                   <a:solidFill>
                     <a:schemeClr val="bg1"/>
                   </a:solidFill>
@@ -23330,13 +22907,6 @@
                 </a:rPr>
                 <a:t>Global Technology Education</a:t>
               </a:r>
-              <a:endParaRPr lang="en-US" sz="1100" dirty="0">
-                <a:solidFill>
-                  <a:schemeClr val="bg1"/>
-                </a:solidFill>
-                <a:latin typeface="Arial"/>
-                <a:cs typeface="Arial"/>
-              </a:endParaRPr>
             </a:p>
           </p:txBody>
         </p:sp>
@@ -23351,13 +22921,6 @@
   <p:clrMapOvr>
     <a:masterClrMapping/>
   </p:clrMapOvr>
-  <p:timing>
-    <p:tnLst>
-      <p:par>
-        <p:cTn xmlns:p14="http://schemas.microsoft.com/office/powerpoint/2010/main" id="1" dur="indefinite" restart="never" nodeType="tmRoot"/>
-      </p:par>
-    </p:tnLst>
-  </p:timing>
 </p:sldLayout>
 </file>
 
@@ -23456,7 +23019,7 @@
           <a:p>
             <a:pPr lvl="0"/>
             <a:r>
-              <a:rPr lang="en-US" dirty="0" smtClean="0"/>
+              <a:rPr lang="en-US" dirty="0"/>
               <a:t>Click to edit Master text styles</a:t>
             </a:r>
           </a:p>
@@ -23539,14 +23102,14 @@
           <a:effectLst/>
           <a:extLst>
             <a:ext uri="{909E8E84-426E-40dd-AFC4-6F175D3DCCD1}">
-              <a14:hiddenFill xmlns:a14="http://schemas.microsoft.com/office/drawing/2010/main">
+              <a14:hiddenFill xmlns:a14="http://schemas.microsoft.com/office/drawing/2010/main" xmlns="">
                 <a:solidFill>
                   <a:srgbClr val="FFFFFF"/>
                 </a:solidFill>
               </a14:hiddenFill>
             </a:ext>
             <a:ext uri="{91240B29-F687-4f45-9708-019B960494DF}">
-              <a14:hiddenLine xmlns:a14="http://schemas.microsoft.com/office/drawing/2010/main" w="12700">
+              <a14:hiddenLine xmlns:a14="http://schemas.microsoft.com/office/drawing/2010/main" xmlns="" w="12700">
                 <a:solidFill>
                   <a:srgbClr val="000000"/>
                 </a:solidFill>
@@ -23556,7 +23119,7 @@
               </a14:hiddenLine>
             </a:ext>
             <a:ext uri="{AF507438-7753-43e0-B8FC-AC1667EBCBE1}">
-              <a14:hiddenEffects xmlns:a14="http://schemas.microsoft.com/office/drawing/2010/main">
+              <a14:hiddenEffects xmlns:a14="http://schemas.microsoft.com/office/drawing/2010/main" xmlns="">
                 <a:effectLst>
                   <a:outerShdw blurRad="63500" dist="38099" dir="2700000" algn="ctr" rotWithShape="0">
                     <a:srgbClr val="000000">
@@ -23590,7 +23153,7 @@
               <a:defRPr/>
             </a:pPr>
             <a:r>
-              <a:rPr lang="en-US" sz="700" b="0" i="0" kern="1200" dirty="0" smtClean="0">
+              <a:rPr lang="en-US" sz="700" b="0" i="0" kern="1200" dirty="0">
                 <a:solidFill>
                   <a:schemeClr val="bg1"/>
                 </a:solidFill>
@@ -23601,7 +23164,7 @@
               </a:rPr>
               <a:t>© 2016 PayPal Inc. All rights reserved. Confidential and proprietary.</a:t>
             </a:r>
-            <a:endParaRPr lang="en-US" sz="700" b="0" i="0" kern="1200" dirty="0" smtClean="0">
+            <a:endParaRPr lang="en-US" sz="700" b="0" i="0" kern="1200" dirty="0">
               <a:solidFill>
                 <a:schemeClr val="bg1"/>
               </a:solidFill>
@@ -23618,7 +23181,7 @@
               <a:defRPr/>
             </a:pPr>
             <a:r>
-              <a:rPr lang="en-US" sz="700" b="0" i="0" kern="1200" dirty="0" smtClean="0">
+              <a:rPr lang="en-US" sz="700" b="0" i="0" kern="1200" dirty="0">
                 <a:solidFill>
                   <a:srgbClr val="A7A8A9"/>
                 </a:solidFill>
@@ -23783,7 +23346,7 @@
                 </a:lnSpc>
               </a:pPr>
               <a:r>
-                <a:rPr lang="en-US" sz="1100" dirty="0" smtClean="0">
+                <a:rPr lang="en-US" sz="1100" dirty="0">
                   <a:solidFill>
                     <a:schemeClr val="bg1"/>
                   </a:solidFill>
@@ -23792,13 +23355,6 @@
                 </a:rPr>
                 <a:t>Global Technology Education</a:t>
               </a:r>
-              <a:endParaRPr lang="en-US" sz="1100" dirty="0">
-                <a:solidFill>
-                  <a:schemeClr val="bg1"/>
-                </a:solidFill>
-                <a:latin typeface="Arial"/>
-                <a:cs typeface="Arial"/>
-              </a:endParaRPr>
             </a:p>
           </p:txBody>
         </p:sp>
@@ -23813,13 +23369,6 @@
   <p:clrMapOvr>
     <a:masterClrMapping/>
   </p:clrMapOvr>
-  <p:timing>
-    <p:tnLst>
-      <p:par>
-        <p:cTn xmlns:p14="http://schemas.microsoft.com/office/powerpoint/2010/main" id="1" dur="indefinite" restart="never" nodeType="tmRoot"/>
-      </p:par>
-    </p:tnLst>
-  </p:timing>
 </p:sldLayout>
 </file>
 
@@ -23959,14 +23508,14 @@
           <a:effectLst/>
           <a:extLst>
             <a:ext uri="{909E8E84-426E-40dd-AFC4-6F175D3DCCD1}">
-              <a14:hiddenFill xmlns:a14="http://schemas.microsoft.com/office/drawing/2010/main">
+              <a14:hiddenFill xmlns:a14="http://schemas.microsoft.com/office/drawing/2010/main" xmlns="">
                 <a:solidFill>
                   <a:srgbClr val="FFFFFF"/>
                 </a:solidFill>
               </a14:hiddenFill>
             </a:ext>
             <a:ext uri="{91240B29-F687-4f45-9708-019B960494DF}">
-              <a14:hiddenLine xmlns:a14="http://schemas.microsoft.com/office/drawing/2010/main" w="12700">
+              <a14:hiddenLine xmlns:a14="http://schemas.microsoft.com/office/drawing/2010/main" xmlns="" w="12700">
                 <a:solidFill>
                   <a:srgbClr val="000000"/>
                 </a:solidFill>
@@ -23976,7 +23525,7 @@
               </a14:hiddenLine>
             </a:ext>
             <a:ext uri="{AF507438-7753-43e0-B8FC-AC1667EBCBE1}">
-              <a14:hiddenEffects xmlns:a14="http://schemas.microsoft.com/office/drawing/2010/main">
+              <a14:hiddenEffects xmlns:a14="http://schemas.microsoft.com/office/drawing/2010/main" xmlns="">
                 <a:effectLst>
                   <a:outerShdw blurRad="63500" dist="38099" dir="2700000" algn="ctr" rotWithShape="0">
                     <a:srgbClr val="000000">
@@ -24010,7 +23559,7 @@
               <a:defRPr/>
             </a:pPr>
             <a:r>
-              <a:rPr lang="en-US" sz="700" b="0" i="0" kern="1200" dirty="0" smtClean="0">
+              <a:rPr lang="en-US" sz="700" b="0" i="0" kern="1200" dirty="0">
                 <a:solidFill>
                   <a:srgbClr val="A7A8A9"/>
                 </a:solidFill>
@@ -24021,7 +23570,7 @@
               </a:rPr>
               <a:t>© 2016 PayPal Inc. All rights reserved. Confidential and proprietary.</a:t>
             </a:r>
-            <a:endParaRPr lang="en-US" sz="700" b="0" i="0" kern="1200" dirty="0" smtClean="0">
+            <a:endParaRPr lang="en-US" sz="700" b="0" i="0" kern="1200" dirty="0">
               <a:solidFill>
                 <a:srgbClr val="A7A8A9"/>
               </a:solidFill>
@@ -24038,7 +23587,7 @@
               <a:defRPr/>
             </a:pPr>
             <a:r>
-              <a:rPr lang="en-US" sz="700" b="0" i="0" kern="1200" dirty="0" smtClean="0">
+              <a:rPr lang="en-US" sz="700" b="0" i="0" kern="1200" dirty="0">
                 <a:solidFill>
                   <a:srgbClr val="A7A8A9"/>
                 </a:solidFill>
@@ -24095,14 +23644,14 @@
           </a:ln>
           <a:extLst>
             <a:ext uri="{909E8E84-426E-40dd-AFC4-6F175D3DCCD1}">
-              <a14:hiddenFill xmlns:a14="http://schemas.microsoft.com/office/drawing/2010/main">
+              <a14:hiddenFill xmlns:a14="http://schemas.microsoft.com/office/drawing/2010/main" xmlns="">
                 <a:solidFill>
                   <a:srgbClr val="FFFFFF"/>
                 </a:solidFill>
               </a14:hiddenFill>
             </a:ext>
             <a:ext uri="{91240B29-F687-4f45-9708-019B960494DF}">
-              <a14:hiddenLine xmlns:a14="http://schemas.microsoft.com/office/drawing/2010/main" w="9525">
+              <a14:hiddenLine xmlns:a14="http://schemas.microsoft.com/office/drawing/2010/main" xmlns="" w="9525">
                 <a:solidFill>
                   <a:srgbClr val="000000"/>
                 </a:solidFill>
@@ -24185,7 +23734,7 @@
                 </a:lnSpc>
               </a:pPr>
               <a:r>
-                <a:rPr lang="en-US" sz="1100" dirty="0" smtClean="0">
+                <a:rPr lang="en-US" sz="1100" dirty="0">
                   <a:solidFill>
                     <a:schemeClr val="accent1"/>
                   </a:solidFill>
@@ -24194,13 +23743,6 @@
                 </a:rPr>
                 <a:t>Global Technology Education</a:t>
               </a:r>
-              <a:endParaRPr lang="en-US" sz="1100" dirty="0">
-                <a:solidFill>
-                  <a:schemeClr val="accent1"/>
-                </a:solidFill>
-                <a:latin typeface="Arial"/>
-                <a:cs typeface="Arial"/>
-              </a:endParaRPr>
             </a:p>
           </p:txBody>
         </p:sp>
@@ -24215,13 +23757,6 @@
   <p:clrMapOvr>
     <a:masterClrMapping/>
   </p:clrMapOvr>
-  <p:timing>
-    <p:tnLst>
-      <p:par>
-        <p:cTn xmlns:p14="http://schemas.microsoft.com/office/powerpoint/2010/main" id="1" dur="indefinite" restart="never" nodeType="tmRoot"/>
-      </p:par>
-    </p:tnLst>
-  </p:timing>
 </p:sldLayout>
 </file>
 
@@ -24272,7 +23807,7 @@
           </a:lstStyle>
           <a:p>
             <a:r>
-              <a:rPr lang="en-US" smtClean="0"/>
+              <a:rPr lang="en-US"/>
               <a:t>Click to edit Master title style</a:t>
             </a:r>
             <a:endParaRPr lang="en-US" dirty="0"/>
@@ -24320,35 +23855,35 @@
           <a:p>
             <a:pPr lvl="0"/>
             <a:r>
-              <a:rPr lang="en-US" smtClean="0"/>
+              <a:rPr lang="en-US"/>
               <a:t>Click to edit Master text styles</a:t>
             </a:r>
           </a:p>
           <a:p>
             <a:pPr lvl="1"/>
             <a:r>
-              <a:rPr lang="en-US" smtClean="0"/>
+              <a:rPr lang="en-US"/>
               <a:t>Second level</a:t>
             </a:r>
           </a:p>
           <a:p>
             <a:pPr lvl="2"/>
             <a:r>
-              <a:rPr lang="en-US" smtClean="0"/>
+              <a:rPr lang="en-US"/>
               <a:t>Third level</a:t>
             </a:r>
           </a:p>
           <a:p>
             <a:pPr lvl="3"/>
             <a:r>
-              <a:rPr lang="en-US" smtClean="0"/>
+              <a:rPr lang="en-US"/>
               <a:t>Fourth level</a:t>
             </a:r>
           </a:p>
           <a:p>
             <a:pPr lvl="4"/>
             <a:r>
-              <a:rPr lang="en-US" smtClean="0"/>
+              <a:rPr lang="en-US"/>
               <a:t>Fifth level</a:t>
             </a:r>
             <a:endParaRPr lang="en-US" dirty="0"/>
@@ -24528,21 +24063,21 @@
           <a:p>
             <a:pPr lvl="0"/>
             <a:r>
-              <a:rPr lang="en-US" dirty="0" smtClean="0"/>
+              <a:rPr lang="en-US" dirty="0"/>
               <a:t>Click to edit Master text styles</a:t>
             </a:r>
           </a:p>
           <a:p>
             <a:pPr lvl="1"/>
             <a:r>
-              <a:rPr lang="en-US" dirty="0" smtClean="0"/>
+              <a:rPr lang="en-US" dirty="0"/>
               <a:t>Second level</a:t>
             </a:r>
           </a:p>
           <a:p>
             <a:pPr lvl="2"/>
             <a:r>
-              <a:rPr lang="en-US" dirty="0" smtClean="0"/>
+              <a:rPr lang="en-US" dirty="0"/>
               <a:t>Third level</a:t>
             </a:r>
           </a:p>
@@ -24625,14 +24160,14 @@
           <a:effectLst/>
           <a:extLst>
             <a:ext uri="{909E8E84-426E-40dd-AFC4-6F175D3DCCD1}">
-              <a14:hiddenFill xmlns:a14="http://schemas.microsoft.com/office/drawing/2010/main">
+              <a14:hiddenFill xmlns:a14="http://schemas.microsoft.com/office/drawing/2010/main" xmlns="">
                 <a:solidFill>
                   <a:srgbClr val="FFFFFF"/>
                 </a:solidFill>
               </a14:hiddenFill>
             </a:ext>
             <a:ext uri="{91240B29-F687-4f45-9708-019B960494DF}">
-              <a14:hiddenLine xmlns:a14="http://schemas.microsoft.com/office/drawing/2010/main" w="12700">
+              <a14:hiddenLine xmlns:a14="http://schemas.microsoft.com/office/drawing/2010/main" xmlns="" w="12700">
                 <a:solidFill>
                   <a:srgbClr val="000000"/>
                 </a:solidFill>
@@ -24642,7 +24177,7 @@
               </a14:hiddenLine>
             </a:ext>
             <a:ext uri="{AF507438-7753-43e0-B8FC-AC1667EBCBE1}">
-              <a14:hiddenEffects xmlns:a14="http://schemas.microsoft.com/office/drawing/2010/main">
+              <a14:hiddenEffects xmlns:a14="http://schemas.microsoft.com/office/drawing/2010/main" xmlns="">
                 <a:effectLst>
                   <a:outerShdw blurRad="63500" dist="38099" dir="2700000" algn="ctr" rotWithShape="0">
                     <a:srgbClr val="000000">
@@ -24676,7 +24211,7 @@
               <a:defRPr/>
             </a:pPr>
             <a:r>
-              <a:rPr lang="en-US" sz="700" b="0" i="0" dirty="0" smtClean="0">
+              <a:rPr lang="en-US" sz="700" b="0" i="0" dirty="0">
                 <a:solidFill>
                   <a:srgbClr val="FFFFFF"/>
                 </a:solidFill>
@@ -24687,7 +24222,7 @@
               <a:t>© 2016 PayPal Inc. All rights reserved.</a:t>
             </a:r>
             <a:r>
-              <a:rPr lang="en-US" sz="700" b="0" i="0" baseline="0" dirty="0" smtClean="0">
+              <a:rPr lang="en-US" sz="700" b="0" i="0" baseline="0" dirty="0">
                 <a:solidFill>
                   <a:srgbClr val="FFFFFF"/>
                 </a:solidFill>
@@ -24698,7 +24233,7 @@
               <a:t> Confidential and proprietary</a:t>
             </a:r>
             <a:r>
-              <a:rPr lang="en-US" sz="700" b="0" i="0" dirty="0" smtClean="0">
+              <a:rPr lang="en-US" sz="700" b="0" i="0" dirty="0">
                 <a:solidFill>
                   <a:srgbClr val="FFFFFF"/>
                 </a:solidFill>
@@ -24819,7 +24354,7 @@
                 </a:lnSpc>
               </a:pPr>
               <a:r>
-                <a:rPr lang="en-US" sz="1100" dirty="0" smtClean="0">
+                <a:rPr lang="en-US" sz="1100" dirty="0">
                   <a:solidFill>
                     <a:schemeClr val="bg1"/>
                   </a:solidFill>
@@ -24828,13 +24363,6 @@
                 </a:rPr>
                 <a:t>Global Technology Education</a:t>
               </a:r>
-              <a:endParaRPr lang="en-US" sz="1100" dirty="0">
-                <a:solidFill>
-                  <a:schemeClr val="bg1"/>
-                </a:solidFill>
-                <a:latin typeface="Arial"/>
-                <a:cs typeface="Arial"/>
-              </a:endParaRPr>
             </a:p>
           </p:txBody>
         </p:sp>
@@ -24849,13 +24377,6 @@
   <p:clrMapOvr>
     <a:masterClrMapping/>
   </p:clrMapOvr>
-  <p:timing>
-    <p:tnLst>
-      <p:par>
-        <p:cTn xmlns:p14="http://schemas.microsoft.com/office/powerpoint/2010/main" id="1" dur="indefinite" restart="never" nodeType="tmRoot"/>
-      </p:par>
-    </p:tnLst>
-  </p:timing>
 </p:sldLayout>
 </file>
 
@@ -25003,7 +24524,7 @@
           <a:lstStyle/>
           <a:p>
             <a:pPr algn="ctr"/>
-            <a:endParaRPr lang="en-US" dirty="0" err="1" smtClean="0">
+            <a:endParaRPr lang="en-US" dirty="0" err="1">
               <a:latin typeface="Arial"/>
               <a:cs typeface="Arial"/>
             </a:endParaRPr>
@@ -25080,21 +24601,21 @@
           <a:p>
             <a:pPr lvl="0"/>
             <a:r>
-              <a:rPr lang="en-US" dirty="0" smtClean="0"/>
+              <a:rPr lang="en-US" dirty="0"/>
               <a:t>Click to edit Master text styles</a:t>
             </a:r>
           </a:p>
           <a:p>
             <a:pPr lvl="1"/>
             <a:r>
-              <a:rPr lang="en-US" dirty="0" smtClean="0"/>
+              <a:rPr lang="en-US" dirty="0"/>
               <a:t>Second level</a:t>
             </a:r>
           </a:p>
           <a:p>
             <a:pPr lvl="2"/>
             <a:r>
-              <a:rPr lang="en-US" dirty="0" smtClean="0"/>
+              <a:rPr lang="en-US" dirty="0"/>
               <a:t>Third level</a:t>
             </a:r>
           </a:p>
@@ -25177,14 +24698,14 @@
           <a:effectLst/>
           <a:extLst>
             <a:ext uri="{909E8E84-426E-40dd-AFC4-6F175D3DCCD1}">
-              <a14:hiddenFill xmlns:a14="http://schemas.microsoft.com/office/drawing/2010/main">
+              <a14:hiddenFill xmlns:a14="http://schemas.microsoft.com/office/drawing/2010/main" xmlns="">
                 <a:solidFill>
                   <a:srgbClr val="FFFFFF"/>
                 </a:solidFill>
               </a14:hiddenFill>
             </a:ext>
             <a:ext uri="{91240B29-F687-4f45-9708-019B960494DF}">
-              <a14:hiddenLine xmlns:a14="http://schemas.microsoft.com/office/drawing/2010/main" w="12700">
+              <a14:hiddenLine xmlns:a14="http://schemas.microsoft.com/office/drawing/2010/main" xmlns="" w="12700">
                 <a:solidFill>
                   <a:srgbClr val="000000"/>
                 </a:solidFill>
@@ -25194,7 +24715,7 @@
               </a14:hiddenLine>
             </a:ext>
             <a:ext uri="{AF507438-7753-43e0-B8FC-AC1667EBCBE1}">
-              <a14:hiddenEffects xmlns:a14="http://schemas.microsoft.com/office/drawing/2010/main">
+              <a14:hiddenEffects xmlns:a14="http://schemas.microsoft.com/office/drawing/2010/main" xmlns="">
                 <a:effectLst>
                   <a:outerShdw blurRad="63500" dist="38099" dir="2700000" algn="ctr" rotWithShape="0">
                     <a:srgbClr val="000000">
@@ -25228,7 +24749,7 @@
               <a:defRPr/>
             </a:pPr>
             <a:r>
-              <a:rPr lang="en-US" sz="700" b="0" i="0" kern="1200" dirty="0" smtClean="0">
+              <a:rPr lang="en-US" sz="700" b="0" i="0" kern="1200" dirty="0">
                 <a:solidFill>
                   <a:srgbClr val="A7A8A9"/>
                 </a:solidFill>
@@ -25239,7 +24760,7 @@
               </a:rPr>
               <a:t>© 2016 PayPal Inc. All rights reserved. Confidential and proprietary.</a:t>
             </a:r>
-            <a:endParaRPr lang="en-US" sz="700" b="0" i="0" kern="1200" dirty="0" smtClean="0">
+            <a:endParaRPr lang="en-US" sz="700" b="0" i="0" kern="1200" dirty="0">
               <a:solidFill>
                 <a:srgbClr val="A7A8A9"/>
               </a:solidFill>
@@ -25256,7 +24777,7 @@
               <a:defRPr/>
             </a:pPr>
             <a:r>
-              <a:rPr lang="en-US" sz="700" b="0" i="0" kern="1200" dirty="0" smtClean="0">
+              <a:rPr lang="en-US" sz="700" b="0" i="0" kern="1200" dirty="0">
                 <a:solidFill>
                   <a:srgbClr val="A7A8A9"/>
                 </a:solidFill>
@@ -25355,14 +24876,14 @@
           </a:ln>
           <a:extLst>
             <a:ext uri="{909E8E84-426E-40dd-AFC4-6F175D3DCCD1}">
-              <a14:hiddenFill xmlns:a14="http://schemas.microsoft.com/office/drawing/2010/main">
+              <a14:hiddenFill xmlns:a14="http://schemas.microsoft.com/office/drawing/2010/main" xmlns="">
                 <a:solidFill>
                   <a:srgbClr val="FFFFFF"/>
                 </a:solidFill>
               </a14:hiddenFill>
             </a:ext>
             <a:ext uri="{91240B29-F687-4f45-9708-019B960494DF}">
-              <a14:hiddenLine xmlns:a14="http://schemas.microsoft.com/office/drawing/2010/main" w="9525">
+              <a14:hiddenLine xmlns:a14="http://schemas.microsoft.com/office/drawing/2010/main" xmlns="" w="9525">
                 <a:solidFill>
                   <a:srgbClr val="000000"/>
                 </a:solidFill>
@@ -25445,7 +24966,7 @@
                 </a:lnSpc>
               </a:pPr>
               <a:r>
-                <a:rPr lang="en-US" sz="1100" dirty="0" smtClean="0">
+                <a:rPr lang="en-US" sz="1100" dirty="0">
                   <a:solidFill>
                     <a:schemeClr val="accent1"/>
                   </a:solidFill>
@@ -25454,13 +24975,6 @@
                 </a:rPr>
                 <a:t>Global Technology Education</a:t>
               </a:r>
-              <a:endParaRPr lang="en-US" sz="1100" dirty="0">
-                <a:solidFill>
-                  <a:schemeClr val="accent1"/>
-                </a:solidFill>
-                <a:latin typeface="Arial"/>
-                <a:cs typeface="Arial"/>
-              </a:endParaRPr>
             </a:p>
           </p:txBody>
         </p:sp>
@@ -25475,13 +24989,6 @@
   <p:clrMapOvr>
     <a:masterClrMapping/>
   </p:clrMapOvr>
-  <p:timing>
-    <p:tnLst>
-      <p:par>
-        <p:cTn xmlns:p14="http://schemas.microsoft.com/office/powerpoint/2010/main" id="1" dur="indefinite" restart="never" nodeType="tmRoot"/>
-      </p:par>
-    </p:tnLst>
-  </p:timing>
 </p:sldLayout>
 </file>
 
@@ -25629,7 +25136,7 @@
           <a:lstStyle/>
           <a:p>
             <a:pPr algn="ctr"/>
-            <a:endParaRPr lang="en-US" dirty="0" err="1" smtClean="0">
+            <a:endParaRPr lang="en-US" dirty="0" err="1">
               <a:latin typeface="Arial"/>
               <a:cs typeface="Arial"/>
             </a:endParaRPr>
@@ -25706,21 +25213,21 @@
           <a:p>
             <a:pPr lvl="0"/>
             <a:r>
-              <a:rPr lang="en-US" dirty="0" smtClean="0"/>
+              <a:rPr lang="en-US" dirty="0"/>
               <a:t>Click to edit Master text styles</a:t>
             </a:r>
           </a:p>
           <a:p>
             <a:pPr lvl="1"/>
             <a:r>
-              <a:rPr lang="en-US" dirty="0" smtClean="0"/>
+              <a:rPr lang="en-US" dirty="0"/>
               <a:t>Second level</a:t>
             </a:r>
           </a:p>
           <a:p>
             <a:pPr lvl="2"/>
             <a:r>
-              <a:rPr lang="en-US" dirty="0" smtClean="0"/>
+              <a:rPr lang="en-US" dirty="0"/>
               <a:t>Third level</a:t>
             </a:r>
           </a:p>
@@ -25803,14 +25310,14 @@
           <a:effectLst/>
           <a:extLst>
             <a:ext uri="{909E8E84-426E-40dd-AFC4-6F175D3DCCD1}">
-              <a14:hiddenFill xmlns:a14="http://schemas.microsoft.com/office/drawing/2010/main">
+              <a14:hiddenFill xmlns:a14="http://schemas.microsoft.com/office/drawing/2010/main" xmlns="">
                 <a:solidFill>
                   <a:srgbClr val="FFFFFF"/>
                 </a:solidFill>
               </a14:hiddenFill>
             </a:ext>
             <a:ext uri="{91240B29-F687-4f45-9708-019B960494DF}">
-              <a14:hiddenLine xmlns:a14="http://schemas.microsoft.com/office/drawing/2010/main" w="12700">
+              <a14:hiddenLine xmlns:a14="http://schemas.microsoft.com/office/drawing/2010/main" xmlns="" w="12700">
                 <a:solidFill>
                   <a:srgbClr val="000000"/>
                 </a:solidFill>
@@ -25820,7 +25327,7 @@
               </a14:hiddenLine>
             </a:ext>
             <a:ext uri="{AF507438-7753-43e0-B8FC-AC1667EBCBE1}">
-              <a14:hiddenEffects xmlns:a14="http://schemas.microsoft.com/office/drawing/2010/main">
+              <a14:hiddenEffects xmlns:a14="http://schemas.microsoft.com/office/drawing/2010/main" xmlns="">
                 <a:effectLst>
                   <a:outerShdw blurRad="63500" dist="38099" dir="2700000" algn="ctr" rotWithShape="0">
                     <a:srgbClr val="000000">
@@ -25854,7 +25361,7 @@
               <a:defRPr/>
             </a:pPr>
             <a:r>
-              <a:rPr lang="en-US" sz="700" b="0" i="0" kern="1200" dirty="0" smtClean="0">
+              <a:rPr lang="en-US" sz="700" b="0" i="0" kern="1200" dirty="0">
                 <a:solidFill>
                   <a:srgbClr val="A7A8A9"/>
                 </a:solidFill>
@@ -25865,7 +25372,7 @@
               </a:rPr>
               <a:t>© 2016 PayPal Inc. All rights reserved. Confidential and proprietary.</a:t>
             </a:r>
-            <a:endParaRPr lang="en-US" sz="700" b="0" i="0" kern="1200" dirty="0" smtClean="0">
+            <a:endParaRPr lang="en-US" sz="700" b="0" i="0" kern="1200" dirty="0">
               <a:solidFill>
                 <a:srgbClr val="A7A8A9"/>
               </a:solidFill>
@@ -25882,7 +25389,7 @@
               <a:defRPr/>
             </a:pPr>
             <a:r>
-              <a:rPr lang="en-US" sz="700" b="0" i="0" kern="1200" dirty="0" smtClean="0">
+              <a:rPr lang="en-US" sz="700" b="0" i="0" kern="1200" dirty="0">
                 <a:solidFill>
                   <a:srgbClr val="A7A8A9"/>
                 </a:solidFill>
@@ -25981,14 +25488,14 @@
           </a:ln>
           <a:extLst>
             <a:ext uri="{909E8E84-426E-40dd-AFC4-6F175D3DCCD1}">
-              <a14:hiddenFill xmlns:a14="http://schemas.microsoft.com/office/drawing/2010/main">
+              <a14:hiddenFill xmlns:a14="http://schemas.microsoft.com/office/drawing/2010/main" xmlns="">
                 <a:solidFill>
                   <a:srgbClr val="FFFFFF"/>
                 </a:solidFill>
               </a14:hiddenFill>
             </a:ext>
             <a:ext uri="{91240B29-F687-4f45-9708-019B960494DF}">
-              <a14:hiddenLine xmlns:a14="http://schemas.microsoft.com/office/drawing/2010/main" w="9525">
+              <a14:hiddenLine xmlns:a14="http://schemas.microsoft.com/office/drawing/2010/main" xmlns="" w="9525">
                 <a:solidFill>
                   <a:srgbClr val="000000"/>
                 </a:solidFill>
@@ -26071,7 +25578,7 @@
                 </a:lnSpc>
               </a:pPr>
               <a:r>
-                <a:rPr lang="en-US" sz="1100" dirty="0" smtClean="0">
+                <a:rPr lang="en-US" sz="1100" dirty="0">
                   <a:solidFill>
                     <a:schemeClr val="accent1"/>
                   </a:solidFill>
@@ -26080,13 +25587,6 @@
                 </a:rPr>
                 <a:t>Global Technology Education</a:t>
               </a:r>
-              <a:endParaRPr lang="en-US" sz="1100" dirty="0">
-                <a:solidFill>
-                  <a:schemeClr val="accent1"/>
-                </a:solidFill>
-                <a:latin typeface="Arial"/>
-                <a:cs typeface="Arial"/>
-              </a:endParaRPr>
             </a:p>
           </p:txBody>
         </p:sp>
@@ -26101,13 +25601,6 @@
   <p:clrMapOvr>
     <a:masterClrMapping/>
   </p:clrMapOvr>
-  <p:timing>
-    <p:tnLst>
-      <p:par>
-        <p:cTn xmlns:p14="http://schemas.microsoft.com/office/powerpoint/2010/main" id="1" dur="indefinite" restart="never" nodeType="tmRoot"/>
-      </p:par>
-    </p:tnLst>
-  </p:timing>
 </p:sldLayout>
 </file>
 
@@ -26255,7 +25748,7 @@
           <a:lstStyle/>
           <a:p>
             <a:pPr algn="ctr"/>
-            <a:endParaRPr lang="en-US" dirty="0" err="1" smtClean="0">
+            <a:endParaRPr lang="en-US" dirty="0" err="1">
               <a:latin typeface="Arial"/>
               <a:cs typeface="Arial"/>
             </a:endParaRPr>
@@ -26332,21 +25825,21 @@
           <a:p>
             <a:pPr lvl="0"/>
             <a:r>
-              <a:rPr lang="en-US" dirty="0" smtClean="0"/>
+              <a:rPr lang="en-US" dirty="0"/>
               <a:t>Click to edit Master text styles</a:t>
             </a:r>
           </a:p>
           <a:p>
             <a:pPr lvl="1"/>
             <a:r>
-              <a:rPr lang="en-US" dirty="0" smtClean="0"/>
+              <a:rPr lang="en-US" dirty="0"/>
               <a:t>Second level</a:t>
             </a:r>
           </a:p>
           <a:p>
             <a:pPr lvl="2"/>
             <a:r>
-              <a:rPr lang="en-US" dirty="0" smtClean="0"/>
+              <a:rPr lang="en-US" dirty="0"/>
               <a:t>Third level</a:t>
             </a:r>
           </a:p>
@@ -26429,14 +25922,14 @@
           <a:effectLst/>
           <a:extLst>
             <a:ext uri="{909E8E84-426E-40dd-AFC4-6F175D3DCCD1}">
-              <a14:hiddenFill xmlns:a14="http://schemas.microsoft.com/office/drawing/2010/main">
+              <a14:hiddenFill xmlns:a14="http://schemas.microsoft.com/office/drawing/2010/main" xmlns="">
                 <a:solidFill>
                   <a:srgbClr val="FFFFFF"/>
                 </a:solidFill>
               </a14:hiddenFill>
             </a:ext>
             <a:ext uri="{91240B29-F687-4f45-9708-019B960494DF}">
-              <a14:hiddenLine xmlns:a14="http://schemas.microsoft.com/office/drawing/2010/main" w="12700">
+              <a14:hiddenLine xmlns:a14="http://schemas.microsoft.com/office/drawing/2010/main" xmlns="" w="12700">
                 <a:solidFill>
                   <a:srgbClr val="000000"/>
                 </a:solidFill>
@@ -26446,7 +25939,7 @@
               </a14:hiddenLine>
             </a:ext>
             <a:ext uri="{AF507438-7753-43e0-B8FC-AC1667EBCBE1}">
-              <a14:hiddenEffects xmlns:a14="http://schemas.microsoft.com/office/drawing/2010/main">
+              <a14:hiddenEffects xmlns:a14="http://schemas.microsoft.com/office/drawing/2010/main" xmlns="">
                 <a:effectLst>
                   <a:outerShdw blurRad="63500" dist="38099" dir="2700000" algn="ctr" rotWithShape="0">
                     <a:srgbClr val="000000">
@@ -26480,7 +25973,7 @@
               <a:defRPr/>
             </a:pPr>
             <a:r>
-              <a:rPr lang="en-US" sz="700" b="0" i="0" kern="1200" dirty="0" smtClean="0">
+              <a:rPr lang="en-US" sz="700" b="0" i="0" kern="1200" dirty="0">
                 <a:solidFill>
                   <a:srgbClr val="A7A8A9"/>
                 </a:solidFill>
@@ -26491,7 +25984,7 @@
               </a:rPr>
               <a:t>© 2016 PayPal Inc. All rights reserved. Confidential and proprietary.</a:t>
             </a:r>
-            <a:endParaRPr lang="en-US" sz="700" b="0" i="0" kern="1200" dirty="0" smtClean="0">
+            <a:endParaRPr lang="en-US" sz="700" b="0" i="0" kern="1200" dirty="0">
               <a:solidFill>
                 <a:srgbClr val="A7A8A9"/>
               </a:solidFill>
@@ -26508,7 +26001,7 @@
               <a:defRPr/>
             </a:pPr>
             <a:r>
-              <a:rPr lang="en-US" sz="700" b="0" i="0" kern="1200" dirty="0" smtClean="0">
+              <a:rPr lang="en-US" sz="700" b="0" i="0" kern="1200" dirty="0">
                 <a:solidFill>
                   <a:srgbClr val="A7A8A9"/>
                 </a:solidFill>
@@ -26607,14 +26100,14 @@
           </a:ln>
           <a:extLst>
             <a:ext uri="{909E8E84-426E-40dd-AFC4-6F175D3DCCD1}">
-              <a14:hiddenFill xmlns:a14="http://schemas.microsoft.com/office/drawing/2010/main">
+              <a14:hiddenFill xmlns:a14="http://schemas.microsoft.com/office/drawing/2010/main" xmlns="">
                 <a:solidFill>
                   <a:srgbClr val="FFFFFF"/>
                 </a:solidFill>
               </a14:hiddenFill>
             </a:ext>
             <a:ext uri="{91240B29-F687-4f45-9708-019B960494DF}">
-              <a14:hiddenLine xmlns:a14="http://schemas.microsoft.com/office/drawing/2010/main" w="9525">
+              <a14:hiddenLine xmlns:a14="http://schemas.microsoft.com/office/drawing/2010/main" xmlns="" w="9525">
                 <a:solidFill>
                   <a:srgbClr val="000000"/>
                 </a:solidFill>
@@ -26697,7 +26190,7 @@
                 </a:lnSpc>
               </a:pPr>
               <a:r>
-                <a:rPr lang="en-US" sz="1100" dirty="0" smtClean="0">
+                <a:rPr lang="en-US" sz="1100" dirty="0">
                   <a:solidFill>
                     <a:schemeClr val="accent1"/>
                   </a:solidFill>
@@ -26706,13 +26199,6 @@
                 </a:rPr>
                 <a:t>Global Technology Education</a:t>
               </a:r>
-              <a:endParaRPr lang="en-US" sz="1100" dirty="0">
-                <a:solidFill>
-                  <a:schemeClr val="accent1"/>
-                </a:solidFill>
-                <a:latin typeface="Arial"/>
-                <a:cs typeface="Arial"/>
-              </a:endParaRPr>
             </a:p>
           </p:txBody>
         </p:sp>
@@ -26727,13 +26213,6 @@
   <p:clrMapOvr>
     <a:masterClrMapping/>
   </p:clrMapOvr>
-  <p:timing>
-    <p:tnLst>
-      <p:par>
-        <p:cTn xmlns:p14="http://schemas.microsoft.com/office/powerpoint/2010/main" id="1" dur="indefinite" restart="never" nodeType="tmRoot"/>
-      </p:par>
-    </p:tnLst>
-  </p:timing>
 </p:sldLayout>
 </file>
 
@@ -26881,7 +26360,7 @@
           <a:lstStyle/>
           <a:p>
             <a:pPr algn="ctr"/>
-            <a:endParaRPr lang="en-US" dirty="0" err="1" smtClean="0">
+            <a:endParaRPr lang="en-US" dirty="0" err="1">
               <a:latin typeface="Arial"/>
               <a:cs typeface="Arial"/>
             </a:endParaRPr>
@@ -26958,21 +26437,21 @@
           <a:p>
             <a:pPr lvl="0"/>
             <a:r>
-              <a:rPr lang="en-US" dirty="0" smtClean="0"/>
+              <a:rPr lang="en-US" dirty="0"/>
               <a:t>Click to edit Master text styles</a:t>
             </a:r>
           </a:p>
           <a:p>
             <a:pPr lvl="1"/>
             <a:r>
-              <a:rPr lang="en-US" dirty="0" smtClean="0"/>
+              <a:rPr lang="en-US" dirty="0"/>
               <a:t>Second level</a:t>
             </a:r>
           </a:p>
           <a:p>
             <a:pPr lvl="2"/>
             <a:r>
-              <a:rPr lang="en-US" dirty="0" smtClean="0"/>
+              <a:rPr lang="en-US" dirty="0"/>
               <a:t>Third level</a:t>
             </a:r>
           </a:p>
@@ -27055,14 +26534,14 @@
           <a:effectLst/>
           <a:extLst>
             <a:ext uri="{909E8E84-426E-40dd-AFC4-6F175D3DCCD1}">
-              <a14:hiddenFill xmlns:a14="http://schemas.microsoft.com/office/drawing/2010/main">
+              <a14:hiddenFill xmlns:a14="http://schemas.microsoft.com/office/drawing/2010/main" xmlns="">
                 <a:solidFill>
                   <a:srgbClr val="FFFFFF"/>
                 </a:solidFill>
               </a14:hiddenFill>
             </a:ext>
             <a:ext uri="{91240B29-F687-4f45-9708-019B960494DF}">
-              <a14:hiddenLine xmlns:a14="http://schemas.microsoft.com/office/drawing/2010/main" w="12700">
+              <a14:hiddenLine xmlns:a14="http://schemas.microsoft.com/office/drawing/2010/main" xmlns="" w="12700">
                 <a:solidFill>
                   <a:srgbClr val="000000"/>
                 </a:solidFill>
@@ -27072,7 +26551,7 @@
               </a14:hiddenLine>
             </a:ext>
             <a:ext uri="{AF507438-7753-43e0-B8FC-AC1667EBCBE1}">
-              <a14:hiddenEffects xmlns:a14="http://schemas.microsoft.com/office/drawing/2010/main">
+              <a14:hiddenEffects xmlns:a14="http://schemas.microsoft.com/office/drawing/2010/main" xmlns="">
                 <a:effectLst>
                   <a:outerShdw blurRad="63500" dist="38099" dir="2700000" algn="ctr" rotWithShape="0">
                     <a:srgbClr val="000000">
@@ -27106,7 +26585,7 @@
               <a:defRPr/>
             </a:pPr>
             <a:r>
-              <a:rPr lang="en-US" sz="700" b="0" i="0" kern="1200" dirty="0" smtClean="0">
+              <a:rPr lang="en-US" sz="700" b="0" i="0" kern="1200" dirty="0">
                 <a:solidFill>
                   <a:srgbClr val="A7A8A9"/>
                 </a:solidFill>
@@ -27117,7 +26596,7 @@
               </a:rPr>
               <a:t>© 2016 PayPal Inc. All rights reserved. Confidential and proprietary.</a:t>
             </a:r>
-            <a:endParaRPr lang="en-US" sz="700" b="0" i="0" kern="1200" dirty="0" smtClean="0">
+            <a:endParaRPr lang="en-US" sz="700" b="0" i="0" kern="1200" dirty="0">
               <a:solidFill>
                 <a:srgbClr val="A7A8A9"/>
               </a:solidFill>
@@ -27134,7 +26613,7 @@
               <a:defRPr/>
             </a:pPr>
             <a:r>
-              <a:rPr lang="en-US" sz="700" b="0" i="0" kern="1200" dirty="0" smtClean="0">
+              <a:rPr lang="en-US" sz="700" b="0" i="0" kern="1200" dirty="0">
                 <a:solidFill>
                   <a:srgbClr val="A7A8A9"/>
                 </a:solidFill>
@@ -27233,14 +26712,14 @@
           </a:ln>
           <a:extLst>
             <a:ext uri="{909E8E84-426E-40dd-AFC4-6F175D3DCCD1}">
-              <a14:hiddenFill xmlns:a14="http://schemas.microsoft.com/office/drawing/2010/main">
+              <a14:hiddenFill xmlns:a14="http://schemas.microsoft.com/office/drawing/2010/main" xmlns="">
                 <a:solidFill>
                   <a:srgbClr val="FFFFFF"/>
                 </a:solidFill>
               </a14:hiddenFill>
             </a:ext>
             <a:ext uri="{91240B29-F687-4f45-9708-019B960494DF}">
-              <a14:hiddenLine xmlns:a14="http://schemas.microsoft.com/office/drawing/2010/main" w="9525">
+              <a14:hiddenLine xmlns:a14="http://schemas.microsoft.com/office/drawing/2010/main" xmlns="" w="9525">
                 <a:solidFill>
                   <a:srgbClr val="000000"/>
                 </a:solidFill>
@@ -27323,7 +26802,7 @@
                 </a:lnSpc>
               </a:pPr>
               <a:r>
-                <a:rPr lang="en-US" sz="1100" dirty="0" smtClean="0">
+                <a:rPr lang="en-US" sz="1100" dirty="0">
                   <a:solidFill>
                     <a:schemeClr val="accent1"/>
                   </a:solidFill>
@@ -27332,13 +26811,6 @@
                 </a:rPr>
                 <a:t>Global Technology Education</a:t>
               </a:r>
-              <a:endParaRPr lang="en-US" sz="1100" dirty="0">
-                <a:solidFill>
-                  <a:schemeClr val="accent1"/>
-                </a:solidFill>
-                <a:latin typeface="Arial"/>
-                <a:cs typeface="Arial"/>
-              </a:endParaRPr>
             </a:p>
           </p:txBody>
         </p:sp>
@@ -27353,13 +26825,6 @@
   <p:clrMapOvr>
     <a:masterClrMapping/>
   </p:clrMapOvr>
-  <p:timing>
-    <p:tnLst>
-      <p:par>
-        <p:cTn xmlns:p14="http://schemas.microsoft.com/office/powerpoint/2010/main" id="1" dur="indefinite" restart="never" nodeType="tmRoot"/>
-      </p:par>
-    </p:tnLst>
-  </p:timing>
 </p:sldLayout>
 </file>
 
@@ -27507,7 +26972,7 @@
           <a:lstStyle/>
           <a:p>
             <a:pPr algn="ctr"/>
-            <a:endParaRPr lang="en-US" dirty="0" err="1" smtClean="0">
+            <a:endParaRPr lang="en-US" dirty="0" err="1">
               <a:latin typeface="Arial"/>
               <a:cs typeface="Arial"/>
             </a:endParaRPr>
@@ -27584,21 +27049,21 @@
           <a:p>
             <a:pPr lvl="0"/>
             <a:r>
-              <a:rPr lang="en-US" dirty="0" smtClean="0"/>
+              <a:rPr lang="en-US" dirty="0"/>
               <a:t>Click to edit Master text styles</a:t>
             </a:r>
           </a:p>
           <a:p>
             <a:pPr lvl="1"/>
             <a:r>
-              <a:rPr lang="en-US" dirty="0" smtClean="0"/>
+              <a:rPr lang="en-US" dirty="0"/>
               <a:t>Second level</a:t>
             </a:r>
           </a:p>
           <a:p>
             <a:pPr lvl="2"/>
             <a:r>
-              <a:rPr lang="en-US" dirty="0" smtClean="0"/>
+              <a:rPr lang="en-US" dirty="0"/>
               <a:t>Third level</a:t>
             </a:r>
           </a:p>
@@ -27681,14 +27146,14 @@
           <a:effectLst/>
           <a:extLst>
             <a:ext uri="{909E8E84-426E-40dd-AFC4-6F175D3DCCD1}">
-              <a14:hiddenFill xmlns:a14="http://schemas.microsoft.com/office/drawing/2010/main">
+              <a14:hiddenFill xmlns:a14="http://schemas.microsoft.com/office/drawing/2010/main" xmlns="">
                 <a:solidFill>
                   <a:srgbClr val="FFFFFF"/>
                 </a:solidFill>
               </a14:hiddenFill>
             </a:ext>
             <a:ext uri="{91240B29-F687-4f45-9708-019B960494DF}">
-              <a14:hiddenLine xmlns:a14="http://schemas.microsoft.com/office/drawing/2010/main" w="12700">
+              <a14:hiddenLine xmlns:a14="http://schemas.microsoft.com/office/drawing/2010/main" xmlns="" w="12700">
                 <a:solidFill>
                   <a:srgbClr val="000000"/>
                 </a:solidFill>
@@ -27698,7 +27163,7 @@
               </a14:hiddenLine>
             </a:ext>
             <a:ext uri="{AF507438-7753-43e0-B8FC-AC1667EBCBE1}">
-              <a14:hiddenEffects xmlns:a14="http://schemas.microsoft.com/office/drawing/2010/main">
+              <a14:hiddenEffects xmlns:a14="http://schemas.microsoft.com/office/drawing/2010/main" xmlns="">
                 <a:effectLst>
                   <a:outerShdw blurRad="63500" dist="38099" dir="2700000" algn="ctr" rotWithShape="0">
                     <a:srgbClr val="000000">
@@ -27732,7 +27197,7 @@
               <a:defRPr/>
             </a:pPr>
             <a:r>
-              <a:rPr lang="en-US" sz="700" b="0" i="0" kern="1200" dirty="0" smtClean="0">
+              <a:rPr lang="en-US" sz="700" b="0" i="0" kern="1200" dirty="0">
                 <a:solidFill>
                   <a:srgbClr val="A7A8A9"/>
                 </a:solidFill>
@@ -27743,7 +27208,7 @@
               </a:rPr>
               <a:t>© 2016 PayPal Inc. All rights reserved. Confidential and proprietary.</a:t>
             </a:r>
-            <a:endParaRPr lang="en-US" sz="700" b="0" i="0" kern="1200" dirty="0" smtClean="0">
+            <a:endParaRPr lang="en-US" sz="700" b="0" i="0" kern="1200" dirty="0">
               <a:solidFill>
                 <a:srgbClr val="A7A8A9"/>
               </a:solidFill>
@@ -27760,7 +27225,7 @@
               <a:defRPr/>
             </a:pPr>
             <a:r>
-              <a:rPr lang="en-US" sz="700" b="0" i="0" kern="1200" dirty="0" smtClean="0">
+              <a:rPr lang="en-US" sz="700" b="0" i="0" kern="1200" dirty="0">
                 <a:solidFill>
                   <a:srgbClr val="A7A8A9"/>
                 </a:solidFill>
@@ -27859,14 +27324,14 @@
           </a:ln>
           <a:extLst>
             <a:ext uri="{909E8E84-426E-40dd-AFC4-6F175D3DCCD1}">
-              <a14:hiddenFill xmlns:a14="http://schemas.microsoft.com/office/drawing/2010/main">
+              <a14:hiddenFill xmlns:a14="http://schemas.microsoft.com/office/drawing/2010/main" xmlns="">
                 <a:solidFill>
                   <a:srgbClr val="FFFFFF"/>
                 </a:solidFill>
               </a14:hiddenFill>
             </a:ext>
             <a:ext uri="{91240B29-F687-4f45-9708-019B960494DF}">
-              <a14:hiddenLine xmlns:a14="http://schemas.microsoft.com/office/drawing/2010/main" w="9525">
+              <a14:hiddenLine xmlns:a14="http://schemas.microsoft.com/office/drawing/2010/main" xmlns="" w="9525">
                 <a:solidFill>
                   <a:srgbClr val="000000"/>
                 </a:solidFill>
@@ -27949,7 +27414,7 @@
                 </a:lnSpc>
               </a:pPr>
               <a:r>
-                <a:rPr lang="en-US" sz="1100" dirty="0" smtClean="0">
+                <a:rPr lang="en-US" sz="1100" dirty="0">
                   <a:solidFill>
                     <a:schemeClr val="accent1"/>
                   </a:solidFill>
@@ -27958,13 +27423,6 @@
                 </a:rPr>
                 <a:t>Global Technology Education</a:t>
               </a:r>
-              <a:endParaRPr lang="en-US" sz="1100" dirty="0">
-                <a:solidFill>
-                  <a:schemeClr val="accent1"/>
-                </a:solidFill>
-                <a:latin typeface="Arial"/>
-                <a:cs typeface="Arial"/>
-              </a:endParaRPr>
             </a:p>
           </p:txBody>
         </p:sp>
@@ -27979,13 +27437,6 @@
   <p:clrMapOvr>
     <a:masterClrMapping/>
   </p:clrMapOvr>
-  <p:timing>
-    <p:tnLst>
-      <p:par>
-        <p:cTn xmlns:p14="http://schemas.microsoft.com/office/powerpoint/2010/main" id="1" dur="indefinite" restart="never" nodeType="tmRoot"/>
-      </p:par>
-    </p:tnLst>
-  </p:timing>
 </p:sldLayout>
 </file>
 
@@ -28058,13 +27509,6 @@
     <p:sldLayoutId id="2147483669" r:id="rId36"/>
     <p:sldLayoutId id="2147483690" r:id="rId37"/>
   </p:sldLayoutIdLst>
-  <p:timing>
-    <p:tnLst>
-      <p:par>
-        <p:cTn xmlns:p14="http://schemas.microsoft.com/office/powerpoint/2010/main" id="1" dur="indefinite" restart="never" nodeType="tmRoot"/>
-      </p:par>
-    </p:tnLst>
-  </p:timing>
   <p:hf hdr="0" ftr="0" dt="0"/>
   <p:txStyles>
     <p:titleStyle>
@@ -28352,14 +27796,9 @@
           <a:lstStyle/>
           <a:p>
             <a:r>
-              <a:rPr lang="en-US" dirty="0" smtClean="0"/>
-              <a:t>Developing Spark Applications With </a:t>
-            </a:r>
-            <a:r>
-              <a:rPr lang="en-US" dirty="0" err="1" smtClean="0"/>
-              <a:t>Scala</a:t>
-            </a:r>
-            <a:endParaRPr lang="en-US" dirty="0"/>
+              <a:rPr lang="en-US" dirty="0"/>
+              <a:t>Developing Spark Applications</a:t>
+            </a:r>
           </a:p>
         </p:txBody>
       </p:sp>
@@ -28373,13 +27812,6 @@
   <p:clrMapOvr>
     <a:masterClrMapping/>
   </p:clrMapOvr>
-  <p:timing>
-    <p:tnLst>
-      <p:par>
-        <p:cTn xmlns:p14="http://schemas.microsoft.com/office/powerpoint/2010/main" id="1" dur="indefinite" restart="never" nodeType="tmRoot"/>
-      </p:par>
-    </p:tnLst>
-  </p:timing>
 </p:sld>
 </file>
 
@@ -28416,10 +27848,9 @@
           <a:lstStyle/>
           <a:p>
             <a:r>
-              <a:rPr lang="en-US" dirty="0" smtClean="0"/>
+              <a:rPr lang="en-US" dirty="0"/>
               <a:t>Shared Variables:  Broadcast Variables</a:t>
             </a:r>
-            <a:endParaRPr lang="en-US" dirty="0"/>
           </a:p>
         </p:txBody>
       </p:sp>
@@ -28468,40 +27899,40 @@
           <a:lstStyle/>
           <a:p>
             <a:r>
-              <a:rPr lang="en-US" dirty="0" smtClean="0"/>
+              <a:rPr lang="en-US" dirty="0"/>
               <a:t>Broadcast Variables</a:t>
             </a:r>
           </a:p>
           <a:p>
             <a:pPr lvl="1"/>
             <a:r>
-              <a:rPr lang="en-US" dirty="0" smtClean="0"/>
+              <a:rPr lang="en-US" dirty="0"/>
               <a:t>Read-only data shared across cluster</a:t>
             </a:r>
           </a:p>
           <a:p>
             <a:pPr lvl="1"/>
             <a:r>
-              <a:rPr lang="en-US" dirty="0" smtClean="0"/>
+              <a:rPr lang="en-US" dirty="0"/>
               <a:t>Created in driver program via </a:t>
             </a:r>
             <a:r>
-              <a:rPr lang="en-US" dirty="0" err="1" smtClean="0"/>
+              <a:rPr lang="en-US" dirty="0" err="1"/>
               <a:t>SparkContext</a:t>
             </a:r>
-            <a:endParaRPr lang="en-US" dirty="0" smtClean="0"/>
+            <a:endParaRPr lang="en-US" dirty="0"/>
           </a:p>
           <a:p>
             <a:pPr lvl="1"/>
             <a:r>
-              <a:rPr lang="en-US" dirty="0" smtClean="0"/>
+              <a:rPr lang="en-US" dirty="0"/>
               <a:t>Use in RDDs by closing over it</a:t>
             </a:r>
           </a:p>
           <a:p>
             <a:pPr lvl="1"/>
             <a:r>
-              <a:rPr lang="en-US" dirty="0" smtClean="0"/>
+              <a:rPr lang="en-US" dirty="0"/>
               <a:t>Shared to each worker node if partition does work on worker</a:t>
             </a:r>
           </a:p>
@@ -28675,14 +28106,14 @@
               <a:buNone/>
             </a:pPr>
             <a:r>
-              <a:rPr lang="en-US" b="1" dirty="0" err="1" smtClean="0">
+              <a:rPr lang="en-US" b="1" dirty="0" err="1">
                 <a:latin typeface="Courier New"/>
                 <a:cs typeface="Courier New"/>
               </a:rPr>
               <a:t>val</a:t>
             </a:r>
             <a:r>
-              <a:rPr lang="en-US" b="1" dirty="0" smtClean="0">
+              <a:rPr lang="en-US" b="1" dirty="0">
                 <a:latin typeface="Courier New"/>
                 <a:cs typeface="Courier New"/>
               </a:rPr>
@@ -28695,149 +28126,12 @@
               <a:buNone/>
             </a:pPr>
             <a:r>
-              <a:rPr lang="en-US" b="1" dirty="0" err="1" smtClean="0">
+              <a:rPr lang="en-US" b="1" dirty="0" err="1">
                 <a:latin typeface="Courier New"/>
                 <a:cs typeface="Courier New"/>
               </a:rPr>
               <a:t>val</a:t>
             </a:r>
-            <a:r>
-              <a:rPr lang="en-US" b="1" dirty="0" smtClean="0">
-                <a:latin typeface="Courier New"/>
-                <a:cs typeface="Courier New"/>
-              </a:rPr>
-              <a:t> </a:t>
-            </a:r>
-            <a:r>
-              <a:rPr lang="en-US" b="1" dirty="0" err="1" smtClean="0">
-                <a:latin typeface="Courier New"/>
-                <a:cs typeface="Courier New"/>
-              </a:rPr>
-              <a:t>bc</a:t>
-            </a:r>
-            <a:r>
-              <a:rPr lang="en-US" b="1" dirty="0" smtClean="0">
-                <a:latin typeface="Courier New"/>
-                <a:cs typeface="Courier New"/>
-              </a:rPr>
-              <a:t> = </a:t>
-            </a:r>
-            <a:r>
-              <a:rPr lang="en-US" b="1" dirty="0" err="1" smtClean="0">
-                <a:latin typeface="Courier New"/>
-                <a:cs typeface="Courier New"/>
-              </a:rPr>
-              <a:t>sc.broadcast</a:t>
-            </a:r>
-            <a:r>
-              <a:rPr lang="en-US" b="1" dirty="0" smtClean="0">
-                <a:latin typeface="Courier New"/>
-                <a:cs typeface="Courier New"/>
-              </a:rPr>
-              <a:t>(factor)</a:t>
-            </a:r>
-          </a:p>
-          <a:p>
-            <a:pPr marL="280988" lvl="1" indent="0">
-              <a:buFont typeface="Arial"/>
-              <a:buNone/>
-            </a:pPr>
-            <a:r>
-              <a:rPr lang="en-US" b="1" dirty="0" err="1" smtClean="0">
-                <a:latin typeface="Courier New"/>
-                <a:cs typeface="Courier New"/>
-              </a:rPr>
-              <a:t>val</a:t>
-            </a:r>
-            <a:r>
-              <a:rPr lang="en-US" b="1" dirty="0" smtClean="0">
-                <a:latin typeface="Courier New"/>
-                <a:cs typeface="Courier New"/>
-              </a:rPr>
-              <a:t> </a:t>
-            </a:r>
-            <a:r>
-              <a:rPr lang="en-US" b="1" dirty="0" err="1" smtClean="0">
-                <a:latin typeface="Courier New"/>
-                <a:cs typeface="Courier New"/>
-              </a:rPr>
-              <a:t>rdd</a:t>
-            </a:r>
-            <a:r>
-              <a:rPr lang="en-US" b="1" dirty="0" smtClean="0">
-                <a:latin typeface="Courier New"/>
-                <a:cs typeface="Courier New"/>
-              </a:rPr>
-              <a:t> = </a:t>
-            </a:r>
-            <a:r>
-              <a:rPr lang="en-US" b="1" dirty="0" err="1" smtClean="0">
-                <a:latin typeface="Courier New"/>
-                <a:cs typeface="Courier New"/>
-              </a:rPr>
-              <a:t>sc.parallelize</a:t>
-            </a:r>
-            <a:r>
-              <a:rPr lang="en-US" b="1" dirty="0" smtClean="0">
-                <a:latin typeface="Courier New"/>
-                <a:cs typeface="Courier New"/>
-              </a:rPr>
-              <a:t>(1 to 1000000)</a:t>
-            </a:r>
-          </a:p>
-          <a:p>
-            <a:pPr marL="280988" lvl="1" indent="0">
-              <a:buFont typeface="Arial"/>
-              <a:buNone/>
-            </a:pPr>
-            <a:r>
-              <a:rPr lang="en-US" b="1" dirty="0" err="1" smtClean="0">
-                <a:latin typeface="Courier New"/>
-                <a:cs typeface="Courier New"/>
-              </a:rPr>
-              <a:t>val</a:t>
-            </a:r>
-            <a:r>
-              <a:rPr lang="en-US" b="1" dirty="0" smtClean="0">
-                <a:latin typeface="Courier New"/>
-                <a:cs typeface="Courier New"/>
-              </a:rPr>
-              <a:t> factored = </a:t>
-            </a:r>
-            <a:r>
-              <a:rPr lang="en-US" b="1" dirty="0" err="1" smtClean="0">
-                <a:latin typeface="Courier New"/>
-                <a:cs typeface="Courier New"/>
-              </a:rPr>
-              <a:t>rdd.map</a:t>
-            </a:r>
-            <a:r>
-              <a:rPr lang="en-US" b="1" dirty="0" smtClean="0">
-                <a:latin typeface="Courier New"/>
-                <a:cs typeface="Courier New"/>
-              </a:rPr>
-              <a:t>(_ * </a:t>
-            </a:r>
-            <a:r>
-              <a:rPr lang="en-US" b="1" dirty="0" err="1" smtClean="0">
-                <a:latin typeface="Courier New"/>
-                <a:cs typeface="Courier New"/>
-              </a:rPr>
-              <a:t>bc.value</a:t>
-            </a:r>
-            <a:r>
-              <a:rPr lang="en-US" b="1" dirty="0" smtClean="0">
-                <a:latin typeface="Courier New"/>
-                <a:cs typeface="Courier New"/>
-              </a:rPr>
-              <a:t>).collect()</a:t>
-            </a:r>
-          </a:p>
-          <a:p>
-            <a:pPr marL="280988" lvl="1" indent="0">
-              <a:buFont typeface="Arial"/>
-              <a:buNone/>
-            </a:pPr>
             <a:r>
               <a:rPr lang="en-US" b="1" dirty="0">
                 <a:latin typeface="Courier New"/>
@@ -28846,25 +28140,32 @@
               <a:t> </a:t>
             </a:r>
             <a:r>
-              <a:rPr lang="en-US" b="1" dirty="0" smtClean="0">
-                <a:latin typeface="Courier New"/>
-                <a:cs typeface="Courier New"/>
-              </a:rPr>
-              <a:t> // ^^^ </a:t>
-            </a:r>
-            <a:r>
-              <a:rPr lang="en-US" b="1" dirty="0" err="1" smtClean="0">
+              <a:rPr lang="en-US" b="1" dirty="0" err="1">
                 <a:latin typeface="Courier New"/>
                 <a:cs typeface="Courier New"/>
               </a:rPr>
               <a:t>bc</a:t>
             </a:r>
             <a:r>
-              <a:rPr lang="en-US" b="1" dirty="0" smtClean="0">
+              <a:rPr lang="en-US" b="1" dirty="0">
                 <a:latin typeface="Courier New"/>
                 <a:cs typeface="Courier New"/>
               </a:rPr>
-              <a:t> used in closure,</a:t>
+              <a:t> = </a:t>
+            </a:r>
+            <a:r>
+              <a:rPr lang="en-US" b="1" dirty="0" err="1">
+                <a:latin typeface="Courier New"/>
+                <a:cs typeface="Courier New"/>
+              </a:rPr>
+              <a:t>sc.broadcast</a:t>
+            </a:r>
+            <a:r>
+              <a:rPr lang="en-US" b="1" dirty="0">
+                <a:latin typeface="Courier New"/>
+                <a:cs typeface="Courier New"/>
+              </a:rPr>
+              <a:t>(factor)</a:t>
             </a:r>
           </a:p>
           <a:p>
@@ -28872,6 +28173,13 @@
               <a:buFont typeface="Arial"/>
               <a:buNone/>
             </a:pPr>
+            <a:r>
+              <a:rPr lang="en-US" b="1" dirty="0" err="1">
+                <a:latin typeface="Courier New"/>
+                <a:cs typeface="Courier New"/>
+              </a:rPr>
+              <a:t>val</a:t>
+            </a:r>
             <a:r>
               <a:rPr lang="en-US" b="1" dirty="0">
                 <a:latin typeface="Courier New"/>
@@ -28880,16 +28188,121 @@
               <a:t> </a:t>
             </a:r>
             <a:r>
-              <a:rPr lang="en-US" b="1" dirty="0" smtClean="0">
+              <a:rPr lang="en-US" b="1" dirty="0" err="1">
                 <a:latin typeface="Courier New"/>
                 <a:cs typeface="Courier New"/>
               </a:rPr>
-              <a:t> //     &amp; sent to worker nodes of partitions</a:t>
-            </a:r>
-            <a:endParaRPr lang="en-US" b="1" dirty="0">
-              <a:latin typeface="Courier New"/>
-              <a:cs typeface="Courier New"/>
-            </a:endParaRPr>
+              <a:t>rdd</a:t>
+            </a:r>
+            <a:r>
+              <a:rPr lang="en-US" b="1" dirty="0">
+                <a:latin typeface="Courier New"/>
+                <a:cs typeface="Courier New"/>
+              </a:rPr>
+              <a:t> = </a:t>
+            </a:r>
+            <a:r>
+              <a:rPr lang="en-US" b="1" dirty="0" err="1">
+                <a:latin typeface="Courier New"/>
+                <a:cs typeface="Courier New"/>
+              </a:rPr>
+              <a:t>sc.parallelize</a:t>
+            </a:r>
+            <a:r>
+              <a:rPr lang="en-US" b="1" dirty="0">
+                <a:latin typeface="Courier New"/>
+                <a:cs typeface="Courier New"/>
+              </a:rPr>
+              <a:t>(1 to 1000000)</a:t>
+            </a:r>
+          </a:p>
+          <a:p>
+            <a:pPr marL="280988" lvl="1" indent="0">
+              <a:buFont typeface="Arial"/>
+              <a:buNone/>
+            </a:pPr>
+            <a:r>
+              <a:rPr lang="en-US" b="1" dirty="0" err="1">
+                <a:latin typeface="Courier New"/>
+                <a:cs typeface="Courier New"/>
+              </a:rPr>
+              <a:t>val</a:t>
+            </a:r>
+            <a:r>
+              <a:rPr lang="en-US" b="1" dirty="0">
+                <a:latin typeface="Courier New"/>
+                <a:cs typeface="Courier New"/>
+              </a:rPr>
+              <a:t> factored = </a:t>
+            </a:r>
+            <a:r>
+              <a:rPr lang="en-US" b="1" dirty="0" err="1">
+                <a:latin typeface="Courier New"/>
+                <a:cs typeface="Courier New"/>
+              </a:rPr>
+              <a:t>rdd.map</a:t>
+            </a:r>
+            <a:r>
+              <a:rPr lang="en-US" b="1" dirty="0">
+                <a:latin typeface="Courier New"/>
+                <a:cs typeface="Courier New"/>
+              </a:rPr>
+              <a:t>(_ * </a:t>
+            </a:r>
+            <a:r>
+              <a:rPr lang="en-US" b="1" dirty="0" err="1">
+                <a:latin typeface="Courier New"/>
+                <a:cs typeface="Courier New"/>
+              </a:rPr>
+              <a:t>bc.value</a:t>
+            </a:r>
+            <a:r>
+              <a:rPr lang="en-US" b="1" dirty="0">
+                <a:latin typeface="Courier New"/>
+                <a:cs typeface="Courier New"/>
+              </a:rPr>
+              <a:t>).collect()</a:t>
+            </a:r>
+          </a:p>
+          <a:p>
+            <a:pPr marL="280988" lvl="1" indent="0">
+              <a:buFont typeface="Arial"/>
+              <a:buNone/>
+            </a:pPr>
+            <a:r>
+              <a:rPr lang="en-US" b="1" dirty="0">
+                <a:latin typeface="Courier New"/>
+                <a:cs typeface="Courier New"/>
+              </a:rPr>
+              <a:t>  // ^^^ </a:t>
+            </a:r>
+            <a:r>
+              <a:rPr lang="en-US" b="1" dirty="0" err="1">
+                <a:latin typeface="Courier New"/>
+                <a:cs typeface="Courier New"/>
+              </a:rPr>
+              <a:t>bc</a:t>
+            </a:r>
+            <a:r>
+              <a:rPr lang="en-US" b="1" dirty="0">
+                <a:latin typeface="Courier New"/>
+                <a:cs typeface="Courier New"/>
+              </a:rPr>
+              <a:t> used in closure,</a:t>
+            </a:r>
+          </a:p>
+          <a:p>
+            <a:pPr marL="280988" lvl="1" indent="0">
+              <a:buFont typeface="Arial"/>
+              <a:buNone/>
+            </a:pPr>
+            <a:r>
+              <a:rPr lang="en-US" b="1" dirty="0">
+                <a:latin typeface="Courier New"/>
+                <a:cs typeface="Courier New"/>
+              </a:rPr>
+              <a:t>  //     &amp; sent to worker nodes of partitions</a:t>
+            </a:r>
           </a:p>
         </p:txBody>
       </p:sp>
@@ -28939,10 +28352,9 @@
           <a:lstStyle/>
           <a:p>
             <a:r>
-              <a:rPr lang="en-US" dirty="0" smtClean="0"/>
+              <a:rPr lang="en-US" dirty="0"/>
               <a:t>Shared Variables:  Accumulators</a:t>
             </a:r>
-            <a:endParaRPr lang="en-US" dirty="0"/>
           </a:p>
         </p:txBody>
       </p:sp>
@@ -28986,60 +28398,59 @@
           <a:lstStyle/>
           <a:p>
             <a:r>
-              <a:rPr lang="en-US" dirty="0" smtClean="0"/>
+              <a:rPr lang="en-US" dirty="0"/>
               <a:t>Accumulators</a:t>
             </a:r>
           </a:p>
           <a:p>
             <a:pPr lvl="1"/>
             <a:r>
-              <a:rPr lang="en-US" dirty="0" smtClean="0"/>
+              <a:rPr lang="en-US" dirty="0"/>
               <a:t>"Add-only" values</a:t>
             </a:r>
           </a:p>
           <a:p>
             <a:pPr lvl="1"/>
             <a:r>
-              <a:rPr lang="en-US" dirty="0" smtClean="0"/>
+              <a:rPr lang="en-US" dirty="0"/>
               <a:t>Native support for numeric accumulators, custom types possible</a:t>
             </a:r>
           </a:p>
           <a:p>
             <a:pPr lvl="1"/>
             <a:r>
-              <a:rPr lang="en-US" dirty="0" smtClean="0"/>
+              <a:rPr lang="en-US" dirty="0"/>
               <a:t>Added to in worker nodes via </a:t>
             </a:r>
             <a:r>
-              <a:rPr lang="en-US" b="1" dirty="0" smtClean="0">
+              <a:rPr lang="en-US" b="1" dirty="0">
                 <a:latin typeface="Courier New"/>
                 <a:cs typeface="Courier New"/>
               </a:rPr>
               <a:t>add</a:t>
             </a:r>
             <a:r>
-              <a:rPr lang="en-US" dirty="0" smtClean="0"/>
+              <a:rPr lang="en-US" dirty="0"/>
               <a:t> or </a:t>
             </a:r>
             <a:r>
-              <a:rPr lang="en-US" b="1" dirty="0" smtClean="0">
+              <a:rPr lang="en-US" b="1" dirty="0">
                 <a:latin typeface="Courier New"/>
                 <a:cs typeface="Courier New"/>
               </a:rPr>
               <a:t>+=</a:t>
             </a:r>
             <a:r>
-              <a:rPr lang="en-US" dirty="0" smtClean="0"/>
+              <a:rPr lang="en-US" dirty="0"/>
               <a:t> method</a:t>
             </a:r>
           </a:p>
           <a:p>
             <a:pPr lvl="1"/>
             <a:r>
-              <a:rPr lang="en-US" dirty="0" smtClean="0"/>
+              <a:rPr lang="en-US" dirty="0"/>
               <a:t>Readable in driver program only; workers cannot read</a:t>
             </a:r>
-            <a:endParaRPr lang="en-US" dirty="0"/>
           </a:p>
         </p:txBody>
       </p:sp>
@@ -29205,7 +28616,7 @@
               <a:buNone/>
             </a:pPr>
             <a:r>
-              <a:rPr lang="en-US" b="1" dirty="0" smtClean="0">
+              <a:rPr lang="en-US" b="1" dirty="0">
                 <a:latin typeface="Courier New"/>
                 <a:cs typeface="Courier New"/>
               </a:rPr>
@@ -29218,42 +28629,42 @@
               <a:buNone/>
             </a:pPr>
             <a:r>
-              <a:rPr lang="en-US" b="1" dirty="0" err="1" smtClean="0">
+              <a:rPr lang="en-US" b="1" dirty="0" err="1">
                 <a:latin typeface="Courier New"/>
                 <a:cs typeface="Courier New"/>
               </a:rPr>
               <a:t>val</a:t>
             </a:r>
             <a:r>
-              <a:rPr lang="en-US" b="1" dirty="0" smtClean="0">
+              <a:rPr lang="en-US" b="1" dirty="0">
                 <a:latin typeface="Courier New"/>
                 <a:cs typeface="Courier New"/>
               </a:rPr>
               <a:t> </a:t>
             </a:r>
             <a:r>
-              <a:rPr lang="en-US" b="1" dirty="0" err="1" smtClean="0">
+              <a:rPr lang="en-US" b="1" dirty="0" err="1">
                 <a:latin typeface="Courier New"/>
                 <a:cs typeface="Courier New"/>
               </a:rPr>
               <a:t>accum</a:t>
             </a:r>
             <a:r>
-              <a:rPr lang="en-US" b="1" dirty="0" smtClean="0">
+              <a:rPr lang="en-US" b="1" dirty="0">
                 <a:latin typeface="Courier New"/>
                 <a:cs typeface="Courier New"/>
               </a:rPr>
               <a:t> = </a:t>
             </a:r>
             <a:r>
-              <a:rPr lang="en-US" b="1" dirty="0" err="1" smtClean="0">
+              <a:rPr lang="en-US" b="1" dirty="0" err="1">
                 <a:latin typeface="Courier New"/>
                 <a:cs typeface="Courier New"/>
               </a:rPr>
               <a:t>sc.accumulator</a:t>
             </a:r>
             <a:r>
-              <a:rPr lang="en-US" b="1" dirty="0" smtClean="0">
+              <a:rPr lang="en-US" b="1" dirty="0">
                 <a:latin typeface="Courier New"/>
                 <a:cs typeface="Courier New"/>
               </a:rPr>
@@ -29266,42 +28677,42 @@
               <a:buNone/>
             </a:pPr>
             <a:r>
-              <a:rPr lang="en-US" b="1" dirty="0" err="1" smtClean="0">
+              <a:rPr lang="en-US" b="1" dirty="0" err="1">
                 <a:latin typeface="Courier New"/>
                 <a:cs typeface="Courier New"/>
               </a:rPr>
               <a:t>val</a:t>
             </a:r>
             <a:r>
-              <a:rPr lang="en-US" b="1" dirty="0" smtClean="0">
+              <a:rPr lang="en-US" b="1" dirty="0">
                 <a:latin typeface="Courier New"/>
                 <a:cs typeface="Courier New"/>
               </a:rPr>
               <a:t> </a:t>
             </a:r>
             <a:r>
-              <a:rPr lang="en-US" b="1" dirty="0" err="1" smtClean="0">
+              <a:rPr lang="en-US" b="1" dirty="0" err="1">
                 <a:latin typeface="Courier New"/>
                 <a:cs typeface="Courier New"/>
               </a:rPr>
               <a:t>rdd</a:t>
             </a:r>
             <a:r>
-              <a:rPr lang="en-US" b="1" dirty="0" smtClean="0">
+              <a:rPr lang="en-US" b="1" dirty="0">
                 <a:latin typeface="Courier New"/>
                 <a:cs typeface="Courier New"/>
               </a:rPr>
               <a:t> = </a:t>
             </a:r>
             <a:r>
-              <a:rPr lang="en-US" b="1" dirty="0" err="1" smtClean="0">
+              <a:rPr lang="en-US" b="1" dirty="0" err="1">
                 <a:latin typeface="Courier New"/>
                 <a:cs typeface="Courier New"/>
               </a:rPr>
               <a:t>sc.parallelize</a:t>
             </a:r>
             <a:r>
-              <a:rPr lang="en-US" b="1" dirty="0" smtClean="0">
+              <a:rPr lang="en-US" b="1" dirty="0">
                 <a:latin typeface="Courier New"/>
                 <a:cs typeface="Courier New"/>
               </a:rPr>
@@ -29314,7 +28725,7 @@
               <a:buNone/>
             </a:pPr>
             <a:r>
-              <a:rPr lang="en-US" b="1" dirty="0" smtClean="0">
+              <a:rPr lang="en-US" b="1" dirty="0">
                 <a:latin typeface="Courier New"/>
                 <a:cs typeface="Courier New"/>
               </a:rPr>
@@ -29327,28 +28738,28 @@
               <a:buNone/>
             </a:pPr>
             <a:r>
-              <a:rPr lang="en-US" b="1" dirty="0" err="1" smtClean="0">
+              <a:rPr lang="en-US" b="1" dirty="0" err="1">
                 <a:latin typeface="Courier New"/>
                 <a:cs typeface="Courier New"/>
               </a:rPr>
               <a:t>rdd.foreach</a:t>
             </a:r>
             <a:r>
-              <a:rPr lang="en-US" b="1" dirty="0" smtClean="0">
+              <a:rPr lang="en-US" b="1" dirty="0">
                 <a:latin typeface="Courier New"/>
                 <a:cs typeface="Courier New"/>
               </a:rPr>
               <a:t>(x =&gt; </a:t>
             </a:r>
             <a:r>
-              <a:rPr lang="en-US" b="1" dirty="0" err="1" smtClean="0">
+              <a:rPr lang="en-US" b="1" dirty="0" err="1">
                 <a:latin typeface="Courier New"/>
                 <a:cs typeface="Courier New"/>
               </a:rPr>
               <a:t>accum</a:t>
             </a:r>
             <a:r>
-              <a:rPr lang="en-US" b="1" dirty="0" smtClean="0">
+              <a:rPr lang="en-US" b="1" dirty="0">
                 <a:latin typeface="Courier New"/>
                 <a:cs typeface="Courier New"/>
               </a:rPr>
@@ -29361,7 +28772,7 @@
               <a:buNone/>
             </a:pPr>
             <a:r>
-              <a:rPr lang="en-US" b="1" dirty="0" smtClean="0">
+              <a:rPr lang="en-US" b="1" dirty="0">
                 <a:latin typeface="Courier New"/>
                 <a:cs typeface="Courier New"/>
               </a:rPr>
@@ -29374,37 +28785,33 @@
               <a:buNone/>
             </a:pPr>
             <a:r>
-              <a:rPr lang="en-US" b="1" dirty="0" err="1" smtClean="0">
+              <a:rPr lang="en-US" b="1" dirty="0" err="1">
                 <a:latin typeface="Courier New"/>
                 <a:cs typeface="Courier New"/>
               </a:rPr>
               <a:t>val</a:t>
             </a:r>
             <a:r>
-              <a:rPr lang="en-US" b="1" dirty="0" smtClean="0">
+              <a:rPr lang="en-US" b="1" dirty="0">
                 <a:latin typeface="Courier New"/>
                 <a:cs typeface="Courier New"/>
               </a:rPr>
               <a:t> sum = </a:t>
             </a:r>
             <a:r>
-              <a:rPr lang="en-US" b="1" dirty="0" err="1" smtClean="0">
+              <a:rPr lang="en-US" b="1" dirty="0" err="1">
                 <a:latin typeface="Courier New"/>
                 <a:cs typeface="Courier New"/>
               </a:rPr>
               <a:t>accum.value</a:t>
             </a:r>
             <a:r>
-              <a:rPr lang="en-US" b="1" dirty="0" smtClean="0">
+              <a:rPr lang="en-US" b="1" dirty="0">
                 <a:latin typeface="Courier New"/>
                 <a:cs typeface="Courier New"/>
               </a:rPr>
               <a:t> // 1784293664</a:t>
             </a:r>
-            <a:endParaRPr lang="en-US" b="1" dirty="0">
-              <a:latin typeface="Courier New"/>
-              <a:cs typeface="Courier New"/>
-            </a:endParaRPr>
           </a:p>
         </p:txBody>
       </p:sp>
@@ -29454,10 +28861,9 @@
           <a:lstStyle/>
           <a:p>
             <a:r>
-              <a:rPr lang="en-US" dirty="0" smtClean="0"/>
+              <a:rPr lang="en-US" dirty="0"/>
               <a:t>Conclusion</a:t>
             </a:r>
-            <a:endParaRPr lang="en-US" dirty="0"/>
           </a:p>
         </p:txBody>
       </p:sp>
@@ -29501,42 +28907,42 @@
           <a:lstStyle/>
           <a:p>
             <a:r>
-              <a:rPr lang="en-US" dirty="0" smtClean="0"/>
+              <a:rPr lang="en-US" dirty="0"/>
               <a:t>RDDs are the most basic part of Spark</a:t>
             </a:r>
           </a:p>
           <a:p>
             <a:r>
-              <a:rPr lang="en-US" dirty="0" smtClean="0"/>
+              <a:rPr lang="en-US" dirty="0"/>
               <a:t>Rich functionality</a:t>
             </a:r>
           </a:p>
           <a:p>
             <a:r>
-              <a:rPr lang="en-US" dirty="0" smtClean="0"/>
+              <a:rPr lang="en-US" dirty="0"/>
               <a:t>Lazy evaluation</a:t>
             </a:r>
           </a:p>
           <a:p>
             <a:r>
-              <a:rPr lang="en-US" dirty="0" smtClean="0"/>
+              <a:rPr lang="en-US" dirty="0"/>
               <a:t>Redundantly distributed across cluster</a:t>
             </a:r>
           </a:p>
           <a:p>
             <a:r>
-              <a:rPr lang="en-US" dirty="0" smtClean="0"/>
+              <a:rPr lang="en-US" dirty="0"/>
               <a:t>Cacheable within cluster </a:t>
             </a:r>
             <a:r>
-              <a:rPr lang="en-US" smtClean="0"/>
+              <a:rPr lang="en-US"/>
               <a:t>in memory and/or to disk</a:t>
             </a:r>
-            <a:endParaRPr lang="en-US" dirty="0" smtClean="0"/>
-          </a:p>
-          <a:p>
-            <a:r>
-              <a:rPr lang="en-US" dirty="0" smtClean="0"/>
+            <a:endParaRPr lang="en-US" dirty="0"/>
+          </a:p>
+          <a:p>
+            <a:r>
+              <a:rPr lang="en-US" dirty="0"/>
               <a:t>Readable from/writable to disk</a:t>
             </a:r>
           </a:p>
@@ -29588,10 +28994,9 @@
           <a:lstStyle/>
           <a:p>
             <a:r>
-              <a:rPr lang="en-US" dirty="0" smtClean="0"/>
+              <a:rPr lang="en-US" dirty="0"/>
               <a:t>Overview</a:t>
             </a:r>
-            <a:endParaRPr lang="en-US" dirty="0"/>
           </a:p>
         </p:txBody>
       </p:sp>
@@ -29635,13 +29040,13 @@
           <a:lstStyle/>
           <a:p>
             <a:r>
-              <a:rPr lang="en-US" dirty="0" smtClean="0"/>
+              <a:rPr lang="en-US" dirty="0"/>
               <a:t>Set Operations</a:t>
             </a:r>
           </a:p>
           <a:p>
             <a:r>
-              <a:rPr lang="en-US" dirty="0" smtClean="0"/>
+              <a:rPr lang="en-US" dirty="0"/>
               <a:t>Caching RDDs</a:t>
             </a:r>
           </a:p>
@@ -29659,20 +29064,15 @@
           </a:p>
           <a:p>
             <a:r>
-              <a:rPr lang="en-US" dirty="0" smtClean="0"/>
-              <a:t>Pair </a:t>
-            </a:r>
-            <a:r>
-              <a:rPr lang="en-US" dirty="0" smtClean="0"/>
-              <a:t>RDDs</a:t>
-            </a:r>
-          </a:p>
-          <a:p>
-            <a:r>
-              <a:rPr lang="en-US" dirty="0" smtClean="0"/>
+              <a:rPr lang="en-US" dirty="0"/>
+              <a:t>Pair RDDs</a:t>
+            </a:r>
+          </a:p>
+          <a:p>
+            <a:r>
+              <a:rPr lang="en-US" dirty="0"/>
               <a:t>Shared Variables</a:t>
             </a:r>
-            <a:endParaRPr lang="en-US" dirty="0" smtClean="0"/>
           </a:p>
         </p:txBody>
       </p:sp>
@@ -29722,10 +29122,9 @@
           <a:lstStyle/>
           <a:p>
             <a:r>
-              <a:rPr lang="en-US" dirty="0" smtClean="0"/>
+              <a:rPr lang="en-US" dirty="0"/>
               <a:t>Set Operations</a:t>
             </a:r>
-            <a:endParaRPr lang="en-US" dirty="0"/>
           </a:p>
         </p:txBody>
       </p:sp>
@@ -29769,12 +29168,12 @@
           <a:lstStyle/>
           <a:p>
             <a:r>
-              <a:rPr lang="en-US" dirty="0" smtClean="0"/>
+              <a:rPr lang="en-US" dirty="0"/>
               <a:t>RDDs can be used like a mathematical set</a:t>
             </a:r>
           </a:p>
           <a:p>
-            <a:endParaRPr lang="en-US" dirty="0" smtClean="0"/>
+            <a:endParaRPr lang="en-US" dirty="0"/>
           </a:p>
           <a:p>
             <a:r>
@@ -29786,114 +29185,50 @@
             </a:r>
             <a:r>
               <a:rPr lang="en-US" dirty="0"/>
-              <a:t>:  elements from both </a:t>
-            </a:r>
-            <a:r>
-              <a:rPr lang="en-US" dirty="0" smtClean="0"/>
-              <a:t>RDDs</a:t>
+              <a:t>:  elements from both RDDs</a:t>
             </a:r>
             <a:br>
-              <a:rPr lang="en-US" dirty="0" smtClean="0"/>
+              <a:rPr lang="en-US" dirty="0"/>
             </a:br>
-            <a:r>
-              <a:rPr lang="en-US" sz="1800" b="1" dirty="0" smtClean="0">
-                <a:latin typeface="Courier New"/>
-                <a:cs typeface="Courier New"/>
-              </a:rPr>
-              <a:t>{</a:t>
-            </a:r>
             <a:r>
               <a:rPr lang="en-US" sz="1800" b="1" dirty="0">
                 <a:latin typeface="Courier New"/>
                 <a:cs typeface="Courier New"/>
               </a:rPr>
-              <a:t>1</a:t>
-            </a:r>
-            <a:r>
-              <a:rPr lang="en-US" sz="1800" b="1" dirty="0" smtClean="0">
+              <a:t>{1, 2, 3}.union({3, 4, 5}) =&gt; {1, 2, 3, 3, 4, 5}</a:t>
+            </a:r>
+          </a:p>
+          <a:p>
+            <a:endParaRPr lang="en-US" b="1" dirty="0">
+              <a:latin typeface="Courier New"/>
+              <a:cs typeface="Courier New"/>
+            </a:endParaRPr>
+          </a:p>
+          <a:p>
+            <a:r>
+              <a:rPr lang="en-US" b="1" dirty="0">
                 <a:latin typeface="Courier New"/>
                 <a:cs typeface="Courier New"/>
               </a:rPr>
-              <a:t>, 2, 3</a:t>
-            </a:r>
+              <a:t>intersection</a:t>
+            </a:r>
+            <a:r>
+              <a:rPr lang="en-US" dirty="0"/>
+              <a:t>:  elements found only in both RDDs</a:t>
+            </a:r>
+            <a:br>
+              <a:rPr lang="en-US" dirty="0"/>
+            </a:br>
             <a:r>
               <a:rPr lang="en-US" sz="1800" b="1" dirty="0">
                 <a:latin typeface="Courier New"/>
                 <a:cs typeface="Courier New"/>
               </a:rPr>
-              <a:t>}</a:t>
-            </a:r>
-            <a:r>
-              <a:rPr lang="en-US" sz="1800" b="1" dirty="0" smtClean="0">
-                <a:latin typeface="Courier New"/>
-                <a:cs typeface="Courier New"/>
-              </a:rPr>
-              <a:t>.union(</a:t>
-            </a:r>
-            <a:r>
-              <a:rPr lang="en-US" sz="1800" b="1" dirty="0">
-                <a:latin typeface="Courier New"/>
-                <a:cs typeface="Courier New"/>
-              </a:rPr>
-              <a:t>{3</a:t>
-            </a:r>
-            <a:r>
-              <a:rPr lang="en-US" sz="1800" b="1" dirty="0" smtClean="0">
-                <a:latin typeface="Courier New"/>
-                <a:cs typeface="Courier New"/>
-              </a:rPr>
-              <a:t>, 4, 5</a:t>
-            </a:r>
-            <a:r>
-              <a:rPr lang="en-US" sz="1800" b="1" dirty="0">
-                <a:latin typeface="Courier New"/>
-                <a:cs typeface="Courier New"/>
-              </a:rPr>
-              <a:t>}) =&gt; </a:t>
-            </a:r>
-            <a:r>
-              <a:rPr lang="en-US" sz="1800" b="1" dirty="0" smtClean="0">
-                <a:latin typeface="Courier New"/>
-                <a:cs typeface="Courier New"/>
-              </a:rPr>
-              <a:t>{1, 2, 3, 3, 4, 5}</a:t>
-            </a:r>
-            <a:endParaRPr lang="en-US" sz="1800" b="1" dirty="0">
-              <a:latin typeface="Courier New"/>
-              <a:cs typeface="Courier New"/>
-            </a:endParaRPr>
-          </a:p>
-          <a:p>
-            <a:endParaRPr lang="en-US" b="1" dirty="0" smtClean="0">
-              <a:latin typeface="Courier New"/>
-              <a:cs typeface="Courier New"/>
-            </a:endParaRPr>
-          </a:p>
-          <a:p>
-            <a:r>
-              <a:rPr lang="en-US" b="1" dirty="0" smtClean="0">
-                <a:latin typeface="Courier New"/>
-                <a:cs typeface="Courier New"/>
-              </a:rPr>
-              <a:t>intersection</a:t>
-            </a:r>
-            <a:r>
-              <a:rPr lang="en-US" dirty="0" smtClean="0"/>
-              <a:t>:  elements found only in both RDDs</a:t>
-            </a:r>
-            <a:br>
-              <a:rPr lang="en-US" dirty="0" smtClean="0"/>
-            </a:br>
-            <a:r>
-              <a:rPr lang="en-US" sz="1800" b="1" dirty="0" smtClean="0">
-                <a:latin typeface="Courier New"/>
-                <a:cs typeface="Courier New"/>
-              </a:rPr>
               <a:t>{1, 2, 3}.intersection({3, 4, 5}) =&gt; {3}</a:t>
             </a:r>
           </a:p>
           <a:p>
-            <a:endParaRPr lang="en-US" b="1" dirty="0" smtClean="0">
+            <a:endParaRPr lang="en-US" b="1" dirty="0">
               <a:latin typeface="Courier New"/>
               <a:cs typeface="Courier New"/>
             </a:endParaRPr>
@@ -29908,15 +29243,7 @@
             </a:r>
             <a:r>
               <a:rPr lang="en-US" dirty="0"/>
-              <a:t>:  remove </a:t>
-            </a:r>
-            <a:r>
-              <a:rPr lang="en-US" dirty="0" smtClean="0"/>
-              <a:t>an RDD's elements </a:t>
-            </a:r>
-            <a:r>
-              <a:rPr lang="en-US" dirty="0"/>
-              <a:t>from another</a:t>
+              <a:t>:  remove an RDD's elements from another</a:t>
             </a:r>
             <a:br>
               <a:rPr lang="en-US" dirty="0"/>
@@ -29930,26 +29257,22 @@
             </a:r>
           </a:p>
           <a:p>
-            <a:endParaRPr lang="en-US" b="1" dirty="0" smtClean="0">
+            <a:endParaRPr lang="en-US" b="1" dirty="0">
               <a:latin typeface="Courier New"/>
               <a:cs typeface="Courier New"/>
             </a:endParaRPr>
           </a:p>
           <a:p>
             <a:r>
-              <a:rPr lang="en-US" b="1" dirty="0" err="1" smtClean="0">
+              <a:rPr lang="en-US" b="1" dirty="0" err="1">
                 <a:latin typeface="Courier New"/>
                 <a:cs typeface="Courier New"/>
               </a:rPr>
               <a:t>cartesian</a:t>
             </a:r>
             <a:r>
-              <a:rPr lang="en-US" dirty="0" smtClean="0"/>
+              <a:rPr lang="en-US" dirty="0"/>
               <a:t>:  Cartesian product of two RDDs</a:t>
-            </a:r>
-            <a:r>
-              <a:rPr lang="en-US" dirty="0"/>
-              <a:t/>
             </a:r>
             <a:br>
               <a:rPr lang="en-US" dirty="0"/>
@@ -29959,61 +29282,22 @@
                 <a:latin typeface="Courier New"/>
                 <a:cs typeface="Courier New"/>
               </a:rPr>
-              <a:t>{</a:t>
-            </a:r>
-            <a:r>
-              <a:rPr lang="en-US" sz="1800" b="1" dirty="0" smtClean="0">
-                <a:latin typeface="Courier New"/>
-                <a:cs typeface="Courier New"/>
-              </a:rPr>
-              <a:t>1,2}.</a:t>
-            </a:r>
-            <a:r>
-              <a:rPr lang="en-US" sz="1800" b="1" dirty="0" err="1" smtClean="0">
+              <a:t>{1,2}.</a:t>
+            </a:r>
+            <a:r>
+              <a:rPr lang="en-US" sz="1800" b="1" dirty="0" err="1">
                 <a:latin typeface="Courier New"/>
                 <a:cs typeface="Courier New"/>
               </a:rPr>
               <a:t>cartesian</a:t>
             </a:r>
             <a:r>
-              <a:rPr lang="en-US" sz="1800" b="1" dirty="0" smtClean="0">
-                <a:latin typeface="Courier New"/>
-                <a:cs typeface="Courier New"/>
-              </a:rPr>
-              <a:t>(</a:t>
-            </a:r>
-            <a:r>
               <a:rPr lang="en-US" sz="1800" b="1" dirty="0">
                 <a:latin typeface="Courier New"/>
                 <a:cs typeface="Courier New"/>
               </a:rPr>
-              <a:t>{</a:t>
-            </a:r>
-            <a:r>
-              <a:rPr lang="en-US" sz="1800" b="1" dirty="0" smtClean="0">
-                <a:latin typeface="Courier New"/>
-                <a:cs typeface="Courier New"/>
-              </a:rPr>
-              <a:t>3,4}</a:t>
-            </a:r>
-            <a:r>
-              <a:rPr lang="en-US" sz="1800" b="1" dirty="0">
-                <a:latin typeface="Courier New"/>
-                <a:cs typeface="Courier New"/>
-              </a:rPr>
-              <a:t>) =&gt; </a:t>
-            </a:r>
-            <a:r>
-              <a:rPr lang="en-US" sz="1800" b="1" dirty="0" smtClean="0">
-                <a:latin typeface="Courier New"/>
-                <a:cs typeface="Courier New"/>
-              </a:rPr>
-              <a:t>{(1,3), (1,4), (2,3), (2,4)}</a:t>
-            </a:r>
-            <a:endParaRPr lang="en-US" sz="1800" b="1" dirty="0">
-              <a:latin typeface="Courier New"/>
-              <a:cs typeface="Courier New"/>
-            </a:endParaRPr>
+              <a:t>({3,4}) =&gt; {(1,3), (1,4), (2,3), (2,4)}</a:t>
+            </a:r>
           </a:p>
           <a:p>
             <a:endParaRPr lang="en-US" dirty="0"/>
@@ -30069,10 +29353,9 @@
           <a:lstStyle/>
           <a:p>
             <a:r>
-              <a:rPr lang="en-US" dirty="0" smtClean="0"/>
+              <a:rPr lang="en-US" dirty="0"/>
               <a:t>Caching RDDs</a:t>
             </a:r>
-            <a:endParaRPr lang="en-US" dirty="0"/>
           </a:p>
         </p:txBody>
       </p:sp>
@@ -30116,23 +29399,23 @@
           <a:lstStyle/>
           <a:p>
             <a:r>
-              <a:rPr lang="en-US" dirty="0" smtClean="0"/>
+              <a:rPr lang="en-US" dirty="0"/>
               <a:t>RDDs are often reused; if so, keep them in cluster</a:t>
             </a:r>
           </a:p>
           <a:p>
             <a:r>
-              <a:rPr lang="en-US" dirty="0" smtClean="0"/>
+              <a:rPr lang="en-US" dirty="0"/>
               <a:t>RDDs can be cached with a given </a:t>
             </a:r>
             <a:r>
-              <a:rPr lang="en-US" b="1" dirty="0" err="1" smtClean="0">
+              <a:rPr lang="en-US" b="1" dirty="0" err="1">
                 <a:latin typeface="Courier New"/>
                 <a:cs typeface="Courier New"/>
               </a:rPr>
               <a:t>StorageLevel</a:t>
             </a:r>
-            <a:endParaRPr lang="en-US" b="1" dirty="0" smtClean="0">
+            <a:endParaRPr lang="en-US" b="1" dirty="0">
               <a:latin typeface="Courier New"/>
               <a:cs typeface="Courier New"/>
             </a:endParaRPr>
@@ -30140,34 +29423,34 @@
           <a:p>
             <a:pPr lvl="1"/>
             <a:r>
-              <a:rPr lang="en-US" dirty="0" smtClean="0"/>
+              <a:rPr lang="en-US" dirty="0"/>
               <a:t>Ability to specify memory only, memory + disk, disk only</a:t>
             </a:r>
           </a:p>
           <a:p>
             <a:r>
-              <a:rPr lang="en-US" dirty="0" smtClean="0"/>
+              <a:rPr lang="en-US" dirty="0"/>
               <a:t>Methods</a:t>
             </a:r>
           </a:p>
           <a:p>
             <a:pPr lvl="1"/>
             <a:r>
-              <a:rPr lang="en-US" b="1" dirty="0" smtClean="0">
+              <a:rPr lang="en-US" b="1" dirty="0">
                 <a:latin typeface="Courier New"/>
                 <a:cs typeface="Courier New"/>
               </a:rPr>
               <a:t>persist(</a:t>
             </a:r>
             <a:r>
-              <a:rPr lang="en-US" b="1" dirty="0" err="1" smtClean="0">
+              <a:rPr lang="en-US" b="1" dirty="0" err="1">
                 <a:latin typeface="Courier New"/>
                 <a:cs typeface="Courier New"/>
               </a:rPr>
               <a:t>StorageLevel</a:t>
             </a:r>
             <a:r>
-              <a:rPr lang="en-US" b="1" dirty="0" smtClean="0">
+              <a:rPr lang="en-US" b="1" dirty="0">
                 <a:latin typeface="Courier New"/>
                 <a:cs typeface="Courier New"/>
               </a:rPr>
@@ -30177,18 +29460,18 @@
           <a:p>
             <a:pPr lvl="1"/>
             <a:r>
-              <a:rPr lang="en-US" b="1" dirty="0" smtClean="0">
+              <a:rPr lang="en-US" b="1" dirty="0">
                 <a:latin typeface="Courier New"/>
                 <a:cs typeface="Courier New"/>
               </a:rPr>
               <a:t>cache()</a:t>
             </a:r>
             <a:r>
-              <a:rPr lang="en-US" dirty="0" smtClean="0"/>
+              <a:rPr lang="en-US" dirty="0"/>
               <a:t>:  same as </a:t>
             </a:r>
             <a:r>
-              <a:rPr lang="en-US" b="1" dirty="0" smtClean="0">
+              <a:rPr lang="en-US" b="1" dirty="0">
                 <a:latin typeface="Courier New"/>
                 <a:cs typeface="Courier New"/>
               </a:rPr>
@@ -30198,14 +29481,14 @@
           <a:p>
             <a:pPr lvl="1"/>
             <a:r>
-              <a:rPr lang="en-US" b="1" dirty="0" err="1" smtClean="0">
+              <a:rPr lang="en-US" b="1" dirty="0" err="1">
                 <a:latin typeface="Courier New"/>
                 <a:cs typeface="Courier New"/>
               </a:rPr>
               <a:t>unpersist</a:t>
             </a:r>
             <a:r>
-              <a:rPr lang="en-US" b="1" dirty="0" smtClean="0">
+              <a:rPr lang="en-US" b="1" dirty="0">
                 <a:latin typeface="Courier New"/>
                 <a:cs typeface="Courier New"/>
               </a:rPr>
@@ -30214,13 +29497,12 @@
           </a:p>
           <a:p>
             <a:r>
-              <a:rPr lang="en-US" dirty="0" smtClean="0"/>
+              <a:rPr lang="en-US" dirty="0"/>
               <a:t>These are different than writing results to disk!</a:t>
             </a:r>
-            <a:endParaRPr lang="en-US" dirty="0"/>
-          </a:p>
-          <a:p>
-            <a:endParaRPr lang="en-US" b="1" dirty="0" smtClean="0">
+          </a:p>
+          <a:p>
+            <a:endParaRPr lang="en-US" b="1" dirty="0">
               <a:latin typeface="Courier New"/>
               <a:cs typeface="Courier New"/>
             </a:endParaRPr>
@@ -30273,10 +29555,9 @@
           <a:lstStyle/>
           <a:p>
             <a:r>
-              <a:rPr lang="en-US" dirty="0" smtClean="0"/>
+              <a:rPr lang="en-US" dirty="0"/>
               <a:t>Using Case Classes with RDDs</a:t>
             </a:r>
-            <a:endParaRPr lang="en-US" dirty="0"/>
           </a:p>
         </p:txBody>
       </p:sp>
@@ -30320,24 +29601,24 @@
           <a:lstStyle/>
           <a:p>
             <a:r>
-              <a:rPr lang="en-US" dirty="0" smtClean="0"/>
+              <a:rPr lang="en-US" dirty="0"/>
               <a:t>RDDs are not restricted to primitive/system types</a:t>
             </a:r>
           </a:p>
           <a:p>
             <a:r>
-              <a:rPr lang="en-US" dirty="0" smtClean="0"/>
+              <a:rPr lang="en-US" dirty="0"/>
               <a:t>Consider</a:t>
             </a:r>
           </a:p>
           <a:p>
             <a:pPr lvl="1"/>
             <a:r>
-              <a:rPr lang="en-US" dirty="0" smtClean="0"/>
+              <a:rPr lang="en-US" dirty="0"/>
               <a:t>CSV file with "Date, Amount" like </a:t>
             </a:r>
             <a:r>
-              <a:rPr lang="en-US" b="1" dirty="0" smtClean="0">
+              <a:rPr lang="en-US" b="1" dirty="0">
                 <a:latin typeface="Courier New"/>
                 <a:cs typeface="Courier New"/>
               </a:rPr>
@@ -30347,83 +29628,83 @@
           <a:p>
             <a:pPr lvl="1"/>
             <a:r>
-              <a:rPr lang="en-US" b="1" dirty="0" smtClean="0">
+              <a:rPr lang="en-US" b="1" dirty="0">
                 <a:latin typeface="Courier New"/>
                 <a:cs typeface="Courier New"/>
               </a:rPr>
               <a:t>case class </a:t>
             </a:r>
             <a:r>
-              <a:rPr lang="en-US" b="1" dirty="0" err="1" smtClean="0">
+              <a:rPr lang="en-US" b="1" dirty="0" err="1">
                 <a:latin typeface="Courier New"/>
                 <a:cs typeface="Courier New"/>
               </a:rPr>
               <a:t>Tx</a:t>
             </a:r>
             <a:r>
-              <a:rPr lang="en-US" b="1" dirty="0" smtClean="0">
+              <a:rPr lang="en-US" b="1" dirty="0">
                 <a:latin typeface="Courier New"/>
                 <a:cs typeface="Courier New"/>
               </a:rPr>
               <a:t>(</a:t>
             </a:r>
             <a:r>
-              <a:rPr lang="en-US" b="1" dirty="0" err="1" smtClean="0">
+              <a:rPr lang="en-US" b="1" dirty="0" err="1">
                 <a:latin typeface="Courier New"/>
                 <a:cs typeface="Courier New"/>
               </a:rPr>
               <a:t>date:LocalDate</a:t>
             </a:r>
             <a:r>
-              <a:rPr lang="en-US" b="1" dirty="0" smtClean="0">
+              <a:rPr lang="en-US" b="1" dirty="0">
                 <a:latin typeface="Courier New"/>
                 <a:cs typeface="Courier New"/>
               </a:rPr>
               <a:t>, </a:t>
             </a:r>
             <a:r>
-              <a:rPr lang="en-US" b="1" dirty="0" err="1" smtClean="0">
+              <a:rPr lang="en-US" b="1" dirty="0" err="1">
                 <a:latin typeface="Courier New"/>
                 <a:cs typeface="Courier New"/>
               </a:rPr>
               <a:t>amt:Float</a:t>
             </a:r>
             <a:r>
-              <a:rPr lang="en-US" b="1" dirty="0" smtClean="0">
+              <a:rPr lang="en-US" b="1" dirty="0">
                 <a:latin typeface="Courier New"/>
                 <a:cs typeface="Courier New"/>
               </a:rPr>
               <a:t>)</a:t>
             </a:r>
-            <a:endParaRPr lang="en-US" sz="2400" b="1" dirty="0" smtClean="0">
+            <a:endParaRPr lang="en-US" sz="2400" b="1" dirty="0">
               <a:latin typeface="Courier New"/>
               <a:cs typeface="Courier New"/>
             </a:endParaRPr>
           </a:p>
           <a:p>
-            <a:endParaRPr lang="en-US" dirty="0" smtClean="0"/>
-          </a:p>
-          <a:p>
-            <a:r>
-              <a:rPr lang="en-US" dirty="0" smtClean="0"/>
+            <a:endParaRPr lang="en-US" dirty="0"/>
+          </a:p>
+          <a:p>
+            <a:r>
+              <a:rPr lang="en-US" dirty="0"/>
               <a:t>Transform to create an </a:t>
             </a:r>
             <a:r>
-              <a:rPr lang="en-US" b="1" dirty="0" smtClean="0">
+              <a:rPr lang="en-US" b="1" dirty="0">
                 <a:latin typeface="Courier New"/>
                 <a:cs typeface="Courier New"/>
               </a:rPr>
               <a:t>RDD[</a:t>
             </a:r>
             <a:r>
-              <a:rPr lang="en-US" b="1" dirty="0" err="1" smtClean="0">
+              <a:rPr lang="en-US" b="1" dirty="0" err="1">
                 <a:latin typeface="Courier New"/>
                 <a:cs typeface="Courier New"/>
               </a:rPr>
               <a:t>Tx</a:t>
             </a:r>
             <a:r>
-              <a:rPr lang="en-US" b="1" dirty="0" smtClean="0">
+              <a:rPr lang="en-US" b="1" dirty="0">
                 <a:latin typeface="Courier New"/>
                 <a:cs typeface="Courier New"/>
               </a:rPr>
@@ -30433,80 +29714,12 @@
           <a:p>
             <a:pPr lvl="1"/>
             <a:r>
-              <a:rPr lang="en-US" sz="1600" b="1" dirty="0" err="1" smtClean="0">
+              <a:rPr lang="en-US" sz="1600" b="1" dirty="0" err="1">
                 <a:latin typeface="Courier New"/>
                 <a:cs typeface="Courier New"/>
               </a:rPr>
               <a:t>val</a:t>
             </a:r>
-            <a:r>
-              <a:rPr lang="en-US" sz="1600" b="1" dirty="0" smtClean="0">
-                <a:latin typeface="Courier New"/>
-                <a:cs typeface="Courier New"/>
-              </a:rPr>
-              <a:t> </a:t>
-            </a:r>
-            <a:r>
-              <a:rPr lang="en-US" sz="1600" b="1" dirty="0" err="1" smtClean="0">
-                <a:latin typeface="Courier New"/>
-                <a:cs typeface="Courier New"/>
-              </a:rPr>
-              <a:t>txns</a:t>
-            </a:r>
-            <a:r>
-              <a:rPr lang="en-US" sz="1600" b="1" dirty="0" smtClean="0">
-                <a:latin typeface="Courier New"/>
-                <a:cs typeface="Courier New"/>
-              </a:rPr>
-              <a:t> = </a:t>
-            </a:r>
-            <a:r>
-              <a:rPr lang="en-US" sz="1600" b="1" dirty="0" err="1" smtClean="0">
-                <a:latin typeface="Courier New"/>
-                <a:cs typeface="Courier New"/>
-              </a:rPr>
-              <a:t>sc.textFile</a:t>
-            </a:r>
-            <a:r>
-              <a:rPr lang="en-US" sz="1600" b="1" dirty="0" smtClean="0">
-                <a:latin typeface="Courier New"/>
-                <a:cs typeface="Courier New"/>
-              </a:rPr>
-              <a:t>("</a:t>
-            </a:r>
-            <a:r>
-              <a:rPr lang="en-US" sz="1600" b="1" dirty="0" err="1" smtClean="0">
-                <a:latin typeface="Courier New"/>
-                <a:cs typeface="Courier New"/>
-              </a:rPr>
-              <a:t>tx.csv</a:t>
-            </a:r>
-            <a:r>
-              <a:rPr lang="en-US" sz="1600" b="1" dirty="0" smtClean="0">
-                <a:latin typeface="Courier New"/>
-                <a:cs typeface="Courier New"/>
-              </a:rPr>
-              <a:t>")               // RDD[String]</a:t>
-            </a:r>
-            <a:br>
-              <a:rPr lang="en-US" sz="1600" b="1" dirty="0" smtClean="0">
-                <a:latin typeface="Courier New"/>
-                <a:cs typeface="Courier New"/>
-              </a:rPr>
-            </a:br>
-            <a:r>
-              <a:rPr lang="en-US" sz="1600" b="1" dirty="0" smtClean="0">
-                <a:latin typeface="Courier New"/>
-                <a:cs typeface="Courier New"/>
-              </a:rPr>
-              <a:t>  .map(_.split(","))                    // RDD[Array[String]]</a:t>
-            </a:r>
-            <a:br>
-              <a:rPr lang="en-US" sz="1600" b="1" dirty="0" smtClean="0">
-                <a:latin typeface="Courier New"/>
-                <a:cs typeface="Courier New"/>
-              </a:rPr>
-            </a:br>
             <a:r>
               <a:rPr lang="en-US" sz="1600" b="1" dirty="0">
                 <a:latin typeface="Courier New"/>
@@ -30515,77 +29728,124 @@
               <a:t> </a:t>
             </a:r>
             <a:r>
-              <a:rPr lang="en-US" sz="1600" b="1" dirty="0" smtClean="0">
+              <a:rPr lang="en-US" sz="1600" b="1" dirty="0" err="1">
                 <a:latin typeface="Courier New"/>
                 <a:cs typeface="Courier New"/>
               </a:rPr>
-              <a:t> .map(</a:t>
-            </a:r>
-            <a:r>
-              <a:rPr lang="en-US" sz="1600" b="1" dirty="0" err="1" smtClean="0">
+              <a:t>txns</a:t>
+            </a:r>
+            <a:r>
+              <a:rPr lang="en-US" sz="1600" b="1" dirty="0">
+                <a:latin typeface="Courier New"/>
+                <a:cs typeface="Courier New"/>
+              </a:rPr>
+              <a:t> = </a:t>
+            </a:r>
+            <a:r>
+              <a:rPr lang="en-US" sz="1600" b="1" dirty="0" err="1">
+                <a:latin typeface="Courier New"/>
+                <a:cs typeface="Courier New"/>
+              </a:rPr>
+              <a:t>sc.textFile</a:t>
+            </a:r>
+            <a:r>
+              <a:rPr lang="en-US" sz="1600" b="1" dirty="0">
+                <a:latin typeface="Courier New"/>
+                <a:cs typeface="Courier New"/>
+              </a:rPr>
+              <a:t>("</a:t>
+            </a:r>
+            <a:r>
+              <a:rPr lang="en-US" sz="1600" b="1" dirty="0" err="1">
+                <a:latin typeface="Courier New"/>
+                <a:cs typeface="Courier New"/>
+              </a:rPr>
+              <a:t>tx.csv</a:t>
+            </a:r>
+            <a:r>
+              <a:rPr lang="en-US" sz="1600" b="1" dirty="0">
+                <a:latin typeface="Courier New"/>
+                <a:cs typeface="Courier New"/>
+              </a:rPr>
+              <a:t>")               // RDD[String]</a:t>
+            </a:r>
+            <a:br>
+              <a:rPr lang="en-US" sz="1600" b="1" dirty="0">
+                <a:latin typeface="Courier New"/>
+                <a:cs typeface="Courier New"/>
+              </a:rPr>
+            </a:br>
+            <a:r>
+              <a:rPr lang="en-US" sz="1600" b="1" dirty="0">
+                <a:latin typeface="Courier New"/>
+                <a:cs typeface="Courier New"/>
+              </a:rPr>
+              <a:t>  .map(_.split(","))                    // RDD[Array[String]]</a:t>
+            </a:r>
+            <a:br>
+              <a:rPr lang="en-US" sz="1600" b="1" dirty="0">
+                <a:latin typeface="Courier New"/>
+                <a:cs typeface="Courier New"/>
+              </a:rPr>
+            </a:br>
+            <a:r>
+              <a:rPr lang="en-US" sz="1600" b="1" dirty="0">
+                <a:latin typeface="Courier New"/>
+                <a:cs typeface="Courier New"/>
+              </a:rPr>
+              <a:t>  .map(</a:t>
+            </a:r>
+            <a:r>
+              <a:rPr lang="en-US" sz="1600" b="1" dirty="0" err="1">
                 <a:latin typeface="Courier New"/>
                 <a:cs typeface="Courier New"/>
               </a:rPr>
               <a:t>Tx</a:t>
             </a:r>
             <a:r>
-              <a:rPr lang="en-US" sz="1600" b="1" dirty="0" smtClean="0">
+              <a:rPr lang="en-US" sz="1600" b="1" dirty="0">
                 <a:latin typeface="Courier New"/>
                 <a:cs typeface="Courier New"/>
               </a:rPr>
               <a:t>(</a:t>
             </a:r>
             <a:r>
-              <a:rPr lang="en-US" sz="1600" b="1" dirty="0" err="1" smtClean="0">
+              <a:rPr lang="en-US" sz="1600" b="1" dirty="0" err="1">
                 <a:latin typeface="Courier New"/>
                 <a:cs typeface="Courier New"/>
               </a:rPr>
               <a:t>LocalDate.parse</a:t>
             </a:r>
             <a:r>
-              <a:rPr lang="en-US" sz="1600" b="1" dirty="0" smtClean="0">
+              <a:rPr lang="en-US" sz="1600" b="1" dirty="0">
                 <a:latin typeface="Courier New"/>
                 <a:cs typeface="Courier New"/>
               </a:rPr>
               <a:t>(_(0)), _(1).</a:t>
             </a:r>
             <a:r>
-              <a:rPr lang="en-US" sz="1600" b="1" dirty="0" err="1" smtClean="0">
+              <a:rPr lang="en-US" sz="1600" b="1" dirty="0" err="1">
                 <a:latin typeface="Courier New"/>
                 <a:cs typeface="Courier New"/>
               </a:rPr>
               <a:t>toFloat</a:t>
             </a:r>
             <a:r>
-              <a:rPr lang="en-US" sz="1600" b="1" dirty="0" smtClean="0">
-                <a:latin typeface="Courier New"/>
-                <a:cs typeface="Courier New"/>
-              </a:rPr>
-              <a:t>))</a:t>
-            </a:r>
-            <a:r>
               <a:rPr lang="en-US" sz="1600" b="1" dirty="0">
                 <a:latin typeface="Courier New"/>
                 <a:cs typeface="Courier New"/>
               </a:rPr>
-              <a:t> </a:t>
-            </a:r>
-            <a:r>
-              <a:rPr lang="en-US" sz="1600" b="1" dirty="0" smtClean="0">
-                <a:latin typeface="Courier New"/>
-                <a:cs typeface="Courier New"/>
-              </a:rPr>
-              <a:t>   // RDD[</a:t>
-            </a:r>
-            <a:r>
-              <a:rPr lang="en-US" sz="1600" b="1" dirty="0" err="1" smtClean="0">
+              <a:t>))    // RDD[</a:t>
+            </a:r>
+            <a:r>
+              <a:rPr lang="en-US" sz="1600" b="1" dirty="0" err="1">
                 <a:latin typeface="Courier New"/>
                 <a:cs typeface="Courier New"/>
               </a:rPr>
               <a:t>Tx</a:t>
             </a:r>
             <a:r>
-              <a:rPr lang="en-US" sz="1600" b="1" dirty="0" smtClean="0">
+              <a:rPr lang="en-US" sz="1600" b="1" dirty="0">
                 <a:latin typeface="Courier New"/>
                 <a:cs typeface="Courier New"/>
               </a:rPr>
@@ -30594,59 +29854,59 @@
           </a:p>
           <a:p>
             <a:pPr lvl="0"/>
-            <a:endParaRPr lang="en-US" dirty="0" smtClean="0"/>
+            <a:endParaRPr lang="en-US" dirty="0"/>
           </a:p>
           <a:p>
             <a:pPr lvl="0"/>
             <a:r>
-              <a:rPr lang="en-US" dirty="0" smtClean="0"/>
+              <a:rPr lang="en-US" dirty="0"/>
               <a:t>Now, you can use member </a:t>
             </a:r>
             <a:r>
-              <a:rPr lang="en-US" smtClean="0"/>
+              <a:rPr lang="en-US"/>
               <a:t>names like</a:t>
             </a:r>
-            <a:endParaRPr lang="en-US" dirty="0" smtClean="0"/>
+            <a:endParaRPr lang="en-US" dirty="0"/>
           </a:p>
           <a:p>
             <a:pPr lvl="1"/>
             <a:r>
-              <a:rPr lang="en-US" b="1" dirty="0" err="1" smtClean="0">
+              <a:rPr lang="en-US" b="1" dirty="0" err="1">
                 <a:latin typeface="Courier New"/>
                 <a:cs typeface="Courier New"/>
               </a:rPr>
               <a:t>val</a:t>
             </a:r>
             <a:r>
-              <a:rPr lang="en-US" b="1" dirty="0" smtClean="0">
+              <a:rPr lang="en-US" b="1" dirty="0">
                 <a:latin typeface="Courier New"/>
                 <a:cs typeface="Courier New"/>
               </a:rPr>
               <a:t> strings = </a:t>
             </a:r>
             <a:r>
-              <a:rPr lang="en-US" b="1" dirty="0" err="1" smtClean="0">
+              <a:rPr lang="en-US" b="1" dirty="0" err="1">
                 <a:latin typeface="Courier New"/>
                 <a:cs typeface="Courier New"/>
               </a:rPr>
               <a:t>txns.map</a:t>
             </a:r>
             <a:r>
-              <a:rPr lang="en-US" b="1" dirty="0" smtClean="0">
+              <a:rPr lang="en-US" b="1" dirty="0">
                 <a:latin typeface="Courier New"/>
                 <a:cs typeface="Courier New"/>
               </a:rPr>
               <a:t>(_.</a:t>
             </a:r>
             <a:r>
-              <a:rPr lang="en-US" b="1" dirty="0" err="1" smtClean="0">
+              <a:rPr lang="en-US" b="1" dirty="0" err="1">
                 <a:latin typeface="Courier New"/>
                 <a:cs typeface="Courier New"/>
               </a:rPr>
               <a:t>amt</a:t>
             </a:r>
             <a:r>
-              <a:rPr lang="en-US" b="1" dirty="0" smtClean="0">
+              <a:rPr lang="en-US" b="1" dirty="0">
                 <a:latin typeface="Courier New"/>
                 <a:cs typeface="Courier New"/>
               </a:rPr>
@@ -30656,42 +29916,42 @@
           <a:p>
             <a:pPr lvl="1"/>
             <a:r>
-              <a:rPr lang="en-US" b="1" dirty="0" err="1" smtClean="0">
+              <a:rPr lang="en-US" b="1" dirty="0" err="1">
                 <a:latin typeface="Courier New"/>
                 <a:cs typeface="Courier New"/>
               </a:rPr>
               <a:t>val</a:t>
             </a:r>
             <a:r>
-              <a:rPr lang="en-US" b="1" dirty="0" smtClean="0">
+              <a:rPr lang="en-US" b="1" dirty="0">
                 <a:latin typeface="Courier New"/>
                 <a:cs typeface="Courier New"/>
               </a:rPr>
               <a:t> balance = </a:t>
             </a:r>
             <a:r>
-              <a:rPr lang="en-US" b="1" dirty="0" err="1" smtClean="0">
+              <a:rPr lang="en-US" b="1" dirty="0" err="1">
                 <a:latin typeface="Courier New"/>
                 <a:cs typeface="Courier New"/>
               </a:rPr>
               <a:t>txns.map</a:t>
             </a:r>
             <a:r>
-              <a:rPr lang="en-US" b="1" dirty="0" smtClean="0">
+              <a:rPr lang="en-US" b="1" dirty="0">
                 <a:latin typeface="Courier New"/>
                 <a:cs typeface="Courier New"/>
               </a:rPr>
               <a:t>(_.</a:t>
             </a:r>
             <a:r>
-              <a:rPr lang="en-US" b="1" dirty="0" err="1" smtClean="0">
+              <a:rPr lang="en-US" b="1" dirty="0" err="1">
                 <a:latin typeface="Courier New"/>
                 <a:cs typeface="Courier New"/>
               </a:rPr>
               <a:t>amt</a:t>
             </a:r>
             <a:r>
-              <a:rPr lang="en-US" b="1" dirty="0" smtClean="0">
+              <a:rPr lang="en-US" b="1" dirty="0">
                 <a:latin typeface="Courier New"/>
                 <a:cs typeface="Courier New"/>
               </a:rPr>
@@ -30746,10 +30006,9 @@
           <a:lstStyle/>
           <a:p>
             <a:r>
-              <a:rPr lang="en-US" dirty="0" smtClean="0"/>
+              <a:rPr lang="en-US" dirty="0"/>
               <a:t>Other RDDs</a:t>
             </a:r>
-            <a:endParaRPr lang="en-US" dirty="0"/>
           </a:p>
         </p:txBody>
       </p:sp>
@@ -30793,93 +30052,93 @@
           <a:lstStyle/>
           <a:p>
             <a:r>
-              <a:rPr lang="en-US" dirty="0" smtClean="0"/>
+              <a:rPr lang="en-US" dirty="0"/>
               <a:t>Based on RDD's element type</a:t>
             </a:r>
           </a:p>
           <a:p>
             <a:r>
-              <a:rPr lang="en-US" dirty="0" err="1" smtClean="0"/>
+              <a:rPr lang="en-US" dirty="0" err="1"/>
               <a:t>PairRDDFunctions</a:t>
             </a:r>
             <a:r>
-              <a:rPr lang="en-US" dirty="0" smtClean="0"/>
+              <a:rPr lang="en-US" dirty="0"/>
               <a:t> when RDD is of tuples</a:t>
             </a:r>
           </a:p>
           <a:p>
             <a:pPr lvl="1"/>
             <a:r>
-              <a:rPr lang="en-US" dirty="0" err="1" smtClean="0"/>
+              <a:rPr lang="en-US" dirty="0" err="1"/>
               <a:t>aggregateByKey</a:t>
             </a:r>
             <a:r>
-              <a:rPr lang="en-US" dirty="0" smtClean="0"/>
+              <a:rPr lang="en-US" dirty="0"/>
               <a:t>, </a:t>
             </a:r>
             <a:r>
-              <a:rPr lang="en-US" dirty="0" err="1" smtClean="0"/>
+              <a:rPr lang="en-US" dirty="0" err="1"/>
               <a:t>cogroup</a:t>
             </a:r>
             <a:r>
-              <a:rPr lang="en-US" dirty="0" smtClean="0"/>
+              <a:rPr lang="en-US" dirty="0"/>
               <a:t>, join, </a:t>
             </a:r>
             <a:r>
-              <a:rPr lang="en-US" dirty="0" err="1" smtClean="0"/>
+              <a:rPr lang="en-US" dirty="0" err="1"/>
               <a:t>combineByKey</a:t>
             </a:r>
             <a:r>
-              <a:rPr lang="en-US" dirty="0" smtClean="0"/>
+              <a:rPr lang="en-US" dirty="0"/>
               <a:t>, </a:t>
             </a:r>
             <a:r>
-              <a:rPr lang="en-US" dirty="0" err="1" smtClean="0"/>
+              <a:rPr lang="en-US" dirty="0" err="1"/>
               <a:t>foldByKey</a:t>
             </a:r>
             <a:r>
-              <a:rPr lang="en-US" dirty="0" smtClean="0"/>
+              <a:rPr lang="en-US" dirty="0"/>
               <a:t>, </a:t>
             </a:r>
             <a:r>
-              <a:rPr lang="is-IS" dirty="0" smtClean="0"/>
+              <a:rPr lang="is-IS" dirty="0"/>
               <a:t>…</a:t>
             </a:r>
-            <a:endParaRPr lang="en-US" dirty="0" smtClean="0"/>
-          </a:p>
-          <a:p>
-            <a:r>
-              <a:rPr lang="en-US" dirty="0" err="1" smtClean="0"/>
+            <a:endParaRPr lang="en-US" dirty="0"/>
+          </a:p>
+          <a:p>
+            <a:r>
+              <a:rPr lang="en-US" dirty="0" err="1"/>
               <a:t>DoubleRDDFunctions</a:t>
             </a:r>
             <a:r>
-              <a:rPr lang="en-US" dirty="0" smtClean="0"/>
+              <a:rPr lang="en-US" dirty="0"/>
               <a:t> when RDD has Doubles (or convertible)</a:t>
             </a:r>
           </a:p>
           <a:p>
             <a:pPr lvl="1"/>
             <a:r>
-              <a:rPr lang="en-US" dirty="0" smtClean="0"/>
+              <a:rPr lang="en-US" dirty="0"/>
               <a:t>mean, </a:t>
             </a:r>
             <a:r>
-              <a:rPr lang="en-US" dirty="0" err="1" smtClean="0"/>
+              <a:rPr lang="en-US" dirty="0" err="1"/>
               <a:t>stdev</a:t>
             </a:r>
             <a:r>
-              <a:rPr lang="en-US" dirty="0" smtClean="0"/>
+              <a:rPr lang="en-US" dirty="0"/>
               <a:t>, sum, variance, </a:t>
             </a:r>
             <a:r>
-              <a:rPr lang="is-IS" dirty="0" smtClean="0"/>
+              <a:rPr lang="is-IS" dirty="0"/>
               <a:t>…</a:t>
             </a:r>
-            <a:endParaRPr lang="en-US" dirty="0" smtClean="0"/>
-          </a:p>
-          <a:p>
-            <a:r>
-              <a:rPr lang="en-US" dirty="0" err="1" smtClean="0"/>
+            <a:endParaRPr lang="en-US" dirty="0"/>
+          </a:p>
+          <a:p>
+            <a:r>
+              <a:rPr lang="en-US" dirty="0" err="1"/>
               <a:t>NewHadoopRDD</a:t>
             </a:r>
             <a:endParaRPr lang="en-US" dirty="0"/>
@@ -30887,91 +30146,87 @@
           <a:p>
             <a:pPr lvl="1"/>
             <a:r>
-              <a:rPr lang="en-US" dirty="0" smtClean="0"/>
+              <a:rPr lang="en-US" dirty="0"/>
               <a:t>Old- and new-school </a:t>
             </a:r>
             <a:r>
-              <a:rPr lang="en-US" dirty="0" err="1" smtClean="0"/>
+              <a:rPr lang="en-US" dirty="0" err="1"/>
               <a:t>Hadoop</a:t>
             </a:r>
             <a:r>
-              <a:rPr lang="en-US" dirty="0" smtClean="0"/>
+              <a:rPr lang="en-US" dirty="0"/>
               <a:t> support</a:t>
             </a:r>
           </a:p>
           <a:p>
             <a:r>
-              <a:rPr lang="en-US" dirty="0" err="1" smtClean="0"/>
+              <a:rPr lang="en-US" dirty="0" err="1"/>
               <a:t>JdbcRDD</a:t>
             </a:r>
-            <a:endParaRPr lang="en-US" dirty="0" smtClean="0"/>
+            <a:endParaRPr lang="en-US" dirty="0"/>
           </a:p>
           <a:p>
             <a:pPr lvl="1"/>
             <a:r>
-              <a:rPr lang="en-US" dirty="0" smtClean="0"/>
+              <a:rPr lang="en-US" dirty="0"/>
               <a:t>Use SQL against JDBC as RDD's data source</a:t>
             </a:r>
           </a:p>
           <a:p>
             <a:r>
-              <a:rPr lang="en-US" dirty="0" err="1" smtClean="0"/>
+              <a:rPr lang="en-US" dirty="0" err="1"/>
               <a:t>SequenceFileRDDFunctions</a:t>
             </a:r>
             <a:r>
               <a:rPr lang="en-US" dirty="0"/>
-              <a:t> </a:t>
-            </a:r>
-            <a:r>
-              <a:rPr lang="en-US" dirty="0" smtClean="0"/>
-              <a:t>when RDD is of tuples</a:t>
+              <a:t> when RDD is of tuples</a:t>
             </a:r>
           </a:p>
           <a:p>
             <a:pPr lvl="1"/>
             <a:r>
-              <a:rPr lang="en-US" dirty="0" err="1" smtClean="0"/>
+              <a:rPr lang="en-US" dirty="0" err="1"/>
               <a:t>saveAsSequenceFile</a:t>
             </a:r>
-            <a:endParaRPr lang="en-US" dirty="0" smtClean="0"/>
-          </a:p>
-          <a:p>
-            <a:r>
-              <a:rPr lang="en-US" dirty="0" err="1" smtClean="0"/>
+            <a:endParaRPr lang="en-US" dirty="0"/>
+          </a:p>
+          <a:p>
+            <a:r>
+              <a:rPr lang="en-US" dirty="0" err="1"/>
               <a:t>OrderedRDDFunctions</a:t>
             </a:r>
             <a:r>
-              <a:rPr lang="en-US" dirty="0" smtClean="0"/>
+              <a:rPr lang="en-US" dirty="0"/>
               <a:t> when RDD of tuples with sortable key</a:t>
             </a:r>
           </a:p>
           <a:p>
             <a:pPr lvl="1"/>
             <a:r>
-              <a:rPr lang="en-US" dirty="0" err="1" smtClean="0"/>
+              <a:rPr lang="en-US" dirty="0" err="1"/>
               <a:t>filterByRange</a:t>
             </a:r>
             <a:r>
-              <a:rPr lang="en-US" dirty="0" smtClean="0"/>
+              <a:rPr lang="en-US" dirty="0"/>
               <a:t>, </a:t>
             </a:r>
             <a:r>
-              <a:rPr lang="en-US" dirty="0" err="1" smtClean="0"/>
+              <a:rPr lang="en-US" dirty="0" err="1"/>
               <a:t>sortByKey</a:t>
             </a:r>
             <a:r>
-              <a:rPr lang="en-US" dirty="0" smtClean="0"/>
+              <a:rPr lang="en-US" dirty="0"/>
               <a:t>, </a:t>
             </a:r>
             <a:r>
-              <a:rPr lang="is-IS" dirty="0" smtClean="0"/>
+              <a:rPr lang="is-IS" dirty="0"/>
               <a:t>…</a:t>
             </a:r>
-            <a:endParaRPr lang="en-US" dirty="0" smtClean="0"/>
+            <a:endParaRPr lang="en-US" dirty="0"/>
           </a:p>
           <a:p>
             <a:pPr lvl="1"/>
-            <a:endParaRPr lang="en-US" dirty="0" smtClean="0"/>
+            <a:endParaRPr lang="en-US" dirty="0"/>
           </a:p>
         </p:txBody>
       </p:sp>
@@ -31021,10 +30276,9 @@
           <a:lstStyle/>
           <a:p>
             <a:r>
-              <a:rPr lang="en-US" dirty="0" smtClean="0"/>
+              <a:rPr lang="en-US" dirty="0"/>
               <a:t>Pair RDDs</a:t>
             </a:r>
-            <a:endParaRPr lang="en-US" dirty="0"/>
           </a:p>
         </p:txBody>
       </p:sp>
@@ -31068,105 +30322,105 @@
           <a:lstStyle/>
           <a:p>
             <a:r>
-              <a:rPr lang="en-US" dirty="0" smtClean="0"/>
+              <a:rPr lang="en-US" dirty="0"/>
               <a:t>When an RDD's type is a tuple, an implicit adds </a:t>
             </a:r>
             <a:r>
-              <a:rPr lang="en-US" dirty="0" err="1" smtClean="0"/>
+              <a:rPr lang="en-US" dirty="0" err="1"/>
               <a:t>PairRDDFunctions</a:t>
             </a:r>
-            <a:endParaRPr lang="en-US" dirty="0" smtClean="0"/>
-          </a:p>
-          <a:p>
-            <a:r>
-              <a:rPr lang="en-US" dirty="0" smtClean="0"/>
+            <a:endParaRPr lang="en-US" dirty="0"/>
+          </a:p>
+          <a:p>
+            <a:r>
+              <a:rPr lang="en-US" dirty="0"/>
               <a:t>Various key/value-related methods</a:t>
             </a:r>
           </a:p>
           <a:p>
             <a:pPr lvl="1"/>
             <a:r>
-              <a:rPr lang="en-US" dirty="0" err="1" smtClean="0"/>
+              <a:rPr lang="en-US" dirty="0" err="1"/>
               <a:t>aggregateByKey</a:t>
             </a:r>
             <a:r>
-              <a:rPr lang="en-US" dirty="0" smtClean="0"/>
+              <a:rPr lang="en-US" dirty="0"/>
               <a:t>, </a:t>
             </a:r>
             <a:r>
-              <a:rPr lang="en-US" dirty="0" err="1" smtClean="0"/>
+              <a:rPr lang="en-US" dirty="0" err="1"/>
               <a:t>cogroup</a:t>
             </a:r>
             <a:r>
-              <a:rPr lang="en-US" dirty="0" smtClean="0"/>
+              <a:rPr lang="en-US" dirty="0"/>
               <a:t>, </a:t>
             </a:r>
             <a:r>
-              <a:rPr lang="en-US" dirty="0" err="1" smtClean="0"/>
+              <a:rPr lang="en-US" dirty="0" err="1"/>
               <a:t>collectAsMap</a:t>
             </a:r>
             <a:r>
-              <a:rPr lang="en-US" dirty="0" smtClean="0"/>
+              <a:rPr lang="en-US" dirty="0"/>
               <a:t>, </a:t>
             </a:r>
             <a:r>
-              <a:rPr lang="en-US" dirty="0" err="1" smtClean="0"/>
+              <a:rPr lang="en-US" dirty="0" err="1"/>
               <a:t>combineByKey</a:t>
             </a:r>
             <a:r>
-              <a:rPr lang="en-US" dirty="0" smtClean="0"/>
+              <a:rPr lang="en-US" dirty="0"/>
               <a:t>, </a:t>
             </a:r>
             <a:r>
-              <a:rPr lang="en-US" dirty="0" err="1" smtClean="0"/>
+              <a:rPr lang="en-US" dirty="0" err="1"/>
               <a:t>countByKey</a:t>
             </a:r>
             <a:r>
-              <a:rPr lang="en-US" dirty="0" smtClean="0"/>
+              <a:rPr lang="en-US" dirty="0"/>
               <a:t>, </a:t>
             </a:r>
             <a:r>
-              <a:rPr lang="en-US" dirty="0" err="1" smtClean="0"/>
+              <a:rPr lang="en-US" dirty="0" err="1"/>
               <a:t>foldByKey</a:t>
             </a:r>
             <a:r>
-              <a:rPr lang="en-US" dirty="0" smtClean="0"/>
+              <a:rPr lang="en-US" dirty="0"/>
               <a:t>, join (and friends), </a:t>
             </a:r>
             <a:r>
-              <a:rPr lang="en-US" dirty="0" err="1" smtClean="0"/>
+              <a:rPr lang="en-US" dirty="0" err="1"/>
               <a:t>reduceByKey</a:t>
             </a:r>
             <a:r>
-              <a:rPr lang="en-US" dirty="0" smtClean="0"/>
+              <a:rPr lang="en-US" dirty="0"/>
               <a:t>, </a:t>
             </a:r>
             <a:r>
-              <a:rPr lang="en-US" dirty="0" err="1" smtClean="0"/>
+              <a:rPr lang="en-US" dirty="0" err="1"/>
               <a:t>subtractByKey</a:t>
             </a:r>
             <a:r>
-              <a:rPr lang="en-US" dirty="0" smtClean="0"/>
+              <a:rPr lang="en-US" dirty="0"/>
               <a:t>, </a:t>
             </a:r>
             <a:r>
-              <a:rPr lang="en-US" dirty="0" err="1" smtClean="0"/>
+              <a:rPr lang="en-US" dirty="0" err="1"/>
               <a:t>mapValues</a:t>
             </a:r>
             <a:r>
-              <a:rPr lang="en-US" dirty="0" smtClean="0"/>
+              <a:rPr lang="en-US" dirty="0"/>
               <a:t>, </a:t>
             </a:r>
             <a:r>
-              <a:rPr lang="en-US" dirty="0" err="1" smtClean="0"/>
+              <a:rPr lang="en-US" dirty="0" err="1"/>
               <a:t>flatMapValues</a:t>
             </a:r>
             <a:r>
-              <a:rPr lang="en-US" dirty="0" smtClean="0"/>
+              <a:rPr lang="en-US" dirty="0"/>
               <a:t>, </a:t>
             </a:r>
             <a:r>
-              <a:rPr lang="is-IS" dirty="0" smtClean="0"/>
+              <a:rPr lang="is-IS" dirty="0"/>
               <a:t>…</a:t>
             </a:r>
             <a:endParaRPr lang="en-US" dirty="0"/>
@@ -31219,15 +30473,15 @@
           <a:lstStyle/>
           <a:p>
             <a:r>
-              <a:rPr lang="en-US" dirty="0" err="1" smtClean="0"/>
+              <a:rPr lang="en-US" dirty="0" err="1"/>
               <a:t>PairRDDs</a:t>
             </a:r>
             <a:r>
-              <a:rPr lang="en-US" dirty="0" smtClean="0"/>
+              <a:rPr lang="en-US" dirty="0"/>
               <a:t> Example:  </a:t>
             </a:r>
             <a:r>
-              <a:rPr lang="en-US" dirty="0" err="1" smtClean="0"/>
+              <a:rPr lang="en-US" dirty="0" err="1"/>
               <a:t>aggregateByKey</a:t>
             </a:r>
             <a:endParaRPr lang="en-US" dirty="0"/>
@@ -31274,225 +30528,196 @@
           <a:lstStyle/>
           <a:p>
             <a:r>
-              <a:rPr lang="en-US" dirty="0" smtClean="0"/>
+              <a:rPr lang="en-US" dirty="0"/>
               <a:t>Given </a:t>
             </a:r>
             <a:r>
-              <a:rPr lang="en-US" b="1" dirty="0" smtClean="0">
+              <a:rPr lang="en-US" b="1" dirty="0">
                 <a:latin typeface="Courier New"/>
                 <a:cs typeface="Courier New"/>
               </a:rPr>
               <a:t>RDD[(</a:t>
             </a:r>
             <a:r>
-              <a:rPr lang="en-US" b="1" dirty="0" err="1" smtClean="0">
+              <a:rPr lang="en-US" b="1" dirty="0" err="1">
                 <a:latin typeface="Courier New"/>
                 <a:cs typeface="Courier New"/>
               </a:rPr>
               <a:t>LocalDate,Int</a:t>
             </a:r>
             <a:r>
-              <a:rPr lang="en-US" b="1" dirty="0" smtClean="0">
+              <a:rPr lang="en-US" b="1" dirty="0">
                 <a:latin typeface="Courier New"/>
                 <a:cs typeface="Courier New"/>
               </a:rPr>
               <a:t>)]</a:t>
             </a:r>
             <a:r>
-              <a:rPr lang="en-US" dirty="0" smtClean="0"/>
+              <a:rPr lang="en-US" dirty="0"/>
               <a:t> representing entries of dates &amp; counts, calculate count totals for each date</a:t>
             </a:r>
           </a:p>
           <a:p>
             <a:r>
-              <a:rPr lang="en-US" sz="1800" b="1" dirty="0" err="1" smtClean="0">
+              <a:rPr lang="en-US" sz="1800" b="1" dirty="0" err="1">
                 <a:latin typeface="Courier New"/>
                 <a:cs typeface="Courier New"/>
               </a:rPr>
               <a:t>val</a:t>
             </a:r>
             <a:r>
-              <a:rPr lang="en-US" sz="1800" b="1" dirty="0" smtClean="0">
-                <a:latin typeface="Courier New"/>
-                <a:cs typeface="Courier New"/>
-              </a:rPr>
-              <a:t> intra = (total, count) </a:t>
-            </a:r>
-            <a:r>
               <a:rPr lang="en-US" sz="1800" b="1" dirty="0">
                 <a:latin typeface="Courier New"/>
                 <a:cs typeface="Courier New"/>
               </a:rPr>
-              <a:t>=&gt; </a:t>
-            </a:r>
-            <a:r>
-              <a:rPr lang="en-US" sz="1800" b="1" dirty="0" smtClean="0">
-                <a:latin typeface="Courier New"/>
-                <a:cs typeface="Courier New"/>
-              </a:rPr>
-              <a:t>total + count</a:t>
+              <a:t> intra = (total, count) =&gt; total + count</a:t>
             </a:r>
           </a:p>
           <a:p>
             <a:pPr lvl="1"/>
             <a:r>
-              <a:rPr lang="en-US" dirty="0" smtClean="0"/>
+              <a:rPr lang="en-US" dirty="0"/>
               <a:t>Function that is called </a:t>
             </a:r>
             <a:r>
-              <a:rPr lang="en-US" i="1" dirty="0" smtClean="0"/>
+              <a:rPr lang="en-US" i="1" dirty="0"/>
               <a:t>within</a:t>
             </a:r>
             <a:r>
-              <a:rPr lang="en-US" dirty="0" smtClean="0"/>
+              <a:rPr lang="en-US" dirty="0"/>
               <a:t> a given partition for each k/v pair</a:t>
             </a:r>
           </a:p>
           <a:p>
             <a:pPr lvl="1"/>
             <a:r>
-              <a:rPr lang="en-US" dirty="0" smtClean="0"/>
+              <a:rPr lang="en-US" dirty="0"/>
               <a:t>Takes an accumulator and the current iteration's value</a:t>
             </a:r>
           </a:p>
           <a:p>
             <a:pPr lvl="1"/>
             <a:r>
-              <a:rPr lang="en-US" dirty="0" smtClean="0"/>
+              <a:rPr lang="en-US" dirty="0"/>
               <a:t>Returns the result of combining them</a:t>
             </a:r>
           </a:p>
           <a:p>
             <a:r>
-              <a:rPr lang="en-US" sz="1800" b="1" dirty="0" err="1" smtClean="0">
+              <a:rPr lang="en-US" sz="1800" b="1" dirty="0" err="1">
                 <a:latin typeface="Courier New"/>
                 <a:cs typeface="Courier New"/>
               </a:rPr>
               <a:t>val</a:t>
             </a:r>
             <a:r>
-              <a:rPr lang="en-US" sz="1800" b="1" dirty="0" smtClean="0">
-                <a:latin typeface="Courier New"/>
-                <a:cs typeface="Courier New"/>
-              </a:rPr>
-              <a:t> inter = (total1, total2) </a:t>
-            </a:r>
-            <a:r>
               <a:rPr lang="en-US" sz="1800" b="1" dirty="0">
                 <a:latin typeface="Courier New"/>
                 <a:cs typeface="Courier New"/>
               </a:rPr>
-              <a:t>=</a:t>
-            </a:r>
-            <a:r>
-              <a:rPr lang="en-US" sz="1800" b="1" dirty="0" smtClean="0">
-                <a:latin typeface="Courier New"/>
-                <a:cs typeface="Courier New"/>
-              </a:rPr>
-              <a:t>&gt; total1 + total2</a:t>
+              <a:t> inter = (total1, total2) =&gt; total1 + total2</a:t>
             </a:r>
           </a:p>
           <a:p>
             <a:pPr lvl="1"/>
             <a:r>
-              <a:rPr lang="en-US" dirty="0" smtClean="0"/>
+              <a:rPr lang="en-US" dirty="0"/>
               <a:t>Function that is called to combine values </a:t>
             </a:r>
             <a:r>
-              <a:rPr lang="en-US" i="1" dirty="0" smtClean="0"/>
+              <a:rPr lang="en-US" i="1" dirty="0"/>
               <a:t>across</a:t>
             </a:r>
             <a:r>
-              <a:rPr lang="en-US" dirty="0" smtClean="0"/>
+              <a:rPr lang="en-US" dirty="0"/>
               <a:t> partitions</a:t>
             </a:r>
           </a:p>
           <a:p>
             <a:pPr lvl="1"/>
             <a:r>
-              <a:rPr lang="en-US" dirty="0" smtClean="0"/>
+              <a:rPr lang="en-US" dirty="0"/>
               <a:t>Takes the accumulated value from two partitions</a:t>
             </a:r>
           </a:p>
           <a:p>
             <a:pPr lvl="1"/>
             <a:r>
-              <a:rPr lang="en-US" dirty="0" smtClean="0"/>
+              <a:rPr lang="en-US" dirty="0"/>
               <a:t>Returns the result of combining them</a:t>
             </a:r>
           </a:p>
           <a:p>
             <a:r>
-              <a:rPr lang="en-US" sz="1800" b="1" dirty="0" err="1" smtClean="0">
+              <a:rPr lang="en-US" sz="1800" b="1" dirty="0" err="1">
                 <a:latin typeface="Courier New"/>
                 <a:cs typeface="Courier New"/>
               </a:rPr>
               <a:t>val</a:t>
             </a:r>
             <a:r>
-              <a:rPr lang="en-US" sz="1800" b="1" dirty="0" smtClean="0">
+              <a:rPr lang="en-US" sz="1800" b="1" dirty="0">
                 <a:latin typeface="Courier New"/>
                 <a:cs typeface="Courier New"/>
               </a:rPr>
               <a:t> result =</a:t>
             </a:r>
             <a:br>
-              <a:rPr lang="en-US" sz="1800" b="1" dirty="0" smtClean="0">
+              <a:rPr lang="en-US" sz="1800" b="1" dirty="0">
                 <a:latin typeface="Courier New"/>
                 <a:cs typeface="Courier New"/>
               </a:rPr>
             </a:br>
             <a:r>
-              <a:rPr lang="en-US" sz="1800" b="1" dirty="0" smtClean="0">
+              <a:rPr lang="en-US" sz="1800" b="1" dirty="0">
                 <a:latin typeface="Courier New"/>
                 <a:cs typeface="Courier New"/>
               </a:rPr>
               <a:t>  </a:t>
             </a:r>
             <a:r>
-              <a:rPr lang="en-US" sz="1800" b="1" dirty="0" err="1" smtClean="0">
+              <a:rPr lang="en-US" sz="1800" b="1" dirty="0" err="1">
                 <a:latin typeface="Courier New"/>
                 <a:cs typeface="Courier New"/>
               </a:rPr>
               <a:t>rdd.aggregateByKey</a:t>
             </a:r>
             <a:r>
-              <a:rPr lang="en-US" sz="1800" b="1" dirty="0" smtClean="0">
+              <a:rPr lang="en-US" sz="1800" b="1" dirty="0">
                 <a:latin typeface="Courier New"/>
                 <a:cs typeface="Courier New"/>
               </a:rPr>
               <a:t>(0L)(intra, inter).</a:t>
             </a:r>
             <a:r>
-              <a:rPr lang="en-US" sz="1800" b="1" dirty="0" err="1" smtClean="0">
+              <a:rPr lang="en-US" sz="1800" b="1" dirty="0" err="1">
                 <a:latin typeface="Courier New"/>
                 <a:cs typeface="Courier New"/>
               </a:rPr>
               <a:t>collectAsMap</a:t>
             </a:r>
-            <a:endParaRPr lang="en-US" sz="2400" dirty="0" smtClean="0"/>
+            <a:endParaRPr lang="en-US" sz="2400" dirty="0"/>
           </a:p>
           <a:p>
             <a:pPr marL="49213"/>
             <a:r>
-              <a:rPr lang="en-US" dirty="0" smtClean="0"/>
+              <a:rPr lang="en-US" dirty="0"/>
               <a:t>Notice that the key (</a:t>
             </a:r>
             <a:r>
-              <a:rPr lang="en-US" sz="2000" b="1" dirty="0" err="1" smtClean="0">
+              <a:rPr lang="en-US" sz="2000" b="1" dirty="0" err="1">
                 <a:latin typeface="Courier New"/>
                 <a:cs typeface="Courier New"/>
               </a:rPr>
               <a:t>LocalDate</a:t>
             </a:r>
             <a:r>
-              <a:rPr lang="en-US" dirty="0" smtClean="0"/>
+              <a:rPr lang="en-US" dirty="0"/>
               <a:t>) is not involved in computation</a:t>
             </a:r>
-            <a:endParaRPr lang="en-US" dirty="0"/>
-          </a:p>
-          <a:p>
-            <a:endParaRPr lang="en-US" sz="1800" b="1" dirty="0" smtClean="0">
+          </a:p>
+          <a:p>
+            <a:endParaRPr lang="en-US" sz="1800" b="1" dirty="0">
               <a:latin typeface="Courier New"/>
               <a:cs typeface="Courier New"/>
             </a:endParaRPr>
@@ -31545,10 +30770,9 @@
           <a:lstStyle/>
           <a:p>
             <a:r>
-              <a:rPr lang="en-US" dirty="0" smtClean="0"/>
+              <a:rPr lang="en-US" dirty="0"/>
               <a:t>Shared Variables</a:t>
             </a:r>
-            <a:endParaRPr lang="en-US" dirty="0"/>
           </a:p>
         </p:txBody>
       </p:sp>
@@ -31592,27 +30816,27 @@
           <a:lstStyle/>
           <a:p>
             <a:r>
-              <a:rPr lang="en-US" dirty="0" smtClean="0"/>
+              <a:rPr lang="en-US" dirty="0"/>
               <a:t>In some cases, it may be beneficial to share information consistently across the cluster</a:t>
             </a:r>
           </a:p>
           <a:p>
             <a:r>
-              <a:rPr lang="en-US" dirty="0" smtClean="0"/>
+              <a:rPr lang="en-US" dirty="0"/>
               <a:t>Spark offers two kinds of shared variables:</a:t>
             </a:r>
           </a:p>
           <a:p>
             <a:pPr lvl="1"/>
             <a:r>
-              <a:rPr lang="en-US" dirty="0" smtClean="0"/>
+              <a:rPr lang="en-US" dirty="0"/>
               <a:t>Broadcast Variables</a:t>
             </a:r>
           </a:p>
           <a:p>
             <a:pPr lvl="1"/>
             <a:r>
-              <a:rPr lang="en-US" dirty="0" smtClean="0"/>
+              <a:rPr lang="en-US" dirty="0"/>
               <a:t>Accumulators</a:t>
             </a:r>
           </a:p>
